--- a/中越詩歌/來到馬槽前_Đến trước nơi máng cỏ.pptx
+++ b/中越詩歌/來到馬槽前_Đến trước nơi máng cỏ.pptx
@@ -14,16 +14,18 @@
     <p:sldId id="263" r:id="rId8"/>
     <p:sldId id="264" r:id="rId9"/>
     <p:sldId id="265" r:id="rId10"/>
-    <p:sldId id="266" r:id="rId11"/>
-    <p:sldId id="267" r:id="rId12"/>
-    <p:sldId id="268" r:id="rId13"/>
-    <p:sldId id="269" r:id="rId14"/>
-    <p:sldId id="270" r:id="rId15"/>
-    <p:sldId id="271" r:id="rId16"/>
-    <p:sldId id="272" r:id="rId17"/>
-    <p:sldId id="273" r:id="rId18"/>
-    <p:sldId id="274" r:id="rId19"/>
-    <p:sldId id="275" r:id="rId20"/>
+    <p:sldId id="1075" r:id="rId11"/>
+    <p:sldId id="1076" r:id="rId12"/>
+    <p:sldId id="266" r:id="rId13"/>
+    <p:sldId id="267" r:id="rId14"/>
+    <p:sldId id="268" r:id="rId15"/>
+    <p:sldId id="269" r:id="rId16"/>
+    <p:sldId id="270" r:id="rId17"/>
+    <p:sldId id="271" r:id="rId18"/>
+    <p:sldId id="272" r:id="rId19"/>
+    <p:sldId id="273" r:id="rId20"/>
+    <p:sldId id="274" r:id="rId21"/>
+    <p:sldId id="275" r:id="rId22"/>
   </p:sldIdLst>
   <p:sldSz cx="12192000" cy="6858000"/>
   <p:notesSz cx="6858000" cy="9144000"/>
@@ -122,6 +124,11 @@
       </a:defRPr>
     </a:lvl9pPr>
   </p:defaultTextStyle>
+  <p:extLst>
+    <p:ext uri="{EFAFB233-063F-42B5-8137-9DF3F51BA10A}">
+      <p15:sldGuideLst xmlns:p15="http://schemas.microsoft.com/office/powerpoint/2012/main"/>
+    </p:ext>
+  </p:extLst>
 </p:presentation>
 </file>
 
@@ -163,7 +170,7 @@
           <a:lstStyle/>
           <a:p>
             <a:r>
-              <a:rPr lang="en-US" altLang="zh-TW" smtClean="0"/>
+              <a:rPr lang="en-US" altLang="zh-TW"/>
               <a:t>Click to edit Master title style</a:t>
             </a:r>
             <a:endParaRPr lang="zh-TW" altLang="en-US"/>
@@ -282,7 +289,7 @@
           </a:lstStyle>
           <a:p>
             <a:r>
-              <a:rPr lang="en-US" altLang="zh-TW" smtClean="0"/>
+              <a:rPr lang="en-US" altLang="zh-TW"/>
               <a:t>Click to edit Master subtitle style</a:t>
             </a:r>
             <a:endParaRPr lang="zh-TW" altLang="en-US"/>
@@ -306,7 +313,7 @@
           <a:p>
             <a:fld id="{D873FF45-C348-4448-B9F5-3CA71160EBEA}" type="datetimeFigureOut">
               <a:rPr lang="vi-VN" smtClean="0"/>
-              <a:t>21/12/2021</a:t>
+              <a:t>20/12/2023</a:t>
             </a:fld>
             <a:endParaRPr lang="vi-VN"/>
           </a:p>
@@ -400,7 +407,7 @@
           <a:lstStyle/>
           <a:p>
             <a:r>
-              <a:rPr lang="en-US" altLang="zh-TW" smtClean="0"/>
+              <a:rPr lang="en-US" altLang="zh-TW"/>
               <a:t>Click to edit Master title style</a:t>
             </a:r>
             <a:endParaRPr lang="zh-TW" altLang="en-US"/>
@@ -424,35 +431,35 @@
           <a:p>
             <a:pPr lvl="0"/>
             <a:r>
-              <a:rPr lang="en-US" altLang="zh-TW" smtClean="0"/>
+              <a:rPr lang="en-US" altLang="zh-TW"/>
               <a:t>Edit Master text styles</a:t>
             </a:r>
           </a:p>
           <a:p>
             <a:pPr lvl="1"/>
             <a:r>
-              <a:rPr lang="en-US" altLang="zh-TW" smtClean="0"/>
+              <a:rPr lang="en-US" altLang="zh-TW"/>
               <a:t>Second level</a:t>
             </a:r>
           </a:p>
           <a:p>
             <a:pPr lvl="2"/>
             <a:r>
-              <a:rPr lang="en-US" altLang="zh-TW" smtClean="0"/>
+              <a:rPr lang="en-US" altLang="zh-TW"/>
               <a:t>Third level</a:t>
             </a:r>
           </a:p>
           <a:p>
             <a:pPr lvl="3"/>
             <a:r>
-              <a:rPr lang="en-US" altLang="zh-TW" smtClean="0"/>
+              <a:rPr lang="en-US" altLang="zh-TW"/>
               <a:t>Fourth level</a:t>
             </a:r>
           </a:p>
           <a:p>
             <a:pPr lvl="4"/>
             <a:r>
-              <a:rPr lang="en-US" altLang="zh-TW" smtClean="0"/>
+              <a:rPr lang="en-US" altLang="zh-TW"/>
               <a:t>Fifth level</a:t>
             </a:r>
             <a:endParaRPr lang="zh-TW" altLang="en-US"/>
@@ -476,7 +483,7 @@
           <a:p>
             <a:fld id="{D873FF45-C348-4448-B9F5-3CA71160EBEA}" type="datetimeFigureOut">
               <a:rPr lang="vi-VN" smtClean="0"/>
-              <a:t>21/12/2021</a:t>
+              <a:t>20/12/2023</a:t>
             </a:fld>
             <a:endParaRPr lang="vi-VN"/>
           </a:p>
@@ -575,7 +582,7 @@
           <a:lstStyle/>
           <a:p>
             <a:r>
-              <a:rPr lang="en-US" altLang="zh-TW" smtClean="0"/>
+              <a:rPr lang="en-US" altLang="zh-TW"/>
               <a:t>Click to edit Master title style</a:t>
             </a:r>
             <a:endParaRPr lang="zh-TW" altLang="en-US"/>
@@ -604,35 +611,35 @@
           <a:p>
             <a:pPr lvl="0"/>
             <a:r>
-              <a:rPr lang="en-US" altLang="zh-TW" smtClean="0"/>
+              <a:rPr lang="en-US" altLang="zh-TW"/>
               <a:t>Edit Master text styles</a:t>
             </a:r>
           </a:p>
           <a:p>
             <a:pPr lvl="1"/>
             <a:r>
-              <a:rPr lang="en-US" altLang="zh-TW" smtClean="0"/>
+              <a:rPr lang="en-US" altLang="zh-TW"/>
               <a:t>Second level</a:t>
             </a:r>
           </a:p>
           <a:p>
             <a:pPr lvl="2"/>
             <a:r>
-              <a:rPr lang="en-US" altLang="zh-TW" smtClean="0"/>
+              <a:rPr lang="en-US" altLang="zh-TW"/>
               <a:t>Third level</a:t>
             </a:r>
           </a:p>
           <a:p>
             <a:pPr lvl="3"/>
             <a:r>
-              <a:rPr lang="en-US" altLang="zh-TW" smtClean="0"/>
+              <a:rPr lang="en-US" altLang="zh-TW"/>
               <a:t>Fourth level</a:t>
             </a:r>
           </a:p>
           <a:p>
             <a:pPr lvl="4"/>
             <a:r>
-              <a:rPr lang="en-US" altLang="zh-TW" smtClean="0"/>
+              <a:rPr lang="en-US" altLang="zh-TW"/>
               <a:t>Fifth level</a:t>
             </a:r>
             <a:endParaRPr lang="zh-TW" altLang="en-US"/>
@@ -656,7 +663,7 @@
           <a:p>
             <a:fld id="{D873FF45-C348-4448-B9F5-3CA71160EBEA}" type="datetimeFigureOut">
               <a:rPr lang="vi-VN" smtClean="0"/>
-              <a:t>21/12/2021</a:t>
+              <a:t>20/12/2023</a:t>
             </a:fld>
             <a:endParaRPr lang="vi-VN"/>
           </a:p>
@@ -750,7 +757,7 @@
           <a:lstStyle/>
           <a:p>
             <a:r>
-              <a:rPr lang="en-US" altLang="zh-TW" smtClean="0"/>
+              <a:rPr lang="en-US" altLang="zh-TW"/>
               <a:t>Click to edit Master title style</a:t>
             </a:r>
             <a:endParaRPr lang="zh-TW" altLang="en-US"/>
@@ -774,35 +781,35 @@
           <a:p>
             <a:pPr lvl="0"/>
             <a:r>
-              <a:rPr lang="en-US" altLang="zh-TW" smtClean="0"/>
+              <a:rPr lang="en-US" altLang="zh-TW"/>
               <a:t>Edit Master text styles</a:t>
             </a:r>
           </a:p>
           <a:p>
             <a:pPr lvl="1"/>
             <a:r>
-              <a:rPr lang="en-US" altLang="zh-TW" smtClean="0"/>
+              <a:rPr lang="en-US" altLang="zh-TW"/>
               <a:t>Second level</a:t>
             </a:r>
           </a:p>
           <a:p>
             <a:pPr lvl="2"/>
             <a:r>
-              <a:rPr lang="en-US" altLang="zh-TW" smtClean="0"/>
+              <a:rPr lang="en-US" altLang="zh-TW"/>
               <a:t>Third level</a:t>
             </a:r>
           </a:p>
           <a:p>
             <a:pPr lvl="3"/>
             <a:r>
-              <a:rPr lang="en-US" altLang="zh-TW" smtClean="0"/>
+              <a:rPr lang="en-US" altLang="zh-TW"/>
               <a:t>Fourth level</a:t>
             </a:r>
           </a:p>
           <a:p>
             <a:pPr lvl="4"/>
             <a:r>
-              <a:rPr lang="en-US" altLang="zh-TW" smtClean="0"/>
+              <a:rPr lang="en-US" altLang="zh-TW"/>
               <a:t>Fifth level</a:t>
             </a:r>
             <a:endParaRPr lang="zh-TW" altLang="en-US"/>
@@ -826,7 +833,7 @@
           <a:p>
             <a:fld id="{D873FF45-C348-4448-B9F5-3CA71160EBEA}" type="datetimeFigureOut">
               <a:rPr lang="vi-VN" smtClean="0"/>
-              <a:t>21/12/2021</a:t>
+              <a:t>20/12/2023</a:t>
             </a:fld>
             <a:endParaRPr lang="vi-VN"/>
           </a:p>
@@ -929,7 +936,7 @@
           </a:lstStyle>
           <a:p>
             <a:r>
-              <a:rPr lang="en-US" altLang="zh-TW" smtClean="0"/>
+              <a:rPr lang="en-US" altLang="zh-TW"/>
               <a:t>Click to edit Master title style</a:t>
             </a:r>
             <a:endParaRPr lang="zh-TW" altLang="en-US"/>
@@ -1049,7 +1056,7 @@
           <a:p>
             <a:pPr lvl="0"/>
             <a:r>
-              <a:rPr lang="en-US" altLang="zh-TW" smtClean="0"/>
+              <a:rPr lang="en-US" altLang="zh-TW"/>
               <a:t>Edit Master text styles</a:t>
             </a:r>
           </a:p>
@@ -1072,7 +1079,7 @@
           <a:p>
             <a:fld id="{D873FF45-C348-4448-B9F5-3CA71160EBEA}" type="datetimeFigureOut">
               <a:rPr lang="vi-VN" smtClean="0"/>
-              <a:t>21/12/2021</a:t>
+              <a:t>20/12/2023</a:t>
             </a:fld>
             <a:endParaRPr lang="vi-VN"/>
           </a:p>
@@ -1166,7 +1173,7 @@
           <a:lstStyle/>
           <a:p>
             <a:r>
-              <a:rPr lang="en-US" altLang="zh-TW" smtClean="0"/>
+              <a:rPr lang="en-US" altLang="zh-TW"/>
               <a:t>Click to edit Master title style</a:t>
             </a:r>
             <a:endParaRPr lang="zh-TW" altLang="en-US"/>
@@ -1223,35 +1230,35 @@
           <a:p>
             <a:pPr lvl="0"/>
             <a:r>
-              <a:rPr lang="en-US" altLang="zh-TW" smtClean="0"/>
+              <a:rPr lang="en-US" altLang="zh-TW"/>
               <a:t>Edit Master text styles</a:t>
             </a:r>
           </a:p>
           <a:p>
             <a:pPr lvl="1"/>
             <a:r>
-              <a:rPr lang="en-US" altLang="zh-TW" smtClean="0"/>
+              <a:rPr lang="en-US" altLang="zh-TW"/>
               <a:t>Second level</a:t>
             </a:r>
           </a:p>
           <a:p>
             <a:pPr lvl="2"/>
             <a:r>
-              <a:rPr lang="en-US" altLang="zh-TW" smtClean="0"/>
+              <a:rPr lang="en-US" altLang="zh-TW"/>
               <a:t>Third level</a:t>
             </a:r>
           </a:p>
           <a:p>
             <a:pPr lvl="3"/>
             <a:r>
-              <a:rPr lang="en-US" altLang="zh-TW" smtClean="0"/>
+              <a:rPr lang="en-US" altLang="zh-TW"/>
               <a:t>Fourth level</a:t>
             </a:r>
           </a:p>
           <a:p>
             <a:pPr lvl="4"/>
             <a:r>
-              <a:rPr lang="en-US" altLang="zh-TW" smtClean="0"/>
+              <a:rPr lang="en-US" altLang="zh-TW"/>
               <a:t>Fifth level</a:t>
             </a:r>
             <a:endParaRPr lang="zh-TW" altLang="en-US"/>
@@ -1308,35 +1315,35 @@
           <a:p>
             <a:pPr lvl="0"/>
             <a:r>
-              <a:rPr lang="en-US" altLang="zh-TW" smtClean="0"/>
+              <a:rPr lang="en-US" altLang="zh-TW"/>
               <a:t>Edit Master text styles</a:t>
             </a:r>
           </a:p>
           <a:p>
             <a:pPr lvl="1"/>
             <a:r>
-              <a:rPr lang="en-US" altLang="zh-TW" smtClean="0"/>
+              <a:rPr lang="en-US" altLang="zh-TW"/>
               <a:t>Second level</a:t>
             </a:r>
           </a:p>
           <a:p>
             <a:pPr lvl="2"/>
             <a:r>
-              <a:rPr lang="en-US" altLang="zh-TW" smtClean="0"/>
+              <a:rPr lang="en-US" altLang="zh-TW"/>
               <a:t>Third level</a:t>
             </a:r>
           </a:p>
           <a:p>
             <a:pPr lvl="3"/>
             <a:r>
-              <a:rPr lang="en-US" altLang="zh-TW" smtClean="0"/>
+              <a:rPr lang="en-US" altLang="zh-TW"/>
               <a:t>Fourth level</a:t>
             </a:r>
           </a:p>
           <a:p>
             <a:pPr lvl="4"/>
             <a:r>
-              <a:rPr lang="en-US" altLang="zh-TW" smtClean="0"/>
+              <a:rPr lang="en-US" altLang="zh-TW"/>
               <a:t>Fifth level</a:t>
             </a:r>
             <a:endParaRPr lang="zh-TW" altLang="en-US"/>
@@ -1360,7 +1367,7 @@
           <a:p>
             <a:fld id="{D873FF45-C348-4448-B9F5-3CA71160EBEA}" type="datetimeFigureOut">
               <a:rPr lang="vi-VN" smtClean="0"/>
-              <a:t>21/12/2021</a:t>
+              <a:t>20/12/2023</a:t>
             </a:fld>
             <a:endParaRPr lang="vi-VN"/>
           </a:p>
@@ -1458,7 +1465,7 @@
           </a:lstStyle>
           <a:p>
             <a:r>
-              <a:rPr lang="en-US" altLang="zh-TW" smtClean="0"/>
+              <a:rPr lang="en-US" altLang="zh-TW"/>
               <a:t>Click to edit Master title style</a:t>
             </a:r>
             <a:endParaRPr lang="zh-TW" altLang="en-US"/>
@@ -1524,7 +1531,7 @@
           <a:p>
             <a:pPr lvl="0"/>
             <a:r>
-              <a:rPr lang="en-US" altLang="zh-TW" smtClean="0"/>
+              <a:rPr lang="en-US" altLang="zh-TW"/>
               <a:t>Edit Master text styles</a:t>
             </a:r>
           </a:p>
@@ -1580,35 +1587,35 @@
           <a:p>
             <a:pPr lvl="0"/>
             <a:r>
-              <a:rPr lang="en-US" altLang="zh-TW" smtClean="0"/>
+              <a:rPr lang="en-US" altLang="zh-TW"/>
               <a:t>Edit Master text styles</a:t>
             </a:r>
           </a:p>
           <a:p>
             <a:pPr lvl="1"/>
             <a:r>
-              <a:rPr lang="en-US" altLang="zh-TW" smtClean="0"/>
+              <a:rPr lang="en-US" altLang="zh-TW"/>
               <a:t>Second level</a:t>
             </a:r>
           </a:p>
           <a:p>
             <a:pPr lvl="2"/>
             <a:r>
-              <a:rPr lang="en-US" altLang="zh-TW" smtClean="0"/>
+              <a:rPr lang="en-US" altLang="zh-TW"/>
               <a:t>Third level</a:t>
             </a:r>
           </a:p>
           <a:p>
             <a:pPr lvl="3"/>
             <a:r>
-              <a:rPr lang="en-US" altLang="zh-TW" smtClean="0"/>
+              <a:rPr lang="en-US" altLang="zh-TW"/>
               <a:t>Fourth level</a:t>
             </a:r>
           </a:p>
           <a:p>
             <a:pPr lvl="4"/>
             <a:r>
-              <a:rPr lang="en-US" altLang="zh-TW" smtClean="0"/>
+              <a:rPr lang="en-US" altLang="zh-TW"/>
               <a:t>Fifth level</a:t>
             </a:r>
             <a:endParaRPr lang="zh-TW" altLang="en-US"/>
@@ -1674,7 +1681,7 @@
           <a:p>
             <a:pPr lvl="0"/>
             <a:r>
-              <a:rPr lang="en-US" altLang="zh-TW" smtClean="0"/>
+              <a:rPr lang="en-US" altLang="zh-TW"/>
               <a:t>Edit Master text styles</a:t>
             </a:r>
           </a:p>
@@ -1730,35 +1737,35 @@
           <a:p>
             <a:pPr lvl="0"/>
             <a:r>
-              <a:rPr lang="en-US" altLang="zh-TW" smtClean="0"/>
+              <a:rPr lang="en-US" altLang="zh-TW"/>
               <a:t>Edit Master text styles</a:t>
             </a:r>
           </a:p>
           <a:p>
             <a:pPr lvl="1"/>
             <a:r>
-              <a:rPr lang="en-US" altLang="zh-TW" smtClean="0"/>
+              <a:rPr lang="en-US" altLang="zh-TW"/>
               <a:t>Second level</a:t>
             </a:r>
           </a:p>
           <a:p>
             <a:pPr lvl="2"/>
             <a:r>
-              <a:rPr lang="en-US" altLang="zh-TW" smtClean="0"/>
+              <a:rPr lang="en-US" altLang="zh-TW"/>
               <a:t>Third level</a:t>
             </a:r>
           </a:p>
           <a:p>
             <a:pPr lvl="3"/>
             <a:r>
-              <a:rPr lang="en-US" altLang="zh-TW" smtClean="0"/>
+              <a:rPr lang="en-US" altLang="zh-TW"/>
               <a:t>Fourth level</a:t>
             </a:r>
           </a:p>
           <a:p>
             <a:pPr lvl="4"/>
             <a:r>
-              <a:rPr lang="en-US" altLang="zh-TW" smtClean="0"/>
+              <a:rPr lang="en-US" altLang="zh-TW"/>
               <a:t>Fifth level</a:t>
             </a:r>
             <a:endParaRPr lang="zh-TW" altLang="en-US"/>
@@ -1782,7 +1789,7 @@
           <a:p>
             <a:fld id="{D873FF45-C348-4448-B9F5-3CA71160EBEA}" type="datetimeFigureOut">
               <a:rPr lang="vi-VN" smtClean="0"/>
-              <a:t>21/12/2021</a:t>
+              <a:t>20/12/2023</a:t>
             </a:fld>
             <a:endParaRPr lang="vi-VN"/>
           </a:p>
@@ -1876,7 +1883,7 @@
           <a:lstStyle/>
           <a:p>
             <a:r>
-              <a:rPr lang="en-US" altLang="zh-TW" smtClean="0"/>
+              <a:rPr lang="en-US" altLang="zh-TW"/>
               <a:t>Click to edit Master title style</a:t>
             </a:r>
             <a:endParaRPr lang="zh-TW" altLang="en-US"/>
@@ -1900,7 +1907,7 @@
           <a:p>
             <a:fld id="{D873FF45-C348-4448-B9F5-3CA71160EBEA}" type="datetimeFigureOut">
               <a:rPr lang="vi-VN" smtClean="0"/>
-              <a:t>21/12/2021</a:t>
+              <a:t>20/12/2023</a:t>
             </a:fld>
             <a:endParaRPr lang="vi-VN"/>
           </a:p>
@@ -1995,7 +2002,7 @@
           <a:p>
             <a:fld id="{D873FF45-C348-4448-B9F5-3CA71160EBEA}" type="datetimeFigureOut">
               <a:rPr lang="vi-VN" smtClean="0"/>
-              <a:t>21/12/2021</a:t>
+              <a:t>20/12/2023</a:t>
             </a:fld>
             <a:endParaRPr lang="vi-VN"/>
           </a:p>
@@ -2098,7 +2105,7 @@
           </a:lstStyle>
           <a:p>
             <a:r>
-              <a:rPr lang="en-US" altLang="zh-TW" smtClean="0"/>
+              <a:rPr lang="en-US" altLang="zh-TW"/>
               <a:t>Click to edit Master title style</a:t>
             </a:r>
             <a:endParaRPr lang="zh-TW" altLang="en-US"/>
@@ -2155,35 +2162,35 @@
           <a:p>
             <a:pPr lvl="0"/>
             <a:r>
-              <a:rPr lang="en-US" altLang="zh-TW" smtClean="0"/>
+              <a:rPr lang="en-US" altLang="zh-TW"/>
               <a:t>Edit Master text styles</a:t>
             </a:r>
           </a:p>
           <a:p>
             <a:pPr lvl="1"/>
             <a:r>
-              <a:rPr lang="en-US" altLang="zh-TW" smtClean="0"/>
+              <a:rPr lang="en-US" altLang="zh-TW"/>
               <a:t>Second level</a:t>
             </a:r>
           </a:p>
           <a:p>
             <a:pPr lvl="2"/>
             <a:r>
-              <a:rPr lang="en-US" altLang="zh-TW" smtClean="0"/>
+              <a:rPr lang="en-US" altLang="zh-TW"/>
               <a:t>Third level</a:t>
             </a:r>
           </a:p>
           <a:p>
             <a:pPr lvl="3"/>
             <a:r>
-              <a:rPr lang="en-US" altLang="zh-TW" smtClean="0"/>
+              <a:rPr lang="en-US" altLang="zh-TW"/>
               <a:t>Fourth level</a:t>
             </a:r>
           </a:p>
           <a:p>
             <a:pPr lvl="4"/>
             <a:r>
-              <a:rPr lang="en-US" altLang="zh-TW" smtClean="0"/>
+              <a:rPr lang="en-US" altLang="zh-TW"/>
               <a:t>Fifth level</a:t>
             </a:r>
             <a:endParaRPr lang="zh-TW" altLang="en-US"/>
@@ -2249,7 +2256,7 @@
           <a:p>
             <a:pPr lvl="0"/>
             <a:r>
-              <a:rPr lang="en-US" altLang="zh-TW" smtClean="0"/>
+              <a:rPr lang="en-US" altLang="zh-TW"/>
               <a:t>Edit Master text styles</a:t>
             </a:r>
           </a:p>
@@ -2272,7 +2279,7 @@
           <a:p>
             <a:fld id="{D873FF45-C348-4448-B9F5-3CA71160EBEA}" type="datetimeFigureOut">
               <a:rPr lang="vi-VN" smtClean="0"/>
-              <a:t>21/12/2021</a:t>
+              <a:t>20/12/2023</a:t>
             </a:fld>
             <a:endParaRPr lang="vi-VN"/>
           </a:p>
@@ -2375,7 +2382,7 @@
           </a:lstStyle>
           <a:p>
             <a:r>
-              <a:rPr lang="en-US" altLang="zh-TW" smtClean="0"/>
+              <a:rPr lang="en-US" altLang="zh-TW"/>
               <a:t>Click to edit Master title style</a:t>
             </a:r>
             <a:endParaRPr lang="zh-TW" altLang="en-US"/>
@@ -2440,7 +2447,7 @@
           </a:lstStyle>
           <a:p>
             <a:r>
-              <a:rPr lang="en-US" altLang="zh-TW" smtClean="0"/>
+              <a:rPr lang="en-US" altLang="zh-TW"/>
               <a:t>Click icon to add picture</a:t>
             </a:r>
             <a:endParaRPr lang="zh-TW" altLang="en-US"/>
@@ -2506,7 +2513,7 @@
           <a:p>
             <a:pPr lvl="0"/>
             <a:r>
-              <a:rPr lang="en-US" altLang="zh-TW" smtClean="0"/>
+              <a:rPr lang="en-US" altLang="zh-TW"/>
               <a:t>Edit Master text styles</a:t>
             </a:r>
           </a:p>
@@ -2529,7 +2536,7 @@
           <a:p>
             <a:fld id="{D873FF45-C348-4448-B9F5-3CA71160EBEA}" type="datetimeFigureOut">
               <a:rPr lang="vi-VN" smtClean="0"/>
-              <a:t>21/12/2021</a:t>
+              <a:t>20/12/2023</a:t>
             </a:fld>
             <a:endParaRPr lang="vi-VN"/>
           </a:p>
@@ -2643,10 +2650,9 @@
           <a:lstStyle/>
           <a:p>
             <a:r>
-              <a:rPr lang="zh-TW" altLang="en-US" smtClean="0"/>
+              <a:rPr lang="zh-TW" altLang="en-US"/>
               <a:t>按一下以編輯母片標題樣式</a:t>
             </a:r>
-            <a:endParaRPr lang="zh-TW" altLang="en-US"/>
           </a:p>
         </p:txBody>
       </p:sp>
@@ -2677,38 +2683,37 @@
           <a:p>
             <a:pPr lvl="0"/>
             <a:r>
-              <a:rPr lang="zh-TW" altLang="en-US" smtClean="0"/>
+              <a:rPr lang="zh-TW" altLang="en-US"/>
               <a:t>按一下以編輯母片文字樣式</a:t>
             </a:r>
           </a:p>
           <a:p>
             <a:pPr lvl="1"/>
             <a:r>
-              <a:rPr lang="zh-TW" altLang="en-US" smtClean="0"/>
+              <a:rPr lang="zh-TW" altLang="en-US"/>
               <a:t>第二層</a:t>
             </a:r>
           </a:p>
           <a:p>
             <a:pPr lvl="2"/>
             <a:r>
-              <a:rPr lang="zh-TW" altLang="en-US" smtClean="0"/>
+              <a:rPr lang="zh-TW" altLang="en-US"/>
               <a:t>第三層</a:t>
             </a:r>
           </a:p>
           <a:p>
             <a:pPr lvl="3"/>
             <a:r>
-              <a:rPr lang="zh-TW" altLang="en-US" smtClean="0"/>
+              <a:rPr lang="zh-TW" altLang="en-US"/>
               <a:t>第四層</a:t>
             </a:r>
           </a:p>
           <a:p>
             <a:pPr lvl="4"/>
             <a:r>
-              <a:rPr lang="zh-TW" altLang="en-US" smtClean="0"/>
+              <a:rPr lang="zh-TW" altLang="en-US"/>
               <a:t>第五層</a:t>
             </a:r>
-            <a:endParaRPr lang="zh-TW" altLang="en-US"/>
           </a:p>
         </p:txBody>
       </p:sp>
@@ -2747,7 +2752,7 @@
           <a:p>
             <a:fld id="{D873FF45-C348-4448-B9F5-3CA71160EBEA}" type="datetimeFigureOut">
               <a:rPr lang="vi-VN" smtClean="0"/>
-              <a:t>21/12/2021</a:t>
+              <a:t>20/12/2023</a:t>
             </a:fld>
             <a:endParaRPr lang="vi-VN"/>
           </a:p>
@@ -3145,7 +3150,7 @@
           <a:lstStyle/>
           <a:p>
             <a:r>
-              <a:rPr lang="zh-TW" altLang="en-US" sz="7200" b="1" i="1" dirty="0" smtClean="0">
+              <a:rPr lang="zh-TW" altLang="en-US" sz="7200" b="1" i="1" dirty="0">
                 <a:solidFill>
                   <a:srgbClr val="660033"/>
                 </a:solidFill>
@@ -3159,24 +3164,7 @@
                 <a:latin typeface="微軟正黑體" pitchFamily="34" charset="-120"/>
                 <a:ea typeface="微軟正黑體" pitchFamily="34" charset="-120"/>
               </a:rPr>
-              <a:t>來</a:t>
-            </a:r>
-            <a:r>
-              <a:rPr lang="zh-TW" altLang="en-US" sz="7200" b="1" i="1" dirty="0">
-                <a:solidFill>
-                  <a:srgbClr val="660033"/>
-                </a:solidFill>
-                <a:effectLst>
-                  <a:outerShdw blurRad="38100" dist="38100" dir="2700000" algn="tl">
-                    <a:srgbClr val="000000">
-                      <a:alpha val="43137"/>
-                    </a:srgbClr>
-                  </a:outerShdw>
-                </a:effectLst>
-                <a:latin typeface="微軟正黑體" pitchFamily="34" charset="-120"/>
-                <a:ea typeface="微軟正黑體" pitchFamily="34" charset="-120"/>
-              </a:rPr>
-              <a:t>到馬槽前</a:t>
+              <a:t>來到馬槽前</a:t>
             </a:r>
           </a:p>
         </p:txBody>
@@ -3220,7 +3208,7 @@
           </a:lstStyle>
           <a:p>
             <a:r>
-              <a:rPr lang="en-US" sz="4800" b="1" i="1" dirty="0" err="1" smtClean="0">
+              <a:rPr lang="en-US" sz="4800" b="1" i="1" dirty="0" err="1">
                 <a:solidFill>
                   <a:srgbClr val="000066"/>
                 </a:solidFill>
@@ -3238,7 +3226,7 @@
               <a:t>Đến</a:t>
             </a:r>
             <a:r>
-              <a:rPr lang="en-US" sz="4800" b="1" i="1" dirty="0" smtClean="0">
+              <a:rPr lang="en-US" sz="4800" b="1" i="1" dirty="0">
                 <a:solidFill>
                   <a:srgbClr val="000066"/>
                 </a:solidFill>
@@ -3441,7 +3429,7 @@
         </p:nvSpPr>
         <p:spPr>
           <a:xfrm>
-            <a:off x="0" y="2167981"/>
+            <a:off x="0" y="2167982"/>
             <a:ext cx="12192000" cy="1318225"/>
           </a:xfrm>
         </p:spPr>
@@ -3462,7 +3450,7 @@
                 <a:latin typeface="微軟正黑體" pitchFamily="34" charset="-120"/>
                 <a:ea typeface="微軟正黑體" pitchFamily="34" charset="-120"/>
               </a:rPr>
-              <a:t>奇妙聖誕夜，主前跪拜</a:t>
+              <a:t>來到馬槽前  見主耶穌</a:t>
             </a:r>
             <a:endParaRPr lang="en-US" altLang="zh-CN" sz="6400" b="1" dirty="0">
               <a:solidFill>
@@ -3484,7 +3472,7 @@
         </p:nvSpPr>
         <p:spPr>
           <a:xfrm>
-            <a:off x="0" y="3117530"/>
+            <a:off x="0" y="3117532"/>
             <a:ext cx="12192000" cy="1318225"/>
           </a:xfrm>
           <a:prstGeom prst="rect">
@@ -3637,161 +3625,29 @@
               <a:buNone/>
             </a:pPr>
             <a:r>
-              <a:rPr lang="en-US" sz="3600" b="1" dirty="0" err="1">
-                <a:solidFill>
-                  <a:srgbClr val="000066"/>
-                </a:solidFill>
-                <a:latin typeface="Calibri" panose="020F0502020204030204" pitchFamily="34" charset="0"/>
-                <a:ea typeface="微軟正黑體" pitchFamily="34" charset="-120"/>
-                <a:cs typeface="Calibri" panose="020F0502020204030204" pitchFamily="34" charset="0"/>
-              </a:rPr>
-              <a:t>Kỳ</a:t>
-            </a:r>
-            <a:r>
-              <a:rPr lang="en-US" sz="3600" b="1" dirty="0">
-                <a:solidFill>
-                  <a:srgbClr val="000066"/>
-                </a:solidFill>
-                <a:latin typeface="Calibri" panose="020F0502020204030204" pitchFamily="34" charset="0"/>
-                <a:ea typeface="微軟正黑體" pitchFamily="34" charset="-120"/>
-                <a:cs typeface="Calibri" panose="020F0502020204030204" pitchFamily="34" charset="0"/>
-              </a:rPr>
-              <a:t> </a:t>
-            </a:r>
-            <a:r>
-              <a:rPr lang="en-US" sz="3600" b="1" dirty="0" err="1">
-                <a:solidFill>
-                  <a:srgbClr val="000066"/>
-                </a:solidFill>
-                <a:latin typeface="Calibri" panose="020F0502020204030204" pitchFamily="34" charset="0"/>
-                <a:ea typeface="微軟正黑體" pitchFamily="34" charset="-120"/>
-                <a:cs typeface="Calibri" panose="020F0502020204030204" pitchFamily="34" charset="0"/>
-              </a:rPr>
-              <a:t>diệu</a:t>
-            </a:r>
-            <a:r>
-              <a:rPr lang="en-US" sz="3600" b="1" dirty="0">
-                <a:solidFill>
-                  <a:srgbClr val="000066"/>
-                </a:solidFill>
-                <a:latin typeface="Calibri" panose="020F0502020204030204" pitchFamily="34" charset="0"/>
-                <a:ea typeface="微軟正黑體" pitchFamily="34" charset="-120"/>
-                <a:cs typeface="Calibri" panose="020F0502020204030204" pitchFamily="34" charset="0"/>
-              </a:rPr>
-              <a:t> </a:t>
-            </a:r>
-            <a:r>
-              <a:rPr lang="en-US" sz="3600" b="1" dirty="0" err="1">
-                <a:solidFill>
-                  <a:srgbClr val="000066"/>
-                </a:solidFill>
-                <a:latin typeface="Calibri" panose="020F0502020204030204" pitchFamily="34" charset="0"/>
-                <a:ea typeface="微軟正黑體" pitchFamily="34" charset="-120"/>
-                <a:cs typeface="Calibri" panose="020F0502020204030204" pitchFamily="34" charset="0"/>
-              </a:rPr>
-              <a:t>đêm</a:t>
-            </a:r>
-            <a:r>
-              <a:rPr lang="en-US" sz="3600" b="1" dirty="0">
-                <a:solidFill>
-                  <a:srgbClr val="000066"/>
-                </a:solidFill>
-                <a:latin typeface="Calibri" panose="020F0502020204030204" pitchFamily="34" charset="0"/>
-                <a:ea typeface="微軟正黑體" pitchFamily="34" charset="-120"/>
-                <a:cs typeface="Calibri" panose="020F0502020204030204" pitchFamily="34" charset="0"/>
-              </a:rPr>
-              <a:t> </a:t>
-            </a:r>
-            <a:r>
-              <a:rPr lang="en-US" sz="3600" b="1" dirty="0" err="1">
-                <a:solidFill>
-                  <a:srgbClr val="000066"/>
-                </a:solidFill>
-                <a:latin typeface="Calibri" panose="020F0502020204030204" pitchFamily="34" charset="0"/>
-                <a:ea typeface="微軟正黑體" pitchFamily="34" charset="-120"/>
-                <a:cs typeface="Calibri" panose="020F0502020204030204" pitchFamily="34" charset="0"/>
-              </a:rPr>
-              <a:t>giáng</a:t>
-            </a:r>
-            <a:r>
-              <a:rPr lang="en-US" sz="3600" b="1" dirty="0">
-                <a:solidFill>
-                  <a:srgbClr val="000066"/>
-                </a:solidFill>
-                <a:latin typeface="Calibri" panose="020F0502020204030204" pitchFamily="34" charset="0"/>
-                <a:ea typeface="微軟正黑體" pitchFamily="34" charset="-120"/>
-                <a:cs typeface="Calibri" panose="020F0502020204030204" pitchFamily="34" charset="0"/>
-              </a:rPr>
-              <a:t> </a:t>
-            </a:r>
-            <a:r>
-              <a:rPr lang="en-US" sz="3600" b="1" dirty="0" err="1">
-                <a:solidFill>
-                  <a:srgbClr val="000066"/>
-                </a:solidFill>
-                <a:latin typeface="Calibri" panose="020F0502020204030204" pitchFamily="34" charset="0"/>
-                <a:ea typeface="微軟正黑體" pitchFamily="34" charset="-120"/>
-                <a:cs typeface="Calibri" panose="020F0502020204030204" pitchFamily="34" charset="0"/>
-              </a:rPr>
-              <a:t>sinh</a:t>
-            </a:r>
-            <a:r>
-              <a:rPr lang="en-US" sz="3600" b="1" dirty="0">
-                <a:solidFill>
-                  <a:srgbClr val="000066"/>
-                </a:solidFill>
-                <a:latin typeface="Calibri" panose="020F0502020204030204" pitchFamily="34" charset="0"/>
-                <a:ea typeface="微軟正黑體" pitchFamily="34" charset="-120"/>
-                <a:cs typeface="Calibri" panose="020F0502020204030204" pitchFamily="34" charset="0"/>
-              </a:rPr>
-              <a:t>, </a:t>
-            </a:r>
-            <a:r>
-              <a:rPr lang="en-US" sz="3600" b="1" dirty="0" err="1">
-                <a:solidFill>
-                  <a:srgbClr val="000066"/>
-                </a:solidFill>
-                <a:latin typeface="Calibri" panose="020F0502020204030204" pitchFamily="34" charset="0"/>
-                <a:ea typeface="微軟正黑體" pitchFamily="34" charset="-120"/>
-                <a:cs typeface="Calibri" panose="020F0502020204030204" pitchFamily="34" charset="0"/>
-              </a:rPr>
-              <a:t>quỳ</a:t>
-            </a:r>
-            <a:r>
-              <a:rPr lang="en-US" sz="3600" b="1" dirty="0">
-                <a:solidFill>
-                  <a:srgbClr val="000066"/>
-                </a:solidFill>
-                <a:latin typeface="Calibri" panose="020F0502020204030204" pitchFamily="34" charset="0"/>
-                <a:ea typeface="微軟正黑體" pitchFamily="34" charset="-120"/>
-                <a:cs typeface="Calibri" panose="020F0502020204030204" pitchFamily="34" charset="0"/>
-              </a:rPr>
-              <a:t> </a:t>
-            </a:r>
-            <a:r>
-              <a:rPr lang="en-US" sz="3600" b="1" dirty="0" err="1">
-                <a:solidFill>
-                  <a:srgbClr val="000066"/>
-                </a:solidFill>
-                <a:latin typeface="Calibri" panose="020F0502020204030204" pitchFamily="34" charset="0"/>
-                <a:ea typeface="微軟正黑體" pitchFamily="34" charset="-120"/>
-                <a:cs typeface="Calibri" panose="020F0502020204030204" pitchFamily="34" charset="0"/>
-              </a:rPr>
-              <a:t>xuống</a:t>
-            </a:r>
-            <a:r>
-              <a:rPr lang="en-US" sz="3600" b="1" dirty="0">
-                <a:solidFill>
-                  <a:srgbClr val="000066"/>
-                </a:solidFill>
-                <a:latin typeface="Calibri" panose="020F0502020204030204" pitchFamily="34" charset="0"/>
-                <a:ea typeface="微軟正黑體" pitchFamily="34" charset="-120"/>
-                <a:cs typeface="Calibri" panose="020F0502020204030204" pitchFamily="34" charset="0"/>
-              </a:rPr>
-              <a:t> </a:t>
-            </a:r>
-            <a:r>
-              <a:rPr lang="en-US" sz="3600" b="1" dirty="0" err="1">
+              <a:rPr lang="en-US" sz="4000" b="1" dirty="0" err="1">
+                <a:solidFill>
+                  <a:srgbClr val="000066"/>
+                </a:solidFill>
+                <a:latin typeface="Calibri" panose="020F0502020204030204" pitchFamily="34" charset="0"/>
+                <a:ea typeface="微軟正黑體" pitchFamily="34" charset="-120"/>
+                <a:cs typeface="Calibri" panose="020F0502020204030204" pitchFamily="34" charset="0"/>
+              </a:rPr>
+              <a:t>Đến</a:t>
+            </a:r>
+            <a:r>
+              <a:rPr lang="en-US" sz="4000" b="1" dirty="0">
+                <a:solidFill>
+                  <a:srgbClr val="000066"/>
+                </a:solidFill>
+                <a:latin typeface="Calibri" panose="020F0502020204030204" pitchFamily="34" charset="0"/>
+                <a:ea typeface="微軟正黑體" pitchFamily="34" charset="-120"/>
+                <a:cs typeface="Calibri" panose="020F0502020204030204" pitchFamily="34" charset="0"/>
+              </a:rPr>
+              <a:t> </a:t>
+            </a:r>
+            <a:r>
+              <a:rPr lang="en-US" sz="4000" b="1" dirty="0" err="1">
                 <a:solidFill>
                   <a:srgbClr val="000066"/>
                 </a:solidFill>
@@ -3802,18 +3658,128 @@
               <a:t>trước</a:t>
             </a:r>
             <a:r>
-              <a:rPr lang="en-US" sz="3600" b="1" dirty="0">
-                <a:solidFill>
-                  <a:srgbClr val="000066"/>
-                </a:solidFill>
-                <a:latin typeface="Calibri" panose="020F0502020204030204" pitchFamily="34" charset="0"/>
-                <a:ea typeface="微軟正黑體" pitchFamily="34" charset="-120"/>
-                <a:cs typeface="Calibri" panose="020F0502020204030204" pitchFamily="34" charset="0"/>
-              </a:rPr>
-              <a:t> </a:t>
-            </a:r>
-            <a:r>
-              <a:rPr lang="en-US" sz="3600" b="1" dirty="0" err="1">
+              <a:rPr lang="en-US" sz="4000" b="1" dirty="0">
+                <a:solidFill>
+                  <a:srgbClr val="000066"/>
+                </a:solidFill>
+                <a:latin typeface="Calibri" panose="020F0502020204030204" pitchFamily="34" charset="0"/>
+                <a:ea typeface="微軟正黑體" pitchFamily="34" charset="-120"/>
+                <a:cs typeface="Calibri" panose="020F0502020204030204" pitchFamily="34" charset="0"/>
+              </a:rPr>
+              <a:t> </a:t>
+            </a:r>
+            <a:r>
+              <a:rPr lang="en-US" sz="4000" b="1" dirty="0" err="1">
+                <a:solidFill>
+                  <a:srgbClr val="000066"/>
+                </a:solidFill>
+                <a:latin typeface="Calibri" panose="020F0502020204030204" pitchFamily="34" charset="0"/>
+                <a:ea typeface="微軟正黑體" pitchFamily="34" charset="-120"/>
+                <a:cs typeface="Calibri" panose="020F0502020204030204" pitchFamily="34" charset="0"/>
+              </a:rPr>
+              <a:t>nơi</a:t>
+            </a:r>
+            <a:r>
+              <a:rPr lang="en-US" sz="4000" b="1" dirty="0">
+                <a:solidFill>
+                  <a:srgbClr val="000066"/>
+                </a:solidFill>
+                <a:latin typeface="Calibri" panose="020F0502020204030204" pitchFamily="34" charset="0"/>
+                <a:ea typeface="微軟正黑體" pitchFamily="34" charset="-120"/>
+                <a:cs typeface="Calibri" panose="020F0502020204030204" pitchFamily="34" charset="0"/>
+              </a:rPr>
+              <a:t> </a:t>
+            </a:r>
+            <a:r>
+              <a:rPr lang="en-US" sz="4000" b="1" dirty="0" err="1">
+                <a:solidFill>
+                  <a:srgbClr val="000066"/>
+                </a:solidFill>
+                <a:latin typeface="Calibri" panose="020F0502020204030204" pitchFamily="34" charset="0"/>
+                <a:ea typeface="微軟正黑體" pitchFamily="34" charset="-120"/>
+                <a:cs typeface="Calibri" panose="020F0502020204030204" pitchFamily="34" charset="0"/>
+              </a:rPr>
+              <a:t>máng</a:t>
+            </a:r>
+            <a:r>
+              <a:rPr lang="en-US" sz="4000" b="1" dirty="0">
+                <a:solidFill>
+                  <a:srgbClr val="000066"/>
+                </a:solidFill>
+                <a:latin typeface="Calibri" panose="020F0502020204030204" pitchFamily="34" charset="0"/>
+                <a:ea typeface="微軟正黑體" pitchFamily="34" charset="-120"/>
+                <a:cs typeface="Calibri" panose="020F0502020204030204" pitchFamily="34" charset="0"/>
+              </a:rPr>
+              <a:t> </a:t>
+            </a:r>
+            <a:r>
+              <a:rPr lang="en-US" sz="4000" b="1" dirty="0" err="1">
+                <a:solidFill>
+                  <a:srgbClr val="000066"/>
+                </a:solidFill>
+                <a:latin typeface="Calibri" panose="020F0502020204030204" pitchFamily="34" charset="0"/>
+                <a:ea typeface="微軟正黑體" pitchFamily="34" charset="-120"/>
+                <a:cs typeface="Calibri" panose="020F0502020204030204" pitchFamily="34" charset="0"/>
+              </a:rPr>
+              <a:t>cỏ</a:t>
+            </a:r>
+            <a:r>
+              <a:rPr lang="en-US" sz="4000" b="1" dirty="0">
+                <a:solidFill>
+                  <a:srgbClr val="000066"/>
+                </a:solidFill>
+                <a:latin typeface="Calibri" panose="020F0502020204030204" pitchFamily="34" charset="0"/>
+                <a:ea typeface="微軟正黑體" pitchFamily="34" charset="-120"/>
+                <a:cs typeface="Calibri" panose="020F0502020204030204" pitchFamily="34" charset="0"/>
+              </a:rPr>
+              <a:t> , </a:t>
+            </a:r>
+            <a:r>
+              <a:rPr lang="en-US" sz="4000" b="1" dirty="0" err="1">
+                <a:solidFill>
+                  <a:srgbClr val="000066"/>
+                </a:solidFill>
+                <a:latin typeface="Calibri" panose="020F0502020204030204" pitchFamily="34" charset="0"/>
+                <a:ea typeface="微軟正黑體" pitchFamily="34" charset="-120"/>
+                <a:cs typeface="Calibri" panose="020F0502020204030204" pitchFamily="34" charset="0"/>
+              </a:rPr>
+              <a:t>nhìn</a:t>
+            </a:r>
+            <a:r>
+              <a:rPr lang="en-US" sz="4000" b="1" dirty="0">
+                <a:solidFill>
+                  <a:srgbClr val="000066"/>
+                </a:solidFill>
+                <a:latin typeface="Calibri" panose="020F0502020204030204" pitchFamily="34" charset="0"/>
+                <a:ea typeface="微軟正黑體" pitchFamily="34" charset="-120"/>
+                <a:cs typeface="Calibri" panose="020F0502020204030204" pitchFamily="34" charset="0"/>
+              </a:rPr>
+              <a:t> </a:t>
+            </a:r>
+            <a:r>
+              <a:rPr lang="en-US" sz="4000" b="1" dirty="0" err="1">
+                <a:solidFill>
+                  <a:srgbClr val="000066"/>
+                </a:solidFill>
+                <a:latin typeface="Calibri" panose="020F0502020204030204" pitchFamily="34" charset="0"/>
+                <a:ea typeface="微軟正黑體" pitchFamily="34" charset="-120"/>
+                <a:cs typeface="Calibri" panose="020F0502020204030204" pitchFamily="34" charset="0"/>
+              </a:rPr>
+              <a:t>thấy</a:t>
+            </a:r>
+            <a:r>
+              <a:rPr lang="en-US" sz="4000" b="1" dirty="0">
+                <a:solidFill>
+                  <a:srgbClr val="000066"/>
+                </a:solidFill>
+                <a:latin typeface="Calibri" panose="020F0502020204030204" pitchFamily="34" charset="0"/>
+                <a:ea typeface="微軟正黑體" pitchFamily="34" charset="-120"/>
+                <a:cs typeface="Calibri" panose="020F0502020204030204" pitchFamily="34" charset="0"/>
+              </a:rPr>
+              <a:t> </a:t>
+            </a:r>
+            <a:r>
+              <a:rPr lang="en-US" sz="4000" b="1" dirty="0" err="1">
                 <a:solidFill>
                   <a:srgbClr val="000066"/>
                 </a:solidFill>
@@ -3823,7 +3789,29 @@
               </a:rPr>
               <a:t>Chúa</a:t>
             </a:r>
-            <a:endParaRPr lang="en-US" sz="3600" b="1" dirty="0">
+            <a:r>
+              <a:rPr lang="en-US" sz="4000" b="1" dirty="0">
+                <a:solidFill>
+                  <a:srgbClr val="000066"/>
+                </a:solidFill>
+                <a:latin typeface="Calibri" panose="020F0502020204030204" pitchFamily="34" charset="0"/>
+                <a:ea typeface="微軟正黑體" pitchFamily="34" charset="-120"/>
+                <a:cs typeface="Calibri" panose="020F0502020204030204" pitchFamily="34" charset="0"/>
+              </a:rPr>
+              <a:t> </a:t>
+            </a:r>
+            <a:r>
+              <a:rPr lang="en-US" sz="4000" b="1" dirty="0" err="1">
+                <a:solidFill>
+                  <a:srgbClr val="000066"/>
+                </a:solidFill>
+                <a:latin typeface="Calibri" panose="020F0502020204030204" pitchFamily="34" charset="0"/>
+                <a:ea typeface="微軟正黑體" pitchFamily="34" charset="-120"/>
+                <a:cs typeface="Calibri" panose="020F0502020204030204" pitchFamily="34" charset="0"/>
+              </a:rPr>
+              <a:t>Giê-su</a:t>
+            </a:r>
+            <a:endParaRPr lang="en-US" sz="4000" b="1" dirty="0">
               <a:solidFill>
                 <a:srgbClr val="000066"/>
               </a:solidFill>
@@ -3837,7 +3825,7 @@
     </p:spTree>
     <p:extLst>
       <p:ext uri="{BB962C8B-B14F-4D97-AF65-F5344CB8AC3E}">
-        <p14:creationId xmlns:p14="http://schemas.microsoft.com/office/powerpoint/2010/main" val="3032774033"/>
+        <p14:creationId xmlns:p14="http://schemas.microsoft.com/office/powerpoint/2010/main" val="2024800100"/>
       </p:ext>
     </p:extLst>
   </p:cSld>
@@ -3876,7 +3864,7 @@
         </p:nvSpPr>
         <p:spPr>
           <a:xfrm>
-            <a:off x="0" y="2167981"/>
+            <a:off x="0" y="2167982"/>
             <a:ext cx="12192000" cy="1318225"/>
           </a:xfrm>
         </p:spPr>
@@ -3897,7 +3885,7 @@
                 <a:latin typeface="微軟正黑體" pitchFamily="34" charset="-120"/>
                 <a:ea typeface="微軟正黑體" pitchFamily="34" charset="-120"/>
               </a:rPr>
-              <a:t>牧羊人也前來，歡欣同敬拜</a:t>
+              <a:t>來見聖嬰孩  世人的救主</a:t>
             </a:r>
             <a:endParaRPr lang="en-US" altLang="zh-CN" sz="6400" b="1" dirty="0">
               <a:solidFill>
@@ -3919,7 +3907,7 @@
         </p:nvSpPr>
         <p:spPr>
           <a:xfrm>
-            <a:off x="0" y="3117530"/>
+            <a:off x="0" y="3117532"/>
             <a:ext cx="12192000" cy="1318225"/>
           </a:xfrm>
           <a:prstGeom prst="rect">
@@ -4072,281 +4060,237 @@
               <a:buNone/>
             </a:pPr>
             <a:r>
-              <a:rPr lang="en-US" sz="3200" b="1" dirty="0" err="1">
-                <a:solidFill>
-                  <a:srgbClr val="000066"/>
-                </a:solidFill>
-                <a:latin typeface="Calibri" panose="020F0502020204030204" pitchFamily="34" charset="0"/>
-                <a:ea typeface="微軟正黑體" pitchFamily="34" charset="-120"/>
-                <a:cs typeface="Calibri" panose="020F0502020204030204" pitchFamily="34" charset="0"/>
-              </a:rPr>
-              <a:t>Những</a:t>
-            </a:r>
-            <a:r>
-              <a:rPr lang="en-US" sz="3200" b="1" dirty="0">
-                <a:solidFill>
-                  <a:srgbClr val="000066"/>
-                </a:solidFill>
-                <a:latin typeface="Calibri" panose="020F0502020204030204" pitchFamily="34" charset="0"/>
-                <a:ea typeface="微軟正黑體" pitchFamily="34" charset="-120"/>
-                <a:cs typeface="Calibri" panose="020F0502020204030204" pitchFamily="34" charset="0"/>
-              </a:rPr>
-              <a:t> </a:t>
-            </a:r>
-            <a:r>
-              <a:rPr lang="en-US" sz="3200" b="1" dirty="0" err="1">
-                <a:solidFill>
-                  <a:srgbClr val="000066"/>
-                </a:solidFill>
-                <a:latin typeface="Calibri" panose="020F0502020204030204" pitchFamily="34" charset="0"/>
-                <a:ea typeface="微軟正黑體" pitchFamily="34" charset="-120"/>
-                <a:cs typeface="Calibri" panose="020F0502020204030204" pitchFamily="34" charset="0"/>
-              </a:rPr>
-              <a:t>người</a:t>
-            </a:r>
-            <a:r>
-              <a:rPr lang="en-US" sz="3200" b="1" dirty="0">
-                <a:solidFill>
-                  <a:srgbClr val="000066"/>
-                </a:solidFill>
-                <a:latin typeface="Calibri" panose="020F0502020204030204" pitchFamily="34" charset="0"/>
-                <a:ea typeface="微軟正黑體" pitchFamily="34" charset="-120"/>
-                <a:cs typeface="Calibri" panose="020F0502020204030204" pitchFamily="34" charset="0"/>
-              </a:rPr>
-              <a:t> </a:t>
-            </a:r>
-            <a:r>
-              <a:rPr lang="en-US" sz="3200" b="1" dirty="0" err="1">
-                <a:solidFill>
-                  <a:srgbClr val="000066"/>
-                </a:solidFill>
-                <a:latin typeface="Calibri" panose="020F0502020204030204" pitchFamily="34" charset="0"/>
-                <a:ea typeface="微軟正黑體" pitchFamily="34" charset="-120"/>
-                <a:cs typeface="Calibri" panose="020F0502020204030204" pitchFamily="34" charset="0"/>
-              </a:rPr>
-              <a:t>chăn</a:t>
-            </a:r>
-            <a:r>
-              <a:rPr lang="en-US" sz="3200" b="1" dirty="0">
-                <a:solidFill>
-                  <a:srgbClr val="000066"/>
-                </a:solidFill>
-                <a:latin typeface="Calibri" panose="020F0502020204030204" pitchFamily="34" charset="0"/>
-                <a:ea typeface="微軟正黑體" pitchFamily="34" charset="-120"/>
-                <a:cs typeface="Calibri" panose="020F0502020204030204" pitchFamily="34" charset="0"/>
-              </a:rPr>
-              <a:t> </a:t>
-            </a:r>
-            <a:r>
-              <a:rPr lang="en-US" sz="3200" b="1" dirty="0" err="1">
-                <a:solidFill>
-                  <a:srgbClr val="000066"/>
-                </a:solidFill>
-                <a:latin typeface="Calibri" panose="020F0502020204030204" pitchFamily="34" charset="0"/>
-                <a:ea typeface="微軟正黑體" pitchFamily="34" charset="-120"/>
-                <a:cs typeface="Calibri" panose="020F0502020204030204" pitchFamily="34" charset="0"/>
-              </a:rPr>
-              <a:t>chiên</a:t>
-            </a:r>
-            <a:r>
-              <a:rPr lang="en-US" sz="3200" b="1" dirty="0">
-                <a:solidFill>
-                  <a:srgbClr val="000066"/>
-                </a:solidFill>
-                <a:latin typeface="Calibri" panose="020F0502020204030204" pitchFamily="34" charset="0"/>
-                <a:ea typeface="微軟正黑體" pitchFamily="34" charset="-120"/>
-                <a:cs typeface="Calibri" panose="020F0502020204030204" pitchFamily="34" charset="0"/>
-              </a:rPr>
-              <a:t> </a:t>
-            </a:r>
-            <a:r>
-              <a:rPr lang="en-US" sz="3200" b="1" dirty="0" err="1">
-                <a:solidFill>
-                  <a:srgbClr val="000066"/>
-                </a:solidFill>
-                <a:latin typeface="Calibri" panose="020F0502020204030204" pitchFamily="34" charset="0"/>
-                <a:ea typeface="微軟正黑體" pitchFamily="34" charset="-120"/>
-                <a:cs typeface="Calibri" panose="020F0502020204030204" pitchFamily="34" charset="0"/>
-              </a:rPr>
-              <a:t>cũng</a:t>
-            </a:r>
-            <a:r>
-              <a:rPr lang="en-US" sz="3200" b="1" dirty="0">
-                <a:solidFill>
-                  <a:srgbClr val="000066"/>
-                </a:solidFill>
-                <a:latin typeface="Calibri" panose="020F0502020204030204" pitchFamily="34" charset="0"/>
-                <a:ea typeface="微軟正黑體" pitchFamily="34" charset="-120"/>
-                <a:cs typeface="Calibri" panose="020F0502020204030204" pitchFamily="34" charset="0"/>
-              </a:rPr>
-              <a:t> </a:t>
-            </a:r>
-            <a:r>
-              <a:rPr lang="en-US" sz="3200" b="1" dirty="0" err="1">
-                <a:solidFill>
-                  <a:srgbClr val="000066"/>
-                </a:solidFill>
-                <a:latin typeface="Calibri" panose="020F0502020204030204" pitchFamily="34" charset="0"/>
-                <a:ea typeface="微軟正黑體" pitchFamily="34" charset="-120"/>
-                <a:cs typeface="Calibri" panose="020F0502020204030204" pitchFamily="34" charset="0"/>
-              </a:rPr>
-              <a:t>đến</a:t>
-            </a:r>
-            <a:r>
-              <a:rPr lang="en-US" sz="3200" b="1" dirty="0">
-                <a:solidFill>
-                  <a:srgbClr val="000066"/>
-                </a:solidFill>
-                <a:latin typeface="Calibri" panose="020F0502020204030204" pitchFamily="34" charset="0"/>
-                <a:ea typeface="微軟正黑體" pitchFamily="34" charset="-120"/>
-                <a:cs typeface="Calibri" panose="020F0502020204030204" pitchFamily="34" charset="0"/>
-              </a:rPr>
-              <a:t> </a:t>
-            </a:r>
-            <a:r>
-              <a:rPr lang="en-US" sz="3200" b="1" dirty="0" err="1">
-                <a:solidFill>
-                  <a:srgbClr val="000066"/>
-                </a:solidFill>
-                <a:latin typeface="Calibri" panose="020F0502020204030204" pitchFamily="34" charset="0"/>
-                <a:ea typeface="微軟正黑體" pitchFamily="34" charset="-120"/>
-                <a:cs typeface="Calibri" panose="020F0502020204030204" pitchFamily="34" charset="0"/>
-              </a:rPr>
-              <a:t>và</a:t>
-            </a:r>
-            <a:r>
-              <a:rPr lang="en-US" sz="3200" b="1" dirty="0">
-                <a:solidFill>
-                  <a:srgbClr val="000066"/>
-                </a:solidFill>
-                <a:latin typeface="Calibri" panose="020F0502020204030204" pitchFamily="34" charset="0"/>
-                <a:ea typeface="微軟正黑體" pitchFamily="34" charset="-120"/>
-                <a:cs typeface="Calibri" panose="020F0502020204030204" pitchFamily="34" charset="0"/>
-              </a:rPr>
-              <a:t> </a:t>
-            </a:r>
-            <a:r>
-              <a:rPr lang="en-US" sz="3200" b="1" dirty="0" err="1">
-                <a:solidFill>
-                  <a:srgbClr val="000066"/>
-                </a:solidFill>
-                <a:latin typeface="Calibri" panose="020F0502020204030204" pitchFamily="34" charset="0"/>
-                <a:ea typeface="微軟正黑體" pitchFamily="34" charset="-120"/>
-                <a:cs typeface="Calibri" panose="020F0502020204030204" pitchFamily="34" charset="0"/>
-              </a:rPr>
-              <a:t>đồng</a:t>
-            </a:r>
-            <a:r>
-              <a:rPr lang="en-US" sz="3200" b="1" dirty="0">
-                <a:solidFill>
-                  <a:srgbClr val="000066"/>
-                </a:solidFill>
-                <a:latin typeface="Calibri" panose="020F0502020204030204" pitchFamily="34" charset="0"/>
-                <a:ea typeface="微軟正黑體" pitchFamily="34" charset="-120"/>
-                <a:cs typeface="Calibri" panose="020F0502020204030204" pitchFamily="34" charset="0"/>
-              </a:rPr>
-              <a:t> </a:t>
-            </a:r>
-            <a:r>
-              <a:rPr lang="en-US" sz="3200" b="1" dirty="0" err="1">
-                <a:solidFill>
-                  <a:srgbClr val="000066"/>
-                </a:solidFill>
-                <a:latin typeface="Calibri" panose="020F0502020204030204" pitchFamily="34" charset="0"/>
-                <a:ea typeface="微軟正黑體" pitchFamily="34" charset="-120"/>
-                <a:cs typeface="Calibri" panose="020F0502020204030204" pitchFamily="34" charset="0"/>
-              </a:rPr>
-              <a:t>hân</a:t>
-            </a:r>
-            <a:r>
-              <a:rPr lang="en-US" sz="3200" b="1" dirty="0">
-                <a:solidFill>
-                  <a:srgbClr val="000066"/>
-                </a:solidFill>
-                <a:latin typeface="Calibri" panose="020F0502020204030204" pitchFamily="34" charset="0"/>
-                <a:ea typeface="微軟正黑體" pitchFamily="34" charset="-120"/>
-                <a:cs typeface="Calibri" panose="020F0502020204030204" pitchFamily="34" charset="0"/>
-              </a:rPr>
-              <a:t> </a:t>
-            </a:r>
-            <a:r>
-              <a:rPr lang="en-US" sz="3200" b="1" dirty="0" err="1">
-                <a:solidFill>
-                  <a:srgbClr val="000066"/>
-                </a:solidFill>
-                <a:latin typeface="Calibri" panose="020F0502020204030204" pitchFamily="34" charset="0"/>
-                <a:ea typeface="微軟正黑體" pitchFamily="34" charset="-120"/>
-                <a:cs typeface="Calibri" panose="020F0502020204030204" pitchFamily="34" charset="0"/>
-              </a:rPr>
-              <a:t>hoan</a:t>
-            </a:r>
-            <a:r>
-              <a:rPr lang="en-US" sz="3200" b="1" dirty="0">
-                <a:solidFill>
-                  <a:srgbClr val="000066"/>
-                </a:solidFill>
-                <a:latin typeface="Calibri" panose="020F0502020204030204" pitchFamily="34" charset="0"/>
-                <a:ea typeface="微軟正黑體" pitchFamily="34" charset="-120"/>
-                <a:cs typeface="Calibri" panose="020F0502020204030204" pitchFamily="34" charset="0"/>
-              </a:rPr>
-              <a:t> </a:t>
-            </a:r>
-            <a:r>
-              <a:rPr lang="en-US" sz="3200" b="1" dirty="0" err="1">
-                <a:solidFill>
-                  <a:srgbClr val="000066"/>
-                </a:solidFill>
-                <a:latin typeface="Calibri" panose="020F0502020204030204" pitchFamily="34" charset="0"/>
-                <a:ea typeface="微軟正黑體" pitchFamily="34" charset="-120"/>
-                <a:cs typeface="Calibri" panose="020F0502020204030204" pitchFamily="34" charset="0"/>
-              </a:rPr>
-              <a:t>thờ</a:t>
-            </a:r>
-            <a:r>
-              <a:rPr lang="en-US" sz="3200" b="1" dirty="0">
-                <a:solidFill>
-                  <a:srgbClr val="000066"/>
-                </a:solidFill>
-                <a:latin typeface="Calibri" panose="020F0502020204030204" pitchFamily="34" charset="0"/>
-                <a:ea typeface="微軟正黑體" pitchFamily="34" charset="-120"/>
-                <a:cs typeface="Calibri" panose="020F0502020204030204" pitchFamily="34" charset="0"/>
-              </a:rPr>
-              <a:t> </a:t>
-            </a:r>
-            <a:r>
-              <a:rPr lang="en-US" sz="3200" b="1" dirty="0" err="1">
-                <a:solidFill>
-                  <a:srgbClr val="000066"/>
-                </a:solidFill>
-                <a:latin typeface="Calibri" panose="020F0502020204030204" pitchFamily="34" charset="0"/>
-                <a:ea typeface="微軟正黑體" pitchFamily="34" charset="-120"/>
-                <a:cs typeface="Calibri" panose="020F0502020204030204" pitchFamily="34" charset="0"/>
-              </a:rPr>
-              <a:t>lạy</a:t>
-            </a:r>
-            <a:r>
-              <a:rPr lang="en-US" sz="3200" b="1" dirty="0">
-                <a:solidFill>
-                  <a:srgbClr val="000066"/>
-                </a:solidFill>
-                <a:latin typeface="Calibri" panose="020F0502020204030204" pitchFamily="34" charset="0"/>
-                <a:ea typeface="微軟正黑體" pitchFamily="34" charset="-120"/>
-                <a:cs typeface="Calibri" panose="020F0502020204030204" pitchFamily="34" charset="0"/>
-              </a:rPr>
-              <a:t> </a:t>
-            </a:r>
-            <a:r>
-              <a:rPr lang="en-US" sz="3200" b="1" dirty="0" err="1">
-                <a:solidFill>
-                  <a:srgbClr val="000066"/>
-                </a:solidFill>
-                <a:latin typeface="Calibri" panose="020F0502020204030204" pitchFamily="34" charset="0"/>
-                <a:ea typeface="微軟正黑體" pitchFamily="34" charset="-120"/>
-                <a:cs typeface="Calibri" panose="020F0502020204030204" pitchFamily="34" charset="0"/>
-              </a:rPr>
-              <a:t>Ngài</a:t>
-            </a:r>
-            <a:endParaRPr lang="en-US" sz="3200" b="1" dirty="0">
+              <a:rPr lang="en-US" sz="3600" b="1" dirty="0" err="1">
+                <a:solidFill>
+                  <a:srgbClr val="000066"/>
+                </a:solidFill>
+                <a:latin typeface="Calibri" panose="020F0502020204030204" pitchFamily="34" charset="0"/>
+                <a:ea typeface="微軟正黑體" pitchFamily="34" charset="-120"/>
+                <a:cs typeface="Calibri" panose="020F0502020204030204" pitchFamily="34" charset="0"/>
+              </a:rPr>
+              <a:t>Cùng</a:t>
+            </a:r>
+            <a:r>
+              <a:rPr lang="en-US" sz="3600" b="1" dirty="0">
+                <a:solidFill>
+                  <a:srgbClr val="000066"/>
+                </a:solidFill>
+                <a:latin typeface="Calibri" panose="020F0502020204030204" pitchFamily="34" charset="0"/>
+                <a:ea typeface="微軟正黑體" pitchFamily="34" charset="-120"/>
+                <a:cs typeface="Calibri" panose="020F0502020204030204" pitchFamily="34" charset="0"/>
+              </a:rPr>
+              <a:t> </a:t>
+            </a:r>
+            <a:r>
+              <a:rPr lang="en-US" sz="3600" b="1" dirty="0" err="1">
+                <a:solidFill>
+                  <a:srgbClr val="000066"/>
+                </a:solidFill>
+                <a:latin typeface="Calibri" panose="020F0502020204030204" pitchFamily="34" charset="0"/>
+                <a:ea typeface="微軟正黑體" pitchFamily="34" charset="-120"/>
+                <a:cs typeface="Calibri" panose="020F0502020204030204" pitchFamily="34" charset="0"/>
+              </a:rPr>
+              <a:t>chào</a:t>
+            </a:r>
+            <a:r>
+              <a:rPr lang="en-US" sz="3600" b="1" dirty="0">
+                <a:solidFill>
+                  <a:srgbClr val="000066"/>
+                </a:solidFill>
+                <a:latin typeface="Calibri" panose="020F0502020204030204" pitchFamily="34" charset="0"/>
+                <a:ea typeface="微軟正黑體" pitchFamily="34" charset="-120"/>
+                <a:cs typeface="Calibri" panose="020F0502020204030204" pitchFamily="34" charset="0"/>
+              </a:rPr>
+              <a:t> </a:t>
+            </a:r>
+            <a:r>
+              <a:rPr lang="en-US" sz="3600" b="1" dirty="0" err="1">
+                <a:solidFill>
+                  <a:srgbClr val="000066"/>
+                </a:solidFill>
+                <a:latin typeface="Calibri" panose="020F0502020204030204" pitchFamily="34" charset="0"/>
+                <a:ea typeface="微軟正黑體" pitchFamily="34" charset="-120"/>
+                <a:cs typeface="Calibri" panose="020F0502020204030204" pitchFamily="34" charset="0"/>
+              </a:rPr>
+              <a:t>đón</a:t>
+            </a:r>
+            <a:r>
+              <a:rPr lang="en-US" sz="3600" b="1" dirty="0">
+                <a:solidFill>
+                  <a:srgbClr val="000066"/>
+                </a:solidFill>
+                <a:latin typeface="Calibri" panose="020F0502020204030204" pitchFamily="34" charset="0"/>
+                <a:ea typeface="微軟正黑體" pitchFamily="34" charset="-120"/>
+                <a:cs typeface="Calibri" panose="020F0502020204030204" pitchFamily="34" charset="0"/>
+              </a:rPr>
+              <a:t> Con </a:t>
+            </a:r>
+            <a:r>
+              <a:rPr lang="en-US" sz="3600" b="1" dirty="0" err="1">
+                <a:solidFill>
+                  <a:srgbClr val="000066"/>
+                </a:solidFill>
+                <a:latin typeface="Calibri" panose="020F0502020204030204" pitchFamily="34" charset="0"/>
+                <a:ea typeface="微軟正黑體" pitchFamily="34" charset="-120"/>
+                <a:cs typeface="Calibri" panose="020F0502020204030204" pitchFamily="34" charset="0"/>
+              </a:rPr>
+              <a:t>Trẻ</a:t>
+            </a:r>
+            <a:r>
+              <a:rPr lang="en-US" sz="3600" b="1" dirty="0">
+                <a:solidFill>
+                  <a:srgbClr val="000066"/>
+                </a:solidFill>
+                <a:latin typeface="Calibri" panose="020F0502020204030204" pitchFamily="34" charset="0"/>
+                <a:ea typeface="微軟正黑體" pitchFamily="34" charset="-120"/>
+                <a:cs typeface="Calibri" panose="020F0502020204030204" pitchFamily="34" charset="0"/>
+              </a:rPr>
+              <a:t> </a:t>
+            </a:r>
+            <a:r>
+              <a:rPr lang="en-US" sz="3600" b="1" dirty="0" err="1">
+                <a:solidFill>
+                  <a:srgbClr val="000066"/>
+                </a:solidFill>
+                <a:latin typeface="Calibri" panose="020F0502020204030204" pitchFamily="34" charset="0"/>
+                <a:ea typeface="微軟正黑體" pitchFamily="34" charset="-120"/>
+                <a:cs typeface="Calibri" panose="020F0502020204030204" pitchFamily="34" charset="0"/>
+              </a:rPr>
+              <a:t>Thánh</a:t>
+            </a:r>
+            <a:r>
+              <a:rPr lang="en-US" sz="3600" b="1" dirty="0">
+                <a:solidFill>
+                  <a:srgbClr val="000066"/>
+                </a:solidFill>
+                <a:latin typeface="Calibri" panose="020F0502020204030204" pitchFamily="34" charset="0"/>
+                <a:ea typeface="微軟正黑體" pitchFamily="34" charset="-120"/>
+                <a:cs typeface="Calibri" panose="020F0502020204030204" pitchFamily="34" charset="0"/>
+              </a:rPr>
+              <a:t> </a:t>
+            </a:r>
+            <a:r>
+              <a:rPr lang="en-US" sz="3600" b="1" dirty="0" err="1">
+                <a:solidFill>
+                  <a:srgbClr val="000066"/>
+                </a:solidFill>
+                <a:latin typeface="Calibri" panose="020F0502020204030204" pitchFamily="34" charset="0"/>
+                <a:ea typeface="微軟正黑體" pitchFamily="34" charset="-120"/>
+                <a:cs typeface="Calibri" panose="020F0502020204030204" pitchFamily="34" charset="0"/>
+              </a:rPr>
+              <a:t>là</a:t>
+            </a:r>
+            <a:r>
+              <a:rPr lang="en-US" sz="3600" b="1" dirty="0">
+                <a:solidFill>
+                  <a:srgbClr val="000066"/>
+                </a:solidFill>
+                <a:latin typeface="Calibri" panose="020F0502020204030204" pitchFamily="34" charset="0"/>
+                <a:ea typeface="微軟正黑體" pitchFamily="34" charset="-120"/>
+                <a:cs typeface="Calibri" panose="020F0502020204030204" pitchFamily="34" charset="0"/>
+              </a:rPr>
+              <a:t> </a:t>
+            </a:r>
+            <a:r>
+              <a:rPr lang="en-US" sz="3600" b="1" dirty="0" err="1">
+                <a:solidFill>
+                  <a:srgbClr val="000066"/>
+                </a:solidFill>
+                <a:latin typeface="Calibri" panose="020F0502020204030204" pitchFamily="34" charset="0"/>
+                <a:ea typeface="微軟正黑體" pitchFamily="34" charset="-120"/>
+                <a:cs typeface="Calibri" panose="020F0502020204030204" pitchFamily="34" charset="0"/>
+              </a:rPr>
+              <a:t>Cứu</a:t>
+            </a:r>
+            <a:r>
+              <a:rPr lang="en-US" sz="3600" b="1" dirty="0">
+                <a:solidFill>
+                  <a:srgbClr val="000066"/>
+                </a:solidFill>
+                <a:latin typeface="Calibri" panose="020F0502020204030204" pitchFamily="34" charset="0"/>
+                <a:ea typeface="微軟正黑體" pitchFamily="34" charset="-120"/>
+                <a:cs typeface="Calibri" panose="020F0502020204030204" pitchFamily="34" charset="0"/>
+              </a:rPr>
+              <a:t> </a:t>
+            </a:r>
+            <a:r>
+              <a:rPr lang="en-US" sz="3600" b="1" dirty="0" err="1">
+                <a:solidFill>
+                  <a:srgbClr val="000066"/>
+                </a:solidFill>
+                <a:latin typeface="Calibri" panose="020F0502020204030204" pitchFamily="34" charset="0"/>
+                <a:ea typeface="微軟正黑體" pitchFamily="34" charset="-120"/>
+                <a:cs typeface="Calibri" panose="020F0502020204030204" pitchFamily="34" charset="0"/>
+              </a:rPr>
+              <a:t>Chúa</a:t>
+            </a:r>
+            <a:r>
+              <a:rPr lang="en-US" sz="3600" b="1" dirty="0">
+                <a:solidFill>
+                  <a:srgbClr val="000066"/>
+                </a:solidFill>
+                <a:latin typeface="Calibri" panose="020F0502020204030204" pitchFamily="34" charset="0"/>
+                <a:ea typeface="微軟正黑體" pitchFamily="34" charset="-120"/>
+                <a:cs typeface="Calibri" panose="020F0502020204030204" pitchFamily="34" charset="0"/>
+              </a:rPr>
+              <a:t> </a:t>
+            </a:r>
+            <a:r>
+              <a:rPr lang="en-US" sz="3600" b="1" dirty="0" err="1">
+                <a:solidFill>
+                  <a:srgbClr val="000066"/>
+                </a:solidFill>
+                <a:latin typeface="Calibri" panose="020F0502020204030204" pitchFamily="34" charset="0"/>
+                <a:ea typeface="微軟正黑體" pitchFamily="34" charset="-120"/>
+                <a:cs typeface="Calibri" panose="020F0502020204030204" pitchFamily="34" charset="0"/>
+              </a:rPr>
+              <a:t>của</a:t>
+            </a:r>
+            <a:r>
+              <a:rPr lang="en-US" sz="3600" b="1" dirty="0">
+                <a:solidFill>
+                  <a:srgbClr val="000066"/>
+                </a:solidFill>
+                <a:latin typeface="Calibri" panose="020F0502020204030204" pitchFamily="34" charset="0"/>
+                <a:ea typeface="微軟正黑體" pitchFamily="34" charset="-120"/>
+                <a:cs typeface="Calibri" panose="020F0502020204030204" pitchFamily="34" charset="0"/>
+              </a:rPr>
+              <a:t> </a:t>
+            </a:r>
+            <a:r>
+              <a:rPr lang="en-US" sz="3600" b="1" dirty="0" err="1">
+                <a:solidFill>
+                  <a:srgbClr val="000066"/>
+                </a:solidFill>
+                <a:latin typeface="Calibri" panose="020F0502020204030204" pitchFamily="34" charset="0"/>
+                <a:ea typeface="微軟正黑體" pitchFamily="34" charset="-120"/>
+                <a:cs typeface="Calibri" panose="020F0502020204030204" pitchFamily="34" charset="0"/>
+              </a:rPr>
+              <a:t>nhân</a:t>
+            </a:r>
+            <a:r>
+              <a:rPr lang="en-US" sz="3600" b="1" dirty="0">
+                <a:solidFill>
+                  <a:srgbClr val="000066"/>
+                </a:solidFill>
+                <a:latin typeface="Calibri" panose="020F0502020204030204" pitchFamily="34" charset="0"/>
+                <a:ea typeface="微軟正黑體" pitchFamily="34" charset="-120"/>
+                <a:cs typeface="Calibri" panose="020F0502020204030204" pitchFamily="34" charset="0"/>
+              </a:rPr>
+              <a:t> </a:t>
+            </a:r>
+            <a:r>
+              <a:rPr lang="en-US" sz="3600" b="1" dirty="0" err="1">
+                <a:solidFill>
+                  <a:srgbClr val="000066"/>
+                </a:solidFill>
+                <a:latin typeface="Calibri" panose="020F0502020204030204" pitchFamily="34" charset="0"/>
+                <a:ea typeface="微軟正黑體" pitchFamily="34" charset="-120"/>
+                <a:cs typeface="Calibri" panose="020F0502020204030204" pitchFamily="34" charset="0"/>
+              </a:rPr>
+              <a:t>loại</a:t>
+            </a:r>
+            <a:endParaRPr lang="en-US" sz="3600" b="1" dirty="0">
               <a:solidFill>
                 <a:srgbClr val="000066"/>
               </a:solidFill>
@@ -4360,7 +4304,7 @@
     </p:spTree>
     <p:extLst>
       <p:ext uri="{BB962C8B-B14F-4D97-AF65-F5344CB8AC3E}">
-        <p14:creationId xmlns:p14="http://schemas.microsoft.com/office/powerpoint/2010/main" val="1149892541"/>
+        <p14:creationId xmlns:p14="http://schemas.microsoft.com/office/powerpoint/2010/main" val="260014119"/>
       </p:ext>
     </p:extLst>
   </p:cSld>
@@ -4399,7 +4343,7 @@
         </p:nvSpPr>
         <p:spPr>
           <a:xfrm>
-            <a:off x="0" y="2167981"/>
+            <a:off x="0" y="2167982"/>
             <a:ext cx="12192000" cy="1318225"/>
           </a:xfrm>
         </p:spPr>
@@ -4420,7 +4364,7 @@
                 <a:latin typeface="微軟正黑體" pitchFamily="34" charset="-120"/>
                 <a:ea typeface="微軟正黑體" pitchFamily="34" charset="-120"/>
               </a:rPr>
-              <a:t>獻上感恩心，因主賜奇妙恩</a:t>
+              <a:t>奇妙聖誕夜  主前跪拜</a:t>
             </a:r>
             <a:endParaRPr lang="en-US" altLang="zh-CN" sz="6400" b="1" dirty="0">
               <a:solidFill>
@@ -4442,7 +4386,7 @@
         </p:nvSpPr>
         <p:spPr>
           <a:xfrm>
-            <a:off x="0" y="3117530"/>
+            <a:off x="0" y="3117532"/>
             <a:ext cx="12192000" cy="1318225"/>
           </a:xfrm>
           <a:prstGeom prst="rect">
@@ -4603,7 +4547,7 @@
                 <a:ea typeface="微軟正黑體" pitchFamily="34" charset="-120"/>
                 <a:cs typeface="Calibri" panose="020F0502020204030204" pitchFamily="34" charset="0"/>
               </a:rPr>
-              <a:t>Dâng</a:t>
+              <a:t>Kỳ</a:t>
             </a:r>
             <a:r>
               <a:rPr lang="en-US" sz="3600" b="1" dirty="0">
@@ -4625,7 +4569,7 @@
                 <a:ea typeface="微軟正黑體" pitchFamily="34" charset="-120"/>
                 <a:cs typeface="Calibri" panose="020F0502020204030204" pitchFamily="34" charset="0"/>
               </a:rPr>
-              <a:t>lên</a:t>
+              <a:t>diệu</a:t>
             </a:r>
             <a:r>
               <a:rPr lang="en-US" sz="3600" b="1" dirty="0">
@@ -4647,7 +4591,7 @@
                 <a:ea typeface="微軟正黑體" pitchFamily="34" charset="-120"/>
                 <a:cs typeface="Calibri" panose="020F0502020204030204" pitchFamily="34" charset="0"/>
               </a:rPr>
-              <a:t>lòng</a:t>
+              <a:t>đêm</a:t>
             </a:r>
             <a:r>
               <a:rPr lang="en-US" sz="3600" b="1" dirty="0">
@@ -4669,7 +4613,7 @@
                 <a:ea typeface="微軟正黑體" pitchFamily="34" charset="-120"/>
                 <a:cs typeface="Calibri" panose="020F0502020204030204" pitchFamily="34" charset="0"/>
               </a:rPr>
-              <a:t>biết</a:t>
+              <a:t>giáng</a:t>
             </a:r>
             <a:r>
               <a:rPr lang="en-US" sz="3600" b="1" dirty="0">
@@ -4691,7 +4635,7 @@
                 <a:ea typeface="微軟正黑體" pitchFamily="34" charset="-120"/>
                 <a:cs typeface="Calibri" panose="020F0502020204030204" pitchFamily="34" charset="0"/>
               </a:rPr>
-              <a:t>ơn</a:t>
+              <a:t>sinh</a:t>
             </a:r>
             <a:r>
               <a:rPr lang="en-US" sz="3600" b="1" dirty="0">
@@ -4702,18 +4646,18 @@
                 <a:ea typeface="微軟正黑體" pitchFamily="34" charset="-120"/>
                 <a:cs typeface="Calibri" panose="020F0502020204030204" pitchFamily="34" charset="0"/>
               </a:rPr>
-              <a:t> </a:t>
-            </a:r>
-            <a:r>
-              <a:rPr lang="en-US" sz="3600" b="1" dirty="0" err="1">
-                <a:solidFill>
-                  <a:srgbClr val="000066"/>
-                </a:solidFill>
-                <a:latin typeface="Calibri" panose="020F0502020204030204" pitchFamily="34" charset="0"/>
-                <a:ea typeface="微軟正黑體" pitchFamily="34" charset="-120"/>
-                <a:cs typeface="Calibri" panose="020F0502020204030204" pitchFamily="34" charset="0"/>
-              </a:rPr>
-              <a:t>với</a:t>
+              <a:t>, </a:t>
+            </a:r>
+            <a:r>
+              <a:rPr lang="en-US" sz="3600" b="1" dirty="0" err="1">
+                <a:solidFill>
+                  <a:srgbClr val="000066"/>
+                </a:solidFill>
+                <a:latin typeface="Calibri" panose="020F0502020204030204" pitchFamily="34" charset="0"/>
+                <a:ea typeface="微軟正黑體" pitchFamily="34" charset="-120"/>
+                <a:cs typeface="Calibri" panose="020F0502020204030204" pitchFamily="34" charset="0"/>
+              </a:rPr>
+              <a:t>quỳ</a:t>
             </a:r>
             <a:r>
               <a:rPr lang="en-US" sz="3600" b="1" dirty="0">
@@ -4735,117 +4679,51 @@
                 <a:ea typeface="微軟正黑體" pitchFamily="34" charset="-120"/>
                 <a:cs typeface="Calibri" panose="020F0502020204030204" pitchFamily="34" charset="0"/>
               </a:rPr>
+              <a:t>xuống</a:t>
+            </a:r>
+            <a:r>
+              <a:rPr lang="en-US" sz="3600" b="1" dirty="0">
+                <a:solidFill>
+                  <a:srgbClr val="000066"/>
+                </a:solidFill>
+                <a:latin typeface="Calibri" panose="020F0502020204030204" pitchFamily="34" charset="0"/>
+                <a:ea typeface="微軟正黑體" pitchFamily="34" charset="-120"/>
+                <a:cs typeface="Calibri" panose="020F0502020204030204" pitchFamily="34" charset="0"/>
+              </a:rPr>
+              <a:t> </a:t>
+            </a:r>
+            <a:r>
+              <a:rPr lang="en-US" sz="3600" b="1" dirty="0" err="1">
+                <a:solidFill>
+                  <a:srgbClr val="000066"/>
+                </a:solidFill>
+                <a:latin typeface="Calibri" panose="020F0502020204030204" pitchFamily="34" charset="0"/>
+                <a:ea typeface="微軟正黑體" pitchFamily="34" charset="-120"/>
+                <a:cs typeface="Calibri" panose="020F0502020204030204" pitchFamily="34" charset="0"/>
+              </a:rPr>
+              <a:t>trước</a:t>
+            </a:r>
+            <a:r>
+              <a:rPr lang="en-US" sz="3600" b="1" dirty="0">
+                <a:solidFill>
+                  <a:srgbClr val="000066"/>
+                </a:solidFill>
+                <a:latin typeface="Calibri" panose="020F0502020204030204" pitchFamily="34" charset="0"/>
+                <a:ea typeface="微軟正黑體" pitchFamily="34" charset="-120"/>
+                <a:cs typeface="Calibri" panose="020F0502020204030204" pitchFamily="34" charset="0"/>
+              </a:rPr>
+              <a:t> </a:t>
+            </a:r>
+            <a:r>
+              <a:rPr lang="en-US" sz="3600" b="1" dirty="0" err="1">
+                <a:solidFill>
+                  <a:srgbClr val="000066"/>
+                </a:solidFill>
+                <a:latin typeface="Calibri" panose="020F0502020204030204" pitchFamily="34" charset="0"/>
+                <a:ea typeface="微軟正黑體" pitchFamily="34" charset="-120"/>
+                <a:cs typeface="Calibri" panose="020F0502020204030204" pitchFamily="34" charset="0"/>
+              </a:rPr>
               <a:t>Chúa</a:t>
-            </a:r>
-            <a:r>
-              <a:rPr lang="en-US" sz="3600" b="1" dirty="0">
-                <a:solidFill>
-                  <a:srgbClr val="000066"/>
-                </a:solidFill>
-                <a:latin typeface="Calibri" panose="020F0502020204030204" pitchFamily="34" charset="0"/>
-                <a:ea typeface="微軟正黑體" pitchFamily="34" charset="-120"/>
-                <a:cs typeface="Calibri" panose="020F0502020204030204" pitchFamily="34" charset="0"/>
-              </a:rPr>
-              <a:t> </a:t>
-            </a:r>
-            <a:r>
-              <a:rPr lang="en-US" sz="3600" b="1" dirty="0" err="1">
-                <a:solidFill>
-                  <a:srgbClr val="000066"/>
-                </a:solidFill>
-                <a:latin typeface="Calibri" panose="020F0502020204030204" pitchFamily="34" charset="0"/>
-                <a:ea typeface="微軟正黑體" pitchFamily="34" charset="-120"/>
-                <a:cs typeface="Calibri" panose="020F0502020204030204" pitchFamily="34" charset="0"/>
-              </a:rPr>
-              <a:t>bởi</a:t>
-            </a:r>
-            <a:r>
-              <a:rPr lang="en-US" sz="3600" b="1" dirty="0">
-                <a:solidFill>
-                  <a:srgbClr val="000066"/>
-                </a:solidFill>
-                <a:latin typeface="Calibri" panose="020F0502020204030204" pitchFamily="34" charset="0"/>
-                <a:ea typeface="微軟正黑體" pitchFamily="34" charset="-120"/>
-                <a:cs typeface="Calibri" panose="020F0502020204030204" pitchFamily="34" charset="0"/>
-              </a:rPr>
-              <a:t> </a:t>
-            </a:r>
-            <a:r>
-              <a:rPr lang="en-US" sz="3600" b="1" dirty="0" err="1">
-                <a:solidFill>
-                  <a:srgbClr val="000066"/>
-                </a:solidFill>
-                <a:latin typeface="Calibri" panose="020F0502020204030204" pitchFamily="34" charset="0"/>
-                <a:ea typeface="微軟正黑體" pitchFamily="34" charset="-120"/>
-                <a:cs typeface="Calibri" panose="020F0502020204030204" pitchFamily="34" charset="0"/>
-              </a:rPr>
-              <a:t>Ngài</a:t>
-            </a:r>
-            <a:r>
-              <a:rPr lang="en-US" sz="3600" b="1" dirty="0">
-                <a:solidFill>
-                  <a:srgbClr val="000066"/>
-                </a:solidFill>
-                <a:latin typeface="Calibri" panose="020F0502020204030204" pitchFamily="34" charset="0"/>
-                <a:ea typeface="微軟正黑體" pitchFamily="34" charset="-120"/>
-                <a:cs typeface="Calibri" panose="020F0502020204030204" pitchFamily="34" charset="0"/>
-              </a:rPr>
-              <a:t> ban </a:t>
-            </a:r>
-            <a:r>
-              <a:rPr lang="en-US" sz="3600" b="1" dirty="0" err="1">
-                <a:solidFill>
-                  <a:srgbClr val="000066"/>
-                </a:solidFill>
-                <a:latin typeface="Calibri" panose="020F0502020204030204" pitchFamily="34" charset="0"/>
-                <a:ea typeface="微軟正黑體" pitchFamily="34" charset="-120"/>
-                <a:cs typeface="Calibri" panose="020F0502020204030204" pitchFamily="34" charset="0"/>
-              </a:rPr>
-              <a:t>ơn</a:t>
-            </a:r>
-            <a:r>
-              <a:rPr lang="en-US" sz="3600" b="1" dirty="0">
-                <a:solidFill>
-                  <a:srgbClr val="000066"/>
-                </a:solidFill>
-                <a:latin typeface="Calibri" panose="020F0502020204030204" pitchFamily="34" charset="0"/>
-                <a:ea typeface="微軟正黑體" pitchFamily="34" charset="-120"/>
-                <a:cs typeface="Calibri" panose="020F0502020204030204" pitchFamily="34" charset="0"/>
-              </a:rPr>
-              <a:t> </a:t>
-            </a:r>
-            <a:r>
-              <a:rPr lang="en-US" sz="3600" b="1" dirty="0" err="1">
-                <a:solidFill>
-                  <a:srgbClr val="000066"/>
-                </a:solidFill>
-                <a:latin typeface="Calibri" panose="020F0502020204030204" pitchFamily="34" charset="0"/>
-                <a:ea typeface="微軟正黑體" pitchFamily="34" charset="-120"/>
-                <a:cs typeface="Calibri" panose="020F0502020204030204" pitchFamily="34" charset="0"/>
-              </a:rPr>
-              <a:t>kỳ</a:t>
-            </a:r>
-            <a:r>
-              <a:rPr lang="en-US" sz="3600" b="1" dirty="0">
-                <a:solidFill>
-                  <a:srgbClr val="000066"/>
-                </a:solidFill>
-                <a:latin typeface="Calibri" panose="020F0502020204030204" pitchFamily="34" charset="0"/>
-                <a:ea typeface="微軟正黑體" pitchFamily="34" charset="-120"/>
-                <a:cs typeface="Calibri" panose="020F0502020204030204" pitchFamily="34" charset="0"/>
-              </a:rPr>
-              <a:t> </a:t>
-            </a:r>
-            <a:r>
-              <a:rPr lang="en-US" sz="3600" b="1" dirty="0" err="1">
-                <a:solidFill>
-                  <a:srgbClr val="000066"/>
-                </a:solidFill>
-                <a:latin typeface="Calibri" panose="020F0502020204030204" pitchFamily="34" charset="0"/>
-                <a:ea typeface="微軟正黑體" pitchFamily="34" charset="-120"/>
-                <a:cs typeface="Calibri" panose="020F0502020204030204" pitchFamily="34" charset="0"/>
-              </a:rPr>
-              <a:t>diệu</a:t>
             </a:r>
             <a:endParaRPr lang="en-US" sz="3600" b="1" dirty="0">
               <a:solidFill>
@@ -4861,7 +4739,7 @@
     </p:spTree>
     <p:extLst>
       <p:ext uri="{BB962C8B-B14F-4D97-AF65-F5344CB8AC3E}">
-        <p14:creationId xmlns:p14="http://schemas.microsoft.com/office/powerpoint/2010/main" val="2489629225"/>
+        <p14:creationId xmlns:p14="http://schemas.microsoft.com/office/powerpoint/2010/main" val="3032774033"/>
       </p:ext>
     </p:extLst>
   </p:cSld>
@@ -4900,7 +4778,7 @@
         </p:nvSpPr>
         <p:spPr>
           <a:xfrm>
-            <a:off x="0" y="2167981"/>
+            <a:off x="0" y="2167982"/>
             <a:ext cx="12192000" cy="1318225"/>
           </a:xfrm>
         </p:spPr>
@@ -4921,7 +4799,7 @@
                 <a:latin typeface="微軟正黑體" pitchFamily="34" charset="-120"/>
                 <a:ea typeface="微軟正黑體" pitchFamily="34" charset="-120"/>
               </a:rPr>
-              <a:t>來屈膝敬拜主，祂降生為救人</a:t>
+              <a:t>牧羊人也前來  歡欣同敬拜</a:t>
             </a:r>
             <a:endParaRPr lang="en-US" altLang="zh-CN" sz="6400" b="1" dirty="0">
               <a:solidFill>
@@ -4943,7 +4821,7 @@
         </p:nvSpPr>
         <p:spPr>
           <a:xfrm>
-            <a:off x="0" y="3117530"/>
+            <a:off x="0" y="3117532"/>
             <a:ext cx="12192000" cy="1318225"/>
           </a:xfrm>
           <a:prstGeom prst="rect">
@@ -5104,7 +4982,7 @@
                 <a:ea typeface="微軟正黑體" pitchFamily="34" charset="-120"/>
                 <a:cs typeface="Calibri" panose="020F0502020204030204" pitchFamily="34" charset="0"/>
               </a:rPr>
-              <a:t>Hãy</a:t>
+              <a:t>Những</a:t>
             </a:r>
             <a:r>
               <a:rPr lang="en-US" sz="3200" b="1" dirty="0">
@@ -5126,6 +5004,94 @@
                 <a:ea typeface="微軟正黑體" pitchFamily="34" charset="-120"/>
                 <a:cs typeface="Calibri" panose="020F0502020204030204" pitchFamily="34" charset="0"/>
               </a:rPr>
+              <a:t>người</a:t>
+            </a:r>
+            <a:r>
+              <a:rPr lang="en-US" sz="3200" b="1" dirty="0">
+                <a:solidFill>
+                  <a:srgbClr val="000066"/>
+                </a:solidFill>
+                <a:latin typeface="Calibri" panose="020F0502020204030204" pitchFamily="34" charset="0"/>
+                <a:ea typeface="微軟正黑體" pitchFamily="34" charset="-120"/>
+                <a:cs typeface="Calibri" panose="020F0502020204030204" pitchFamily="34" charset="0"/>
+              </a:rPr>
+              <a:t> </a:t>
+            </a:r>
+            <a:r>
+              <a:rPr lang="en-US" sz="3200" b="1" dirty="0" err="1">
+                <a:solidFill>
+                  <a:srgbClr val="000066"/>
+                </a:solidFill>
+                <a:latin typeface="Calibri" panose="020F0502020204030204" pitchFamily="34" charset="0"/>
+                <a:ea typeface="微軟正黑體" pitchFamily="34" charset="-120"/>
+                <a:cs typeface="Calibri" panose="020F0502020204030204" pitchFamily="34" charset="0"/>
+              </a:rPr>
+              <a:t>chăn</a:t>
+            </a:r>
+            <a:r>
+              <a:rPr lang="en-US" sz="3200" b="1" dirty="0">
+                <a:solidFill>
+                  <a:srgbClr val="000066"/>
+                </a:solidFill>
+                <a:latin typeface="Calibri" panose="020F0502020204030204" pitchFamily="34" charset="0"/>
+                <a:ea typeface="微軟正黑體" pitchFamily="34" charset="-120"/>
+                <a:cs typeface="Calibri" panose="020F0502020204030204" pitchFamily="34" charset="0"/>
+              </a:rPr>
+              <a:t> </a:t>
+            </a:r>
+            <a:r>
+              <a:rPr lang="en-US" sz="3200" b="1" dirty="0" err="1">
+                <a:solidFill>
+                  <a:srgbClr val="000066"/>
+                </a:solidFill>
+                <a:latin typeface="Calibri" panose="020F0502020204030204" pitchFamily="34" charset="0"/>
+                <a:ea typeface="微軟正黑體" pitchFamily="34" charset="-120"/>
+                <a:cs typeface="Calibri" panose="020F0502020204030204" pitchFamily="34" charset="0"/>
+              </a:rPr>
+              <a:t>chiên</a:t>
+            </a:r>
+            <a:r>
+              <a:rPr lang="en-US" sz="3200" b="1" dirty="0">
+                <a:solidFill>
+                  <a:srgbClr val="000066"/>
+                </a:solidFill>
+                <a:latin typeface="Calibri" panose="020F0502020204030204" pitchFamily="34" charset="0"/>
+                <a:ea typeface="微軟正黑體" pitchFamily="34" charset="-120"/>
+                <a:cs typeface="Calibri" panose="020F0502020204030204" pitchFamily="34" charset="0"/>
+              </a:rPr>
+              <a:t> </a:t>
+            </a:r>
+            <a:r>
+              <a:rPr lang="en-US" sz="3200" b="1" dirty="0" err="1">
+                <a:solidFill>
+                  <a:srgbClr val="000066"/>
+                </a:solidFill>
+                <a:latin typeface="Calibri" panose="020F0502020204030204" pitchFamily="34" charset="0"/>
+                <a:ea typeface="微軟正黑體" pitchFamily="34" charset="-120"/>
+                <a:cs typeface="Calibri" panose="020F0502020204030204" pitchFamily="34" charset="0"/>
+              </a:rPr>
+              <a:t>cũng</a:t>
+            </a:r>
+            <a:r>
+              <a:rPr lang="en-US" sz="3200" b="1" dirty="0">
+                <a:solidFill>
+                  <a:srgbClr val="000066"/>
+                </a:solidFill>
+                <a:latin typeface="Calibri" panose="020F0502020204030204" pitchFamily="34" charset="0"/>
+                <a:ea typeface="微軟正黑體" pitchFamily="34" charset="-120"/>
+                <a:cs typeface="Calibri" panose="020F0502020204030204" pitchFamily="34" charset="0"/>
+              </a:rPr>
+              <a:t> </a:t>
+            </a:r>
+            <a:r>
+              <a:rPr lang="en-US" sz="3200" b="1" dirty="0" err="1">
+                <a:solidFill>
+                  <a:srgbClr val="000066"/>
+                </a:solidFill>
+                <a:latin typeface="Calibri" panose="020F0502020204030204" pitchFamily="34" charset="0"/>
+                <a:ea typeface="微軟正黑體" pitchFamily="34" charset="-120"/>
+                <a:cs typeface="Calibri" panose="020F0502020204030204" pitchFamily="34" charset="0"/>
+              </a:rPr>
               <a:t>đến</a:t>
             </a:r>
             <a:r>
@@ -5148,7 +5114,7 @@
                 <a:ea typeface="微軟正黑體" pitchFamily="34" charset="-120"/>
                 <a:cs typeface="Calibri" panose="020F0502020204030204" pitchFamily="34" charset="0"/>
               </a:rPr>
-              <a:t>quỳ</a:t>
+              <a:t>và</a:t>
             </a:r>
             <a:r>
               <a:rPr lang="en-US" sz="3200" b="1" dirty="0">
@@ -5170,7 +5136,7 @@
                 <a:ea typeface="微軟正黑體" pitchFamily="34" charset="-120"/>
                 <a:cs typeface="Calibri" panose="020F0502020204030204" pitchFamily="34" charset="0"/>
               </a:rPr>
-              <a:t>gối</a:t>
+              <a:t>đồng</a:t>
             </a:r>
             <a:r>
               <a:rPr lang="en-US" sz="3200" b="1" dirty="0">
@@ -5192,7 +5158,7 @@
                 <a:ea typeface="微軟正黑體" pitchFamily="34" charset="-120"/>
                 <a:cs typeface="Calibri" panose="020F0502020204030204" pitchFamily="34" charset="0"/>
               </a:rPr>
-              <a:t>và</a:t>
+              <a:t>hân</a:t>
             </a:r>
             <a:r>
               <a:rPr lang="en-US" sz="3200" b="1" dirty="0">
@@ -5214,6 +5180,28 @@
                 <a:ea typeface="微軟正黑體" pitchFamily="34" charset="-120"/>
                 <a:cs typeface="Calibri" panose="020F0502020204030204" pitchFamily="34" charset="0"/>
               </a:rPr>
+              <a:t>hoan</a:t>
+            </a:r>
+            <a:r>
+              <a:rPr lang="en-US" sz="3200" b="1" dirty="0">
+                <a:solidFill>
+                  <a:srgbClr val="000066"/>
+                </a:solidFill>
+                <a:latin typeface="Calibri" panose="020F0502020204030204" pitchFamily="34" charset="0"/>
+                <a:ea typeface="微軟正黑體" pitchFamily="34" charset="-120"/>
+                <a:cs typeface="Calibri" panose="020F0502020204030204" pitchFamily="34" charset="0"/>
+              </a:rPr>
+              <a:t> </a:t>
+            </a:r>
+            <a:r>
+              <a:rPr lang="en-US" sz="3200" b="1" dirty="0" err="1">
+                <a:solidFill>
+                  <a:srgbClr val="000066"/>
+                </a:solidFill>
+                <a:latin typeface="Calibri" panose="020F0502020204030204" pitchFamily="34" charset="0"/>
+                <a:ea typeface="微軟正黑體" pitchFamily="34" charset="-120"/>
+                <a:cs typeface="Calibri" panose="020F0502020204030204" pitchFamily="34" charset="0"/>
+              </a:rPr>
               <a:t>thờ</a:t>
             </a:r>
             <a:r>
@@ -5259,160 +5247,6 @@
                 <a:cs typeface="Calibri" panose="020F0502020204030204" pitchFamily="34" charset="0"/>
               </a:rPr>
               <a:t>Ngài</a:t>
-            </a:r>
-            <a:r>
-              <a:rPr lang="en-US" sz="3200" b="1" dirty="0">
-                <a:solidFill>
-                  <a:srgbClr val="000066"/>
-                </a:solidFill>
-                <a:latin typeface="Calibri" panose="020F0502020204030204" pitchFamily="34" charset="0"/>
-                <a:ea typeface="微軟正黑體" pitchFamily="34" charset="-120"/>
-                <a:cs typeface="Calibri" panose="020F0502020204030204" pitchFamily="34" charset="0"/>
-              </a:rPr>
-              <a:t> </a:t>
-            </a:r>
-            <a:r>
-              <a:rPr lang="en-US" sz="3200" b="1" dirty="0" err="1">
-                <a:solidFill>
-                  <a:srgbClr val="000066"/>
-                </a:solidFill>
-                <a:latin typeface="Calibri" panose="020F0502020204030204" pitchFamily="34" charset="0"/>
-                <a:ea typeface="微軟正黑體" pitchFamily="34" charset="-120"/>
-                <a:cs typeface="Calibri" panose="020F0502020204030204" pitchFamily="34" charset="0"/>
-              </a:rPr>
-              <a:t>vì</a:t>
-            </a:r>
-            <a:r>
-              <a:rPr lang="en-US" sz="3200" b="1" dirty="0">
-                <a:solidFill>
-                  <a:srgbClr val="000066"/>
-                </a:solidFill>
-                <a:latin typeface="Calibri" panose="020F0502020204030204" pitchFamily="34" charset="0"/>
-                <a:ea typeface="微軟正黑體" pitchFamily="34" charset="-120"/>
-                <a:cs typeface="Calibri" panose="020F0502020204030204" pitchFamily="34" charset="0"/>
-              </a:rPr>
-              <a:t> </a:t>
-            </a:r>
-            <a:r>
-              <a:rPr lang="en-US" sz="3200" b="1" dirty="0" err="1">
-                <a:solidFill>
-                  <a:srgbClr val="000066"/>
-                </a:solidFill>
-                <a:latin typeface="Calibri" panose="020F0502020204030204" pitchFamily="34" charset="0"/>
-                <a:ea typeface="微軟正黑體" pitchFamily="34" charset="-120"/>
-                <a:cs typeface="Calibri" panose="020F0502020204030204" pitchFamily="34" charset="0"/>
-              </a:rPr>
-              <a:t>Ngài</a:t>
-            </a:r>
-            <a:r>
-              <a:rPr lang="en-US" sz="3200" b="1" dirty="0">
-                <a:solidFill>
-                  <a:srgbClr val="000066"/>
-                </a:solidFill>
-                <a:latin typeface="Calibri" panose="020F0502020204030204" pitchFamily="34" charset="0"/>
-                <a:ea typeface="微軟正黑體" pitchFamily="34" charset="-120"/>
-                <a:cs typeface="Calibri" panose="020F0502020204030204" pitchFamily="34" charset="0"/>
-              </a:rPr>
-              <a:t> </a:t>
-            </a:r>
-            <a:r>
-              <a:rPr lang="en-US" sz="3200" b="1" dirty="0" err="1">
-                <a:solidFill>
-                  <a:srgbClr val="000066"/>
-                </a:solidFill>
-                <a:latin typeface="Calibri" panose="020F0502020204030204" pitchFamily="34" charset="0"/>
-                <a:ea typeface="微軟正黑體" pitchFamily="34" charset="-120"/>
-                <a:cs typeface="Calibri" panose="020F0502020204030204" pitchFamily="34" charset="0"/>
-              </a:rPr>
-              <a:t>giáng</a:t>
-            </a:r>
-            <a:r>
-              <a:rPr lang="en-US" sz="3200" b="1" dirty="0">
-                <a:solidFill>
-                  <a:srgbClr val="000066"/>
-                </a:solidFill>
-                <a:latin typeface="Calibri" panose="020F0502020204030204" pitchFamily="34" charset="0"/>
-                <a:ea typeface="微軟正黑體" pitchFamily="34" charset="-120"/>
-                <a:cs typeface="Calibri" panose="020F0502020204030204" pitchFamily="34" charset="0"/>
-              </a:rPr>
-              <a:t> </a:t>
-            </a:r>
-            <a:r>
-              <a:rPr lang="en-US" sz="3200" b="1" dirty="0" err="1">
-                <a:solidFill>
-                  <a:srgbClr val="000066"/>
-                </a:solidFill>
-                <a:latin typeface="Calibri" panose="020F0502020204030204" pitchFamily="34" charset="0"/>
-                <a:ea typeface="微軟正黑體" pitchFamily="34" charset="-120"/>
-                <a:cs typeface="Calibri" panose="020F0502020204030204" pitchFamily="34" charset="0"/>
-              </a:rPr>
-              <a:t>sinh</a:t>
-            </a:r>
-            <a:r>
-              <a:rPr lang="en-US" sz="3200" b="1" dirty="0">
-                <a:solidFill>
-                  <a:srgbClr val="000066"/>
-                </a:solidFill>
-                <a:latin typeface="Calibri" panose="020F0502020204030204" pitchFamily="34" charset="0"/>
-                <a:ea typeface="微軟正黑體" pitchFamily="34" charset="-120"/>
-                <a:cs typeface="Calibri" panose="020F0502020204030204" pitchFamily="34" charset="0"/>
-              </a:rPr>
-              <a:t> </a:t>
-            </a:r>
-            <a:r>
-              <a:rPr lang="en-US" sz="3200" b="1" dirty="0" err="1">
-                <a:solidFill>
-                  <a:srgbClr val="000066"/>
-                </a:solidFill>
-                <a:latin typeface="Calibri" panose="020F0502020204030204" pitchFamily="34" charset="0"/>
-                <a:ea typeface="微軟正黑體" pitchFamily="34" charset="-120"/>
-                <a:cs typeface="Calibri" panose="020F0502020204030204" pitchFamily="34" charset="0"/>
-              </a:rPr>
-              <a:t>cứu</a:t>
-            </a:r>
-            <a:r>
-              <a:rPr lang="en-US" sz="3200" b="1" dirty="0">
-                <a:solidFill>
-                  <a:srgbClr val="000066"/>
-                </a:solidFill>
-                <a:latin typeface="Calibri" panose="020F0502020204030204" pitchFamily="34" charset="0"/>
-                <a:ea typeface="微軟正黑體" pitchFamily="34" charset="-120"/>
-                <a:cs typeface="Calibri" panose="020F0502020204030204" pitchFamily="34" charset="0"/>
-              </a:rPr>
-              <a:t> </a:t>
-            </a:r>
-            <a:r>
-              <a:rPr lang="en-US" sz="3200" b="1" dirty="0" err="1">
-                <a:solidFill>
-                  <a:srgbClr val="000066"/>
-                </a:solidFill>
-                <a:latin typeface="Calibri" panose="020F0502020204030204" pitchFamily="34" charset="0"/>
-                <a:ea typeface="微軟正黑體" pitchFamily="34" charset="-120"/>
-                <a:cs typeface="Calibri" panose="020F0502020204030204" pitchFamily="34" charset="0"/>
-              </a:rPr>
-              <a:t>chuộc</a:t>
-            </a:r>
-            <a:r>
-              <a:rPr lang="en-US" sz="3200" b="1" dirty="0">
-                <a:solidFill>
-                  <a:srgbClr val="000066"/>
-                </a:solidFill>
-                <a:latin typeface="Calibri" panose="020F0502020204030204" pitchFamily="34" charset="0"/>
-                <a:ea typeface="微軟正黑體" pitchFamily="34" charset="-120"/>
-                <a:cs typeface="Calibri" panose="020F0502020204030204" pitchFamily="34" charset="0"/>
-              </a:rPr>
-              <a:t> con </a:t>
-            </a:r>
-            <a:r>
-              <a:rPr lang="en-US" sz="3200" b="1" dirty="0" err="1">
-                <a:solidFill>
-                  <a:srgbClr val="000066"/>
-                </a:solidFill>
-                <a:latin typeface="Calibri" panose="020F0502020204030204" pitchFamily="34" charset="0"/>
-                <a:ea typeface="微軟正黑體" pitchFamily="34" charset="-120"/>
-                <a:cs typeface="Calibri" panose="020F0502020204030204" pitchFamily="34" charset="0"/>
-              </a:rPr>
-              <a:t>người</a:t>
             </a:r>
             <a:endParaRPr lang="en-US" sz="3200" b="1" dirty="0">
               <a:solidFill>
@@ -5428,7 +5262,7 @@
     </p:spTree>
     <p:extLst>
       <p:ext uri="{BB962C8B-B14F-4D97-AF65-F5344CB8AC3E}">
-        <p14:creationId xmlns:p14="http://schemas.microsoft.com/office/powerpoint/2010/main" val="4213770310"/>
+        <p14:creationId xmlns:p14="http://schemas.microsoft.com/office/powerpoint/2010/main" val="1149892541"/>
       </p:ext>
     </p:extLst>
   </p:cSld>
@@ -5467,7 +5301,7 @@
         </p:nvSpPr>
         <p:spPr>
           <a:xfrm>
-            <a:off x="0" y="2167981"/>
+            <a:off x="0" y="2167982"/>
             <a:ext cx="12192000" cy="1318225"/>
           </a:xfrm>
         </p:spPr>
@@ -5488,7 +5322,7 @@
                 <a:latin typeface="微軟正黑體" pitchFamily="34" charset="-120"/>
                 <a:ea typeface="微軟正黑體" pitchFamily="34" charset="-120"/>
               </a:rPr>
-              <a:t>去向人傳講，耶穌是王</a:t>
+              <a:t>獻上感恩心  因主賜奇妙恩</a:t>
             </a:r>
             <a:endParaRPr lang="en-US" altLang="zh-CN" sz="6400" b="1" dirty="0">
               <a:solidFill>
@@ -5510,7 +5344,7 @@
         </p:nvSpPr>
         <p:spPr>
           <a:xfrm>
-            <a:off x="0" y="3117530"/>
+            <a:off x="0" y="3117532"/>
             <a:ext cx="12192000" cy="1318225"/>
           </a:xfrm>
           <a:prstGeom prst="rect">
@@ -5671,7 +5505,7 @@
                 <a:ea typeface="微軟正黑體" pitchFamily="34" charset="-120"/>
                 <a:cs typeface="Calibri" panose="020F0502020204030204" pitchFamily="34" charset="0"/>
               </a:rPr>
-              <a:t>Hãy</a:t>
+              <a:t>Dâng</a:t>
             </a:r>
             <a:r>
               <a:rPr lang="en-US" sz="3600" b="1" dirty="0">
@@ -5693,7 +5527,7 @@
                 <a:ea typeface="微軟正黑體" pitchFamily="34" charset="-120"/>
                 <a:cs typeface="Calibri" panose="020F0502020204030204" pitchFamily="34" charset="0"/>
               </a:rPr>
-              <a:t>đi</a:t>
+              <a:t>lên</a:t>
             </a:r>
             <a:r>
               <a:rPr lang="en-US" sz="3600" b="1" dirty="0">
@@ -5715,7 +5549,7 @@
                 <a:ea typeface="微軟正黑體" pitchFamily="34" charset="-120"/>
                 <a:cs typeface="Calibri" panose="020F0502020204030204" pitchFamily="34" charset="0"/>
               </a:rPr>
-              <a:t>nói</a:t>
+              <a:t>lòng</a:t>
             </a:r>
             <a:r>
               <a:rPr lang="en-US" sz="3600" b="1" dirty="0">
@@ -5737,7 +5571,7 @@
                 <a:ea typeface="微軟正黑體" pitchFamily="34" charset="-120"/>
                 <a:cs typeface="Calibri" panose="020F0502020204030204" pitchFamily="34" charset="0"/>
               </a:rPr>
-              <a:t>cho</a:t>
+              <a:t>biết</a:t>
             </a:r>
             <a:r>
               <a:rPr lang="en-US" sz="3600" b="1" dirty="0">
@@ -5759,7 +5593,7 @@
                 <a:ea typeface="微軟正黑體" pitchFamily="34" charset="-120"/>
                 <a:cs typeface="Calibri" panose="020F0502020204030204" pitchFamily="34" charset="0"/>
               </a:rPr>
-              <a:t>người</a:t>
+              <a:t>ơn</a:t>
             </a:r>
             <a:r>
               <a:rPr lang="en-US" sz="3600" b="1" dirty="0">
@@ -5781,7 +5615,7 @@
                 <a:ea typeface="微軟正黑體" pitchFamily="34" charset="-120"/>
                 <a:cs typeface="Calibri" panose="020F0502020204030204" pitchFamily="34" charset="0"/>
               </a:rPr>
-              <a:t>khác</a:t>
+              <a:t>với</a:t>
             </a:r>
             <a:r>
               <a:rPr lang="en-US" sz="3600" b="1" dirty="0">
@@ -5803,7 +5637,7 @@
                 <a:ea typeface="微軟正黑體" pitchFamily="34" charset="-120"/>
                 <a:cs typeface="Calibri" panose="020F0502020204030204" pitchFamily="34" charset="0"/>
               </a:rPr>
-              <a:t>biết</a:t>
+              <a:t>Chúa</a:t>
             </a:r>
             <a:r>
               <a:rPr lang="en-US" sz="3600" b="1" dirty="0">
@@ -5825,7 +5659,7 @@
                 <a:ea typeface="微軟正黑體" pitchFamily="34" charset="-120"/>
                 <a:cs typeface="Calibri" panose="020F0502020204030204" pitchFamily="34" charset="0"/>
               </a:rPr>
-              <a:t>Chúa</a:t>
+              <a:t>bởi</a:t>
             </a:r>
             <a:r>
               <a:rPr lang="en-US" sz="3600" b="1" dirty="0">
@@ -5847,7 +5681,7 @@
                 <a:ea typeface="微軟正黑體" pitchFamily="34" charset="-120"/>
                 <a:cs typeface="Calibri" panose="020F0502020204030204" pitchFamily="34" charset="0"/>
               </a:rPr>
-              <a:t>Giê-su</a:t>
+              <a:t>Ngài</a:t>
             </a:r>
             <a:r>
               <a:rPr lang="en-US" sz="3600" b="1" dirty="0">
@@ -5858,18 +5692,18 @@
                 <a:ea typeface="微軟正黑體" pitchFamily="34" charset="-120"/>
                 <a:cs typeface="Calibri" panose="020F0502020204030204" pitchFamily="34" charset="0"/>
               </a:rPr>
-              <a:t> </a:t>
-            </a:r>
-            <a:r>
-              <a:rPr lang="en-US" sz="3600" b="1" dirty="0" err="1">
-                <a:solidFill>
-                  <a:srgbClr val="000066"/>
-                </a:solidFill>
-                <a:latin typeface="Calibri" panose="020F0502020204030204" pitchFamily="34" charset="0"/>
-                <a:ea typeface="微軟正黑體" pitchFamily="34" charset="-120"/>
-                <a:cs typeface="Calibri" panose="020F0502020204030204" pitchFamily="34" charset="0"/>
-              </a:rPr>
-              <a:t>là</a:t>
+              <a:t> ban </a:t>
+            </a:r>
+            <a:r>
+              <a:rPr lang="en-US" sz="3600" b="1" dirty="0" err="1">
+                <a:solidFill>
+                  <a:srgbClr val="000066"/>
+                </a:solidFill>
+                <a:latin typeface="Calibri" panose="020F0502020204030204" pitchFamily="34" charset="0"/>
+                <a:ea typeface="微軟正黑體" pitchFamily="34" charset="-120"/>
+                <a:cs typeface="Calibri" panose="020F0502020204030204" pitchFamily="34" charset="0"/>
+              </a:rPr>
+              <a:t>ơn</a:t>
             </a:r>
             <a:r>
               <a:rPr lang="en-US" sz="3600" b="1" dirty="0">
@@ -5891,7 +5725,29 @@
                 <a:ea typeface="微軟正黑體" pitchFamily="34" charset="-120"/>
                 <a:cs typeface="Calibri" panose="020F0502020204030204" pitchFamily="34" charset="0"/>
               </a:rPr>
-              <a:t>Vua</a:t>
+              <a:t>kỳ</a:t>
+            </a:r>
+            <a:r>
+              <a:rPr lang="en-US" sz="3600" b="1" dirty="0">
+                <a:solidFill>
+                  <a:srgbClr val="000066"/>
+                </a:solidFill>
+                <a:latin typeface="Calibri" panose="020F0502020204030204" pitchFamily="34" charset="0"/>
+                <a:ea typeface="微軟正黑體" pitchFamily="34" charset="-120"/>
+                <a:cs typeface="Calibri" panose="020F0502020204030204" pitchFamily="34" charset="0"/>
+              </a:rPr>
+              <a:t> </a:t>
+            </a:r>
+            <a:r>
+              <a:rPr lang="en-US" sz="3600" b="1" dirty="0" err="1">
+                <a:solidFill>
+                  <a:srgbClr val="000066"/>
+                </a:solidFill>
+                <a:latin typeface="Calibri" panose="020F0502020204030204" pitchFamily="34" charset="0"/>
+                <a:ea typeface="微軟正黑體" pitchFamily="34" charset="-120"/>
+                <a:cs typeface="Calibri" panose="020F0502020204030204" pitchFamily="34" charset="0"/>
+              </a:rPr>
+              <a:t>diệu</a:t>
             </a:r>
             <a:endParaRPr lang="en-US" sz="3600" b="1" dirty="0">
               <a:solidFill>
@@ -5907,7 +5763,7 @@
     </p:spTree>
     <p:extLst>
       <p:ext uri="{BB962C8B-B14F-4D97-AF65-F5344CB8AC3E}">
-        <p14:creationId xmlns:p14="http://schemas.microsoft.com/office/powerpoint/2010/main" val="235807382"/>
+        <p14:creationId xmlns:p14="http://schemas.microsoft.com/office/powerpoint/2010/main" val="2489629225"/>
       </p:ext>
     </p:extLst>
   </p:cSld>
@@ -5946,7 +5802,7 @@
         </p:nvSpPr>
         <p:spPr>
           <a:xfrm>
-            <a:off x="0" y="2167981"/>
+            <a:off x="0" y="2167982"/>
             <a:ext cx="12192000" cy="1318225"/>
           </a:xfrm>
         </p:spPr>
@@ -5967,7 +5823,7 @@
                 <a:latin typeface="微軟正黑體" pitchFamily="34" charset="-120"/>
                 <a:ea typeface="微軟正黑體" pitchFamily="34" charset="-120"/>
               </a:rPr>
-              <a:t>去向萬民宣揚，祂配得讚賞</a:t>
+              <a:t>來屈膝敬拜主  祂降生為救人</a:t>
             </a:r>
             <a:endParaRPr lang="en-US" altLang="zh-CN" sz="6400" b="1" dirty="0">
               <a:solidFill>
@@ -5989,7 +5845,7 @@
         </p:nvSpPr>
         <p:spPr>
           <a:xfrm>
-            <a:off x="0" y="3117530"/>
+            <a:off x="0" y="3117532"/>
             <a:ext cx="12192000" cy="1318225"/>
           </a:xfrm>
           <a:prstGeom prst="rect">
@@ -6172,7 +6028,7 @@
                 <a:ea typeface="微軟正黑體" pitchFamily="34" charset="-120"/>
                 <a:cs typeface="Calibri" panose="020F0502020204030204" pitchFamily="34" charset="0"/>
               </a:rPr>
-              <a:t>rao</a:t>
+              <a:t>đến</a:t>
             </a:r>
             <a:r>
               <a:rPr lang="en-US" sz="3200" b="1" dirty="0">
@@ -6194,7 +6050,7 @@
                 <a:ea typeface="微軟正黑體" pitchFamily="34" charset="-120"/>
                 <a:cs typeface="Calibri" panose="020F0502020204030204" pitchFamily="34" charset="0"/>
               </a:rPr>
-              <a:t>truyền</a:t>
+              <a:t>quỳ</a:t>
             </a:r>
             <a:r>
               <a:rPr lang="en-US" sz="3200" b="1" dirty="0">
@@ -6216,7 +6072,7 @@
                 <a:ea typeface="微軟正黑體" pitchFamily="34" charset="-120"/>
                 <a:cs typeface="Calibri" panose="020F0502020204030204" pitchFamily="34" charset="0"/>
               </a:rPr>
-              <a:t>cho</a:t>
+              <a:t>gối</a:t>
             </a:r>
             <a:r>
               <a:rPr lang="en-US" sz="3200" b="1" dirty="0">
@@ -6238,7 +6094,7 @@
                 <a:ea typeface="微軟正黑體" pitchFamily="34" charset="-120"/>
                 <a:cs typeface="Calibri" panose="020F0502020204030204" pitchFamily="34" charset="0"/>
               </a:rPr>
-              <a:t>muôn</a:t>
+              <a:t>và</a:t>
             </a:r>
             <a:r>
               <a:rPr lang="en-US" sz="3200" b="1" dirty="0">
@@ -6260,7 +6116,7 @@
                 <a:ea typeface="微軟正黑體" pitchFamily="34" charset="-120"/>
                 <a:cs typeface="Calibri" panose="020F0502020204030204" pitchFamily="34" charset="0"/>
               </a:rPr>
-              <a:t>dân</a:t>
+              <a:t>thờ</a:t>
             </a:r>
             <a:r>
               <a:rPr lang="en-US" sz="3200" b="1" dirty="0">
@@ -6282,6 +6138,50 @@
                 <a:ea typeface="微軟正黑體" pitchFamily="34" charset="-120"/>
                 <a:cs typeface="Calibri" panose="020F0502020204030204" pitchFamily="34" charset="0"/>
               </a:rPr>
+              <a:t>lạy</a:t>
+            </a:r>
+            <a:r>
+              <a:rPr lang="en-US" sz="3200" b="1" dirty="0">
+                <a:solidFill>
+                  <a:srgbClr val="000066"/>
+                </a:solidFill>
+                <a:latin typeface="Calibri" panose="020F0502020204030204" pitchFamily="34" charset="0"/>
+                <a:ea typeface="微軟正黑體" pitchFamily="34" charset="-120"/>
+                <a:cs typeface="Calibri" panose="020F0502020204030204" pitchFamily="34" charset="0"/>
+              </a:rPr>
+              <a:t> </a:t>
+            </a:r>
+            <a:r>
+              <a:rPr lang="en-US" sz="3200" b="1" dirty="0" err="1">
+                <a:solidFill>
+                  <a:srgbClr val="000066"/>
+                </a:solidFill>
+                <a:latin typeface="Calibri" panose="020F0502020204030204" pitchFamily="34" charset="0"/>
+                <a:ea typeface="微軟正黑體" pitchFamily="34" charset="-120"/>
+                <a:cs typeface="Calibri" panose="020F0502020204030204" pitchFamily="34" charset="0"/>
+              </a:rPr>
+              <a:t>Ngài</a:t>
+            </a:r>
+            <a:r>
+              <a:rPr lang="en-US" sz="3200" b="1" dirty="0">
+                <a:solidFill>
+                  <a:srgbClr val="000066"/>
+                </a:solidFill>
+                <a:latin typeface="Calibri" panose="020F0502020204030204" pitchFamily="34" charset="0"/>
+                <a:ea typeface="微軟正黑體" pitchFamily="34" charset="-120"/>
+                <a:cs typeface="Calibri" panose="020F0502020204030204" pitchFamily="34" charset="0"/>
+              </a:rPr>
+              <a:t> </a:t>
+            </a:r>
+            <a:r>
+              <a:rPr lang="en-US" sz="3200" b="1" dirty="0" err="1">
+                <a:solidFill>
+                  <a:srgbClr val="000066"/>
+                </a:solidFill>
+                <a:latin typeface="Calibri" panose="020F0502020204030204" pitchFamily="34" charset="0"/>
+                <a:ea typeface="微軟正黑體" pitchFamily="34" charset="-120"/>
+                <a:cs typeface="Calibri" panose="020F0502020204030204" pitchFamily="34" charset="0"/>
+              </a:rPr>
               <a:t>vì</a:t>
             </a:r>
             <a:r>
@@ -6326,7 +6226,7 @@
                 <a:ea typeface="微軟正黑體" pitchFamily="34" charset="-120"/>
                 <a:cs typeface="Calibri" panose="020F0502020204030204" pitchFamily="34" charset="0"/>
               </a:rPr>
-              <a:t>xứng</a:t>
+              <a:t>giáng</a:t>
             </a:r>
             <a:r>
               <a:rPr lang="en-US" sz="3200" b="1" dirty="0">
@@ -6348,7 +6248,7 @@
                 <a:ea typeface="微軟正黑體" pitchFamily="34" charset="-120"/>
                 <a:cs typeface="Calibri" panose="020F0502020204030204" pitchFamily="34" charset="0"/>
               </a:rPr>
-              <a:t>đáng</a:t>
+              <a:t>sinh</a:t>
             </a:r>
             <a:r>
               <a:rPr lang="en-US" sz="3200" b="1" dirty="0">
@@ -6370,7 +6270,7 @@
                 <a:ea typeface="微軟正黑體" pitchFamily="34" charset="-120"/>
                 <a:cs typeface="Calibri" panose="020F0502020204030204" pitchFamily="34" charset="0"/>
               </a:rPr>
-              <a:t>được</a:t>
+              <a:t>cứu</a:t>
             </a:r>
             <a:r>
               <a:rPr lang="en-US" sz="3200" b="1" dirty="0">
@@ -6392,7 +6292,7 @@
                 <a:ea typeface="微軟正黑體" pitchFamily="34" charset="-120"/>
                 <a:cs typeface="Calibri" panose="020F0502020204030204" pitchFamily="34" charset="0"/>
               </a:rPr>
-              <a:t>chúc</a:t>
+              <a:t>chuộc</a:t>
             </a:r>
             <a:r>
               <a:rPr lang="en-US" sz="3200" b="1" dirty="0">
@@ -6403,7 +6303,7 @@
                 <a:ea typeface="微軟正黑體" pitchFamily="34" charset="-120"/>
                 <a:cs typeface="Calibri" panose="020F0502020204030204" pitchFamily="34" charset="0"/>
               </a:rPr>
-              <a:t> </a:t>
+              <a:t> con </a:t>
             </a:r>
             <a:r>
               <a:rPr lang="en-US" sz="3200" b="1" dirty="0" err="1">
@@ -6414,7 +6314,7 @@
                 <a:ea typeface="微軟正黑體" pitchFamily="34" charset="-120"/>
                 <a:cs typeface="Calibri" panose="020F0502020204030204" pitchFamily="34" charset="0"/>
               </a:rPr>
-              <a:t>tụng</a:t>
+              <a:t>người</a:t>
             </a:r>
             <a:endParaRPr lang="en-US" sz="3200" b="1" dirty="0">
               <a:solidFill>
@@ -6430,7 +6330,7 @@
     </p:spTree>
     <p:extLst>
       <p:ext uri="{BB962C8B-B14F-4D97-AF65-F5344CB8AC3E}">
-        <p14:creationId xmlns:p14="http://schemas.microsoft.com/office/powerpoint/2010/main" val="2907886430"/>
+        <p14:creationId xmlns:p14="http://schemas.microsoft.com/office/powerpoint/2010/main" val="4213770310"/>
       </p:ext>
     </p:extLst>
   </p:cSld>
@@ -6469,7 +6369,7 @@
         </p:nvSpPr>
         <p:spPr>
           <a:xfrm>
-            <a:off x="0" y="2167981"/>
+            <a:off x="0" y="2167982"/>
             <a:ext cx="12192000" cy="1318225"/>
           </a:xfrm>
         </p:spPr>
@@ -6490,7 +6390,7 @@
                 <a:latin typeface="微軟正黑體" pitchFamily="34" charset="-120"/>
                 <a:ea typeface="微軟正黑體" pitchFamily="34" charset="-120"/>
               </a:rPr>
-              <a:t>去領人歸主，為主做世上光</a:t>
+              <a:t>去向人傳講  耶穌是王</a:t>
             </a:r>
             <a:endParaRPr lang="en-US" altLang="zh-CN" sz="6400" b="1" dirty="0">
               <a:solidFill>
@@ -6512,7 +6412,7 @@
         </p:nvSpPr>
         <p:spPr>
           <a:xfrm>
-            <a:off x="0" y="3117530"/>
+            <a:off x="0" y="3117532"/>
             <a:ext cx="12192000" cy="1318225"/>
           </a:xfrm>
           <a:prstGeom prst="rect">
@@ -6665,7 +6565,7 @@
               <a:buNone/>
             </a:pPr>
             <a:r>
-              <a:rPr lang="en-US" sz="3200" b="1" dirty="0" err="1">
+              <a:rPr lang="en-US" sz="3600" b="1" dirty="0" err="1">
                 <a:solidFill>
                   <a:srgbClr val="000066"/>
                 </a:solidFill>
@@ -6676,40 +6576,84 @@
               <a:t>Hãy</a:t>
             </a:r>
             <a:r>
-              <a:rPr lang="en-US" sz="3200" b="1" dirty="0">
-                <a:solidFill>
-                  <a:srgbClr val="000066"/>
-                </a:solidFill>
-                <a:latin typeface="Calibri" panose="020F0502020204030204" pitchFamily="34" charset="0"/>
-                <a:ea typeface="微軟正黑體" pitchFamily="34" charset="-120"/>
-                <a:cs typeface="Calibri" panose="020F0502020204030204" pitchFamily="34" charset="0"/>
-              </a:rPr>
-              <a:t> </a:t>
-            </a:r>
-            <a:r>
-              <a:rPr lang="en-US" sz="3200" b="1" dirty="0" err="1">
-                <a:solidFill>
-                  <a:srgbClr val="000066"/>
-                </a:solidFill>
-                <a:latin typeface="Calibri" panose="020F0502020204030204" pitchFamily="34" charset="0"/>
-                <a:ea typeface="微軟正黑體" pitchFamily="34" charset="-120"/>
-                <a:cs typeface="Calibri" panose="020F0502020204030204" pitchFamily="34" charset="0"/>
-              </a:rPr>
-              <a:t>đưa</a:t>
-            </a:r>
-            <a:r>
-              <a:rPr lang="en-US" sz="3200" b="1" dirty="0">
-                <a:solidFill>
-                  <a:srgbClr val="000066"/>
-                </a:solidFill>
-                <a:latin typeface="Calibri" panose="020F0502020204030204" pitchFamily="34" charset="0"/>
-                <a:ea typeface="微軟正黑體" pitchFamily="34" charset="-120"/>
-                <a:cs typeface="Calibri" panose="020F0502020204030204" pitchFamily="34" charset="0"/>
-              </a:rPr>
-              <a:t> </a:t>
-            </a:r>
-            <a:r>
-              <a:rPr lang="en-US" sz="3200" b="1" dirty="0" err="1">
+              <a:rPr lang="en-US" sz="3600" b="1" dirty="0">
+                <a:solidFill>
+                  <a:srgbClr val="000066"/>
+                </a:solidFill>
+                <a:latin typeface="Calibri" panose="020F0502020204030204" pitchFamily="34" charset="0"/>
+                <a:ea typeface="微軟正黑體" pitchFamily="34" charset="-120"/>
+                <a:cs typeface="Calibri" panose="020F0502020204030204" pitchFamily="34" charset="0"/>
+              </a:rPr>
+              <a:t> </a:t>
+            </a:r>
+            <a:r>
+              <a:rPr lang="en-US" sz="3600" b="1" dirty="0" err="1">
+                <a:solidFill>
+                  <a:srgbClr val="000066"/>
+                </a:solidFill>
+                <a:latin typeface="Calibri" panose="020F0502020204030204" pitchFamily="34" charset="0"/>
+                <a:ea typeface="微軟正黑體" pitchFamily="34" charset="-120"/>
+                <a:cs typeface="Calibri" panose="020F0502020204030204" pitchFamily="34" charset="0"/>
+              </a:rPr>
+              <a:t>đi</a:t>
+            </a:r>
+            <a:r>
+              <a:rPr lang="en-US" sz="3600" b="1" dirty="0">
+                <a:solidFill>
+                  <a:srgbClr val="000066"/>
+                </a:solidFill>
+                <a:latin typeface="Calibri" panose="020F0502020204030204" pitchFamily="34" charset="0"/>
+                <a:ea typeface="微軟正黑體" pitchFamily="34" charset="-120"/>
+                <a:cs typeface="Calibri" panose="020F0502020204030204" pitchFamily="34" charset="0"/>
+              </a:rPr>
+              <a:t> </a:t>
+            </a:r>
+            <a:r>
+              <a:rPr lang="en-US" sz="3600" b="1" dirty="0" err="1">
+                <a:solidFill>
+                  <a:srgbClr val="000066"/>
+                </a:solidFill>
+                <a:latin typeface="Calibri" panose="020F0502020204030204" pitchFamily="34" charset="0"/>
+                <a:ea typeface="微軟正黑體" pitchFamily="34" charset="-120"/>
+                <a:cs typeface="Calibri" panose="020F0502020204030204" pitchFamily="34" charset="0"/>
+              </a:rPr>
+              <a:t>nói</a:t>
+            </a:r>
+            <a:r>
+              <a:rPr lang="en-US" sz="3600" b="1" dirty="0">
+                <a:solidFill>
+                  <a:srgbClr val="000066"/>
+                </a:solidFill>
+                <a:latin typeface="Calibri" panose="020F0502020204030204" pitchFamily="34" charset="0"/>
+                <a:ea typeface="微軟正黑體" pitchFamily="34" charset="-120"/>
+                <a:cs typeface="Calibri" panose="020F0502020204030204" pitchFamily="34" charset="0"/>
+              </a:rPr>
+              <a:t> </a:t>
+            </a:r>
+            <a:r>
+              <a:rPr lang="en-US" sz="3600" b="1" dirty="0" err="1">
+                <a:solidFill>
+                  <a:srgbClr val="000066"/>
+                </a:solidFill>
+                <a:latin typeface="Calibri" panose="020F0502020204030204" pitchFamily="34" charset="0"/>
+                <a:ea typeface="微軟正黑體" pitchFamily="34" charset="-120"/>
+                <a:cs typeface="Calibri" panose="020F0502020204030204" pitchFamily="34" charset="0"/>
+              </a:rPr>
+              <a:t>cho</a:t>
+            </a:r>
+            <a:r>
+              <a:rPr lang="en-US" sz="3600" b="1" dirty="0">
+                <a:solidFill>
+                  <a:srgbClr val="000066"/>
+                </a:solidFill>
+                <a:latin typeface="Calibri" panose="020F0502020204030204" pitchFamily="34" charset="0"/>
+                <a:ea typeface="微軟正黑體" pitchFamily="34" charset="-120"/>
+                <a:cs typeface="Calibri" panose="020F0502020204030204" pitchFamily="34" charset="0"/>
+              </a:rPr>
+              <a:t> </a:t>
+            </a:r>
+            <a:r>
+              <a:rPr lang="en-US" sz="3600" b="1" dirty="0" err="1">
                 <a:solidFill>
                   <a:srgbClr val="000066"/>
                 </a:solidFill>
@@ -6720,62 +6664,62 @@
               <a:t>người</a:t>
             </a:r>
             <a:r>
-              <a:rPr lang="en-US" sz="3200" b="1" dirty="0">
-                <a:solidFill>
-                  <a:srgbClr val="000066"/>
-                </a:solidFill>
-                <a:latin typeface="Calibri" panose="020F0502020204030204" pitchFamily="34" charset="0"/>
-                <a:ea typeface="微軟正黑體" pitchFamily="34" charset="-120"/>
-                <a:cs typeface="Calibri" panose="020F0502020204030204" pitchFamily="34" charset="0"/>
-              </a:rPr>
-              <a:t> </a:t>
-            </a:r>
-            <a:r>
-              <a:rPr lang="en-US" sz="3200" b="1" dirty="0" err="1">
-                <a:solidFill>
-                  <a:srgbClr val="000066"/>
-                </a:solidFill>
-                <a:latin typeface="Calibri" panose="020F0502020204030204" pitchFamily="34" charset="0"/>
-                <a:ea typeface="微軟正黑體" pitchFamily="34" charset="-120"/>
-                <a:cs typeface="Calibri" panose="020F0502020204030204" pitchFamily="34" charset="0"/>
-              </a:rPr>
-              <a:t>đến</a:t>
-            </a:r>
-            <a:r>
-              <a:rPr lang="en-US" sz="3200" b="1" dirty="0">
-                <a:solidFill>
-                  <a:srgbClr val="000066"/>
-                </a:solidFill>
-                <a:latin typeface="Calibri" panose="020F0502020204030204" pitchFamily="34" charset="0"/>
-                <a:ea typeface="微軟正黑體" pitchFamily="34" charset="-120"/>
-                <a:cs typeface="Calibri" panose="020F0502020204030204" pitchFamily="34" charset="0"/>
-              </a:rPr>
-              <a:t> </a:t>
-            </a:r>
-            <a:r>
-              <a:rPr lang="en-US" sz="3200" b="1" dirty="0" err="1">
-                <a:solidFill>
-                  <a:srgbClr val="000066"/>
-                </a:solidFill>
-                <a:latin typeface="Calibri" panose="020F0502020204030204" pitchFamily="34" charset="0"/>
-                <a:ea typeface="微軟正黑體" pitchFamily="34" charset="-120"/>
-                <a:cs typeface="Calibri" panose="020F0502020204030204" pitchFamily="34" charset="0"/>
-              </a:rPr>
-              <a:t>với</a:t>
-            </a:r>
-            <a:r>
-              <a:rPr lang="en-US" sz="3200" b="1" dirty="0">
-                <a:solidFill>
-                  <a:srgbClr val="000066"/>
-                </a:solidFill>
-                <a:latin typeface="Calibri" panose="020F0502020204030204" pitchFamily="34" charset="0"/>
-                <a:ea typeface="微軟正黑體" pitchFamily="34" charset="-120"/>
-                <a:cs typeface="Calibri" panose="020F0502020204030204" pitchFamily="34" charset="0"/>
-              </a:rPr>
-              <a:t> </a:t>
-            </a:r>
-            <a:r>
-              <a:rPr lang="en-US" sz="3200" b="1" dirty="0" err="1">
+              <a:rPr lang="en-US" sz="3600" b="1" dirty="0">
+                <a:solidFill>
+                  <a:srgbClr val="000066"/>
+                </a:solidFill>
+                <a:latin typeface="Calibri" panose="020F0502020204030204" pitchFamily="34" charset="0"/>
+                <a:ea typeface="微軟正黑體" pitchFamily="34" charset="-120"/>
+                <a:cs typeface="Calibri" panose="020F0502020204030204" pitchFamily="34" charset="0"/>
+              </a:rPr>
+              <a:t> </a:t>
+            </a:r>
+            <a:r>
+              <a:rPr lang="en-US" sz="3600" b="1" dirty="0" err="1">
+                <a:solidFill>
+                  <a:srgbClr val="000066"/>
+                </a:solidFill>
+                <a:latin typeface="Calibri" panose="020F0502020204030204" pitchFamily="34" charset="0"/>
+                <a:ea typeface="微軟正黑體" pitchFamily="34" charset="-120"/>
+                <a:cs typeface="Calibri" panose="020F0502020204030204" pitchFamily="34" charset="0"/>
+              </a:rPr>
+              <a:t>khác</a:t>
+            </a:r>
+            <a:r>
+              <a:rPr lang="en-US" sz="3600" b="1" dirty="0">
+                <a:solidFill>
+                  <a:srgbClr val="000066"/>
+                </a:solidFill>
+                <a:latin typeface="Calibri" panose="020F0502020204030204" pitchFamily="34" charset="0"/>
+                <a:ea typeface="微軟正黑體" pitchFamily="34" charset="-120"/>
+                <a:cs typeface="Calibri" panose="020F0502020204030204" pitchFamily="34" charset="0"/>
+              </a:rPr>
+              <a:t> </a:t>
+            </a:r>
+            <a:r>
+              <a:rPr lang="en-US" sz="3600" b="1" dirty="0" err="1">
+                <a:solidFill>
+                  <a:srgbClr val="000066"/>
+                </a:solidFill>
+                <a:latin typeface="Calibri" panose="020F0502020204030204" pitchFamily="34" charset="0"/>
+                <a:ea typeface="微軟正黑體" pitchFamily="34" charset="-120"/>
+                <a:cs typeface="Calibri" panose="020F0502020204030204" pitchFamily="34" charset="0"/>
+              </a:rPr>
+              <a:t>biết</a:t>
+            </a:r>
+            <a:r>
+              <a:rPr lang="en-US" sz="3600" b="1" dirty="0">
+                <a:solidFill>
+                  <a:srgbClr val="000066"/>
+                </a:solidFill>
+                <a:latin typeface="Calibri" panose="020F0502020204030204" pitchFamily="34" charset="0"/>
+                <a:ea typeface="微軟正黑體" pitchFamily="34" charset="-120"/>
+                <a:cs typeface="Calibri" panose="020F0502020204030204" pitchFamily="34" charset="0"/>
+              </a:rPr>
+              <a:t> </a:t>
+            </a:r>
+            <a:r>
+              <a:rPr lang="en-US" sz="3600" b="1" dirty="0" err="1">
                 <a:solidFill>
                   <a:srgbClr val="000066"/>
                 </a:solidFill>
@@ -6786,182 +6730,72 @@
               <a:t>Chúa</a:t>
             </a:r>
             <a:r>
-              <a:rPr lang="en-US" sz="3200" b="1" dirty="0">
-                <a:solidFill>
-                  <a:srgbClr val="000066"/>
-                </a:solidFill>
-                <a:latin typeface="Calibri" panose="020F0502020204030204" pitchFamily="34" charset="0"/>
-                <a:ea typeface="微軟正黑體" pitchFamily="34" charset="-120"/>
-                <a:cs typeface="Calibri" panose="020F0502020204030204" pitchFamily="34" charset="0"/>
-              </a:rPr>
-              <a:t>, </a:t>
-            </a:r>
-            <a:r>
-              <a:rPr lang="en-US" sz="3200" b="1" dirty="0" err="1">
-                <a:solidFill>
-                  <a:srgbClr val="000066"/>
-                </a:solidFill>
-                <a:latin typeface="Calibri" panose="020F0502020204030204" pitchFamily="34" charset="0"/>
-                <a:ea typeface="微軟正黑體" pitchFamily="34" charset="-120"/>
-                <a:cs typeface="Calibri" panose="020F0502020204030204" pitchFamily="34" charset="0"/>
-              </a:rPr>
-              <a:t>hãy</a:t>
-            </a:r>
-            <a:r>
-              <a:rPr lang="en-US" sz="3200" b="1" dirty="0">
-                <a:solidFill>
-                  <a:srgbClr val="000066"/>
-                </a:solidFill>
-                <a:latin typeface="Calibri" panose="020F0502020204030204" pitchFamily="34" charset="0"/>
-                <a:ea typeface="微軟正黑體" pitchFamily="34" charset="-120"/>
-                <a:cs typeface="Calibri" panose="020F0502020204030204" pitchFamily="34" charset="0"/>
-              </a:rPr>
-              <a:t> </a:t>
-            </a:r>
-            <a:r>
-              <a:rPr lang="en-US" sz="3200" b="1" dirty="0" err="1">
-                <a:solidFill>
-                  <a:srgbClr val="000066"/>
-                </a:solidFill>
-                <a:latin typeface="Calibri" panose="020F0502020204030204" pitchFamily="34" charset="0"/>
-                <a:ea typeface="微軟正黑體" pitchFamily="34" charset="-120"/>
-                <a:cs typeface="Calibri" panose="020F0502020204030204" pitchFamily="34" charset="0"/>
-              </a:rPr>
-              <a:t>trở</a:t>
-            </a:r>
-            <a:r>
-              <a:rPr lang="en-US" sz="3200" b="1" dirty="0">
-                <a:solidFill>
-                  <a:srgbClr val="000066"/>
-                </a:solidFill>
-                <a:latin typeface="Calibri" panose="020F0502020204030204" pitchFamily="34" charset="0"/>
-                <a:ea typeface="微軟正黑體" pitchFamily="34" charset="-120"/>
-                <a:cs typeface="Calibri" panose="020F0502020204030204" pitchFamily="34" charset="0"/>
-              </a:rPr>
-              <a:t> </a:t>
-            </a:r>
-            <a:r>
-              <a:rPr lang="en-US" sz="3200" b="1" dirty="0" err="1">
-                <a:solidFill>
-                  <a:srgbClr val="000066"/>
-                </a:solidFill>
-                <a:latin typeface="Calibri" panose="020F0502020204030204" pitchFamily="34" charset="0"/>
-                <a:ea typeface="微軟正黑體" pitchFamily="34" charset="-120"/>
-                <a:cs typeface="Calibri" panose="020F0502020204030204" pitchFamily="34" charset="0"/>
-              </a:rPr>
-              <a:t>nên</a:t>
-            </a:r>
-            <a:r>
-              <a:rPr lang="en-US" sz="3200" b="1" dirty="0">
-                <a:solidFill>
-                  <a:srgbClr val="000066"/>
-                </a:solidFill>
-                <a:latin typeface="Calibri" panose="020F0502020204030204" pitchFamily="34" charset="0"/>
-                <a:ea typeface="微軟正黑體" pitchFamily="34" charset="-120"/>
-                <a:cs typeface="Calibri" panose="020F0502020204030204" pitchFamily="34" charset="0"/>
-              </a:rPr>
-              <a:t> </a:t>
-            </a:r>
-            <a:r>
-              <a:rPr lang="en-US" sz="3200" b="1" dirty="0" err="1">
-                <a:solidFill>
-                  <a:srgbClr val="000066"/>
-                </a:solidFill>
-                <a:latin typeface="Calibri" panose="020F0502020204030204" pitchFamily="34" charset="0"/>
-                <a:ea typeface="微軟正黑體" pitchFamily="34" charset="-120"/>
-                <a:cs typeface="Calibri" panose="020F0502020204030204" pitchFamily="34" charset="0"/>
-              </a:rPr>
-              <a:t>ánh</a:t>
-            </a:r>
-            <a:r>
-              <a:rPr lang="en-US" sz="3200" b="1" dirty="0">
-                <a:solidFill>
-                  <a:srgbClr val="000066"/>
-                </a:solidFill>
-                <a:latin typeface="Calibri" panose="020F0502020204030204" pitchFamily="34" charset="0"/>
-                <a:ea typeface="微軟正黑體" pitchFamily="34" charset="-120"/>
-                <a:cs typeface="Calibri" panose="020F0502020204030204" pitchFamily="34" charset="0"/>
-              </a:rPr>
-              <a:t> </a:t>
-            </a:r>
-            <a:r>
-              <a:rPr lang="en-US" sz="3200" b="1" dirty="0" err="1">
-                <a:solidFill>
-                  <a:srgbClr val="000066"/>
-                </a:solidFill>
-                <a:latin typeface="Calibri" panose="020F0502020204030204" pitchFamily="34" charset="0"/>
-                <a:ea typeface="微軟正黑體" pitchFamily="34" charset="-120"/>
-                <a:cs typeface="Calibri" panose="020F0502020204030204" pitchFamily="34" charset="0"/>
-              </a:rPr>
-              <a:t>sáng</a:t>
-            </a:r>
-            <a:r>
-              <a:rPr lang="en-US" sz="3200" b="1" dirty="0">
-                <a:solidFill>
-                  <a:srgbClr val="000066"/>
-                </a:solidFill>
-                <a:latin typeface="Calibri" panose="020F0502020204030204" pitchFamily="34" charset="0"/>
-                <a:ea typeface="微軟正黑體" pitchFamily="34" charset="-120"/>
-                <a:cs typeface="Calibri" panose="020F0502020204030204" pitchFamily="34" charset="0"/>
-              </a:rPr>
-              <a:t> </a:t>
-            </a:r>
-            <a:r>
-              <a:rPr lang="en-US" sz="3200" b="1" dirty="0" err="1">
-                <a:solidFill>
-                  <a:srgbClr val="000066"/>
-                </a:solidFill>
-                <a:latin typeface="Calibri" panose="020F0502020204030204" pitchFamily="34" charset="0"/>
-                <a:ea typeface="微軟正黑體" pitchFamily="34" charset="-120"/>
-                <a:cs typeface="Calibri" panose="020F0502020204030204" pitchFamily="34" charset="0"/>
-              </a:rPr>
-              <a:t>của</a:t>
-            </a:r>
-            <a:r>
-              <a:rPr lang="en-US" sz="3200" b="1" dirty="0">
-                <a:solidFill>
-                  <a:srgbClr val="000066"/>
-                </a:solidFill>
-                <a:latin typeface="Calibri" panose="020F0502020204030204" pitchFamily="34" charset="0"/>
-                <a:ea typeface="微軟正黑體" pitchFamily="34" charset="-120"/>
-                <a:cs typeface="Calibri" panose="020F0502020204030204" pitchFamily="34" charset="0"/>
-              </a:rPr>
-              <a:t> </a:t>
-            </a:r>
-            <a:r>
-              <a:rPr lang="en-US" sz="3200" b="1" dirty="0" err="1">
-                <a:solidFill>
-                  <a:srgbClr val="000066"/>
-                </a:solidFill>
-                <a:latin typeface="Calibri" panose="020F0502020204030204" pitchFamily="34" charset="0"/>
-                <a:ea typeface="微軟正黑體" pitchFamily="34" charset="-120"/>
-                <a:cs typeface="Calibri" panose="020F0502020204030204" pitchFamily="34" charset="0"/>
-              </a:rPr>
-              <a:t>thế</a:t>
-            </a:r>
-            <a:r>
-              <a:rPr lang="en-US" sz="3200" b="1" dirty="0">
-                <a:solidFill>
-                  <a:srgbClr val="000066"/>
-                </a:solidFill>
-                <a:latin typeface="Calibri" panose="020F0502020204030204" pitchFamily="34" charset="0"/>
-                <a:ea typeface="微軟正黑體" pitchFamily="34" charset="-120"/>
-                <a:cs typeface="Calibri" panose="020F0502020204030204" pitchFamily="34" charset="0"/>
-              </a:rPr>
-              <a:t> </a:t>
-            </a:r>
-            <a:r>
-              <a:rPr lang="en-US" sz="3200" b="1" dirty="0" err="1">
-                <a:solidFill>
-                  <a:srgbClr val="000066"/>
-                </a:solidFill>
-                <a:latin typeface="Calibri" panose="020F0502020204030204" pitchFamily="34" charset="0"/>
-                <a:ea typeface="微軟正黑體" pitchFamily="34" charset="-120"/>
-                <a:cs typeface="Calibri" panose="020F0502020204030204" pitchFamily="34" charset="0"/>
-              </a:rPr>
-              <a:t>gian</a:t>
-            </a:r>
-            <a:endParaRPr lang="en-US" sz="3200" b="1" dirty="0">
+              <a:rPr lang="en-US" sz="3600" b="1" dirty="0">
+                <a:solidFill>
+                  <a:srgbClr val="000066"/>
+                </a:solidFill>
+                <a:latin typeface="Calibri" panose="020F0502020204030204" pitchFamily="34" charset="0"/>
+                <a:ea typeface="微軟正黑體" pitchFamily="34" charset="-120"/>
+                <a:cs typeface="Calibri" panose="020F0502020204030204" pitchFamily="34" charset="0"/>
+              </a:rPr>
+              <a:t> </a:t>
+            </a:r>
+            <a:r>
+              <a:rPr lang="en-US" sz="3600" b="1" dirty="0" err="1">
+                <a:solidFill>
+                  <a:srgbClr val="000066"/>
+                </a:solidFill>
+                <a:latin typeface="Calibri" panose="020F0502020204030204" pitchFamily="34" charset="0"/>
+                <a:ea typeface="微軟正黑體" pitchFamily="34" charset="-120"/>
+                <a:cs typeface="Calibri" panose="020F0502020204030204" pitchFamily="34" charset="0"/>
+              </a:rPr>
+              <a:t>Giê-su</a:t>
+            </a:r>
+            <a:r>
+              <a:rPr lang="en-US" sz="3600" b="1" dirty="0">
+                <a:solidFill>
+                  <a:srgbClr val="000066"/>
+                </a:solidFill>
+                <a:latin typeface="Calibri" panose="020F0502020204030204" pitchFamily="34" charset="0"/>
+                <a:ea typeface="微軟正黑體" pitchFamily="34" charset="-120"/>
+                <a:cs typeface="Calibri" panose="020F0502020204030204" pitchFamily="34" charset="0"/>
+              </a:rPr>
+              <a:t> </a:t>
+            </a:r>
+            <a:r>
+              <a:rPr lang="en-US" sz="3600" b="1" dirty="0" err="1">
+                <a:solidFill>
+                  <a:srgbClr val="000066"/>
+                </a:solidFill>
+                <a:latin typeface="Calibri" panose="020F0502020204030204" pitchFamily="34" charset="0"/>
+                <a:ea typeface="微軟正黑體" pitchFamily="34" charset="-120"/>
+                <a:cs typeface="Calibri" panose="020F0502020204030204" pitchFamily="34" charset="0"/>
+              </a:rPr>
+              <a:t>là</a:t>
+            </a:r>
+            <a:r>
+              <a:rPr lang="en-US" sz="3600" b="1" dirty="0">
+                <a:solidFill>
+                  <a:srgbClr val="000066"/>
+                </a:solidFill>
+                <a:latin typeface="Calibri" panose="020F0502020204030204" pitchFamily="34" charset="0"/>
+                <a:ea typeface="微軟正黑體" pitchFamily="34" charset="-120"/>
+                <a:cs typeface="Calibri" panose="020F0502020204030204" pitchFamily="34" charset="0"/>
+              </a:rPr>
+              <a:t> </a:t>
+            </a:r>
+            <a:r>
+              <a:rPr lang="en-US" sz="3600" b="1" dirty="0" err="1">
+                <a:solidFill>
+                  <a:srgbClr val="000066"/>
+                </a:solidFill>
+                <a:latin typeface="Calibri" panose="020F0502020204030204" pitchFamily="34" charset="0"/>
+                <a:ea typeface="微軟正黑體" pitchFamily="34" charset="-120"/>
+                <a:cs typeface="Calibri" panose="020F0502020204030204" pitchFamily="34" charset="0"/>
+              </a:rPr>
+              <a:t>Vua</a:t>
+            </a:r>
+            <a:endParaRPr lang="en-US" sz="3600" b="1" dirty="0">
               <a:solidFill>
                 <a:srgbClr val="000066"/>
               </a:solidFill>
@@ -6975,7 +6809,7 @@
     </p:spTree>
     <p:extLst>
       <p:ext uri="{BB962C8B-B14F-4D97-AF65-F5344CB8AC3E}">
-        <p14:creationId xmlns:p14="http://schemas.microsoft.com/office/powerpoint/2010/main" val="2880228905"/>
+        <p14:creationId xmlns:p14="http://schemas.microsoft.com/office/powerpoint/2010/main" val="235807382"/>
       </p:ext>
     </p:extLst>
   </p:cSld>
@@ -7014,7 +6848,7 @@
         </p:nvSpPr>
         <p:spPr>
           <a:xfrm>
-            <a:off x="0" y="2167981"/>
+            <a:off x="0" y="2167982"/>
             <a:ext cx="12192000" cy="1318225"/>
           </a:xfrm>
         </p:spPr>
@@ -7035,7 +6869,7 @@
                 <a:latin typeface="微軟正黑體" pitchFamily="34" charset="-120"/>
                 <a:ea typeface="微軟正黑體" pitchFamily="34" charset="-120"/>
               </a:rPr>
-              <a:t>快去傳揚主，主愛與人分享</a:t>
+              <a:t>去向萬民宣揚  祂配得讚賞</a:t>
             </a:r>
             <a:endParaRPr lang="en-US" altLang="zh-CN" sz="6400" b="1" dirty="0">
               <a:solidFill>
@@ -7057,7 +6891,7 @@
         </p:nvSpPr>
         <p:spPr>
           <a:xfrm>
-            <a:off x="0" y="3117530"/>
+            <a:off x="0" y="3117532"/>
             <a:ext cx="12192000" cy="1318225"/>
           </a:xfrm>
           <a:prstGeom prst="rect">
@@ -7210,18 +7044,29 @@
               <a:buNone/>
             </a:pPr>
             <a:r>
-              <a:rPr lang="en-US" sz="3600" b="1" dirty="0">
-                <a:solidFill>
-                  <a:srgbClr val="000066"/>
-                </a:solidFill>
-                <a:latin typeface="Calibri" panose="020F0502020204030204" pitchFamily="34" charset="0"/>
-                <a:ea typeface="微軟正黑體" pitchFamily="34" charset="-120"/>
-                <a:cs typeface="Calibri" panose="020F0502020204030204" pitchFamily="34" charset="0"/>
-              </a:rPr>
-              <a:t>Mau </a:t>
-            </a:r>
-            <a:r>
-              <a:rPr lang="en-US" sz="3600" b="1" dirty="0" err="1">
+              <a:rPr lang="en-US" sz="3200" b="1" dirty="0" err="1">
+                <a:solidFill>
+                  <a:srgbClr val="000066"/>
+                </a:solidFill>
+                <a:latin typeface="Calibri" panose="020F0502020204030204" pitchFamily="34" charset="0"/>
+                <a:ea typeface="微軟正黑體" pitchFamily="34" charset="-120"/>
+                <a:cs typeface="Calibri" panose="020F0502020204030204" pitchFamily="34" charset="0"/>
+              </a:rPr>
+              <a:t>Hãy</a:t>
+            </a:r>
+            <a:r>
+              <a:rPr lang="en-US" sz="3200" b="1" dirty="0">
+                <a:solidFill>
+                  <a:srgbClr val="000066"/>
+                </a:solidFill>
+                <a:latin typeface="Calibri" panose="020F0502020204030204" pitchFamily="34" charset="0"/>
+                <a:ea typeface="微軟正黑體" pitchFamily="34" charset="-120"/>
+                <a:cs typeface="Calibri" panose="020F0502020204030204" pitchFamily="34" charset="0"/>
+              </a:rPr>
+              <a:t> </a:t>
+            </a:r>
+            <a:r>
+              <a:rPr lang="en-US" sz="3200" b="1" dirty="0" err="1">
                 <a:solidFill>
                   <a:srgbClr val="000066"/>
                 </a:solidFill>
@@ -7232,18 +7077,18 @@
               <a:t>rao</a:t>
             </a:r>
             <a:r>
-              <a:rPr lang="en-US" sz="3600" b="1" dirty="0">
-                <a:solidFill>
-                  <a:srgbClr val="000066"/>
-                </a:solidFill>
-                <a:latin typeface="Calibri" panose="020F0502020204030204" pitchFamily="34" charset="0"/>
-                <a:ea typeface="微軟正黑體" pitchFamily="34" charset="-120"/>
-                <a:cs typeface="Calibri" panose="020F0502020204030204" pitchFamily="34" charset="0"/>
-              </a:rPr>
-              <a:t> </a:t>
-            </a:r>
-            <a:r>
-              <a:rPr lang="en-US" sz="3600" b="1" dirty="0" err="1">
+              <a:rPr lang="en-US" sz="3200" b="1" dirty="0">
+                <a:solidFill>
+                  <a:srgbClr val="000066"/>
+                </a:solidFill>
+                <a:latin typeface="Calibri" panose="020F0502020204030204" pitchFamily="34" charset="0"/>
+                <a:ea typeface="微軟正黑體" pitchFamily="34" charset="-120"/>
+                <a:cs typeface="Calibri" panose="020F0502020204030204" pitchFamily="34" charset="0"/>
+              </a:rPr>
+              <a:t> </a:t>
+            </a:r>
+            <a:r>
+              <a:rPr lang="en-US" sz="3200" b="1" dirty="0" err="1">
                 <a:solidFill>
                   <a:srgbClr val="000066"/>
                 </a:solidFill>
@@ -7254,150 +7099,106 @@
               <a:t>truyền</a:t>
             </a:r>
             <a:r>
-              <a:rPr lang="en-US" sz="3600" b="1" dirty="0">
-                <a:solidFill>
-                  <a:srgbClr val="000066"/>
-                </a:solidFill>
-                <a:latin typeface="Calibri" panose="020F0502020204030204" pitchFamily="34" charset="0"/>
-                <a:ea typeface="微軟正黑體" pitchFamily="34" charset="-120"/>
-                <a:cs typeface="Calibri" panose="020F0502020204030204" pitchFamily="34" charset="0"/>
-              </a:rPr>
-              <a:t> </a:t>
-            </a:r>
-            <a:r>
-              <a:rPr lang="en-US" sz="3600" b="1" dirty="0" err="1">
-                <a:solidFill>
-                  <a:srgbClr val="000066"/>
-                </a:solidFill>
-                <a:latin typeface="Calibri" panose="020F0502020204030204" pitchFamily="34" charset="0"/>
-                <a:ea typeface="微軟正黑體" pitchFamily="34" charset="-120"/>
-                <a:cs typeface="Calibri" panose="020F0502020204030204" pitchFamily="34" charset="0"/>
-              </a:rPr>
-              <a:t>danh</a:t>
-            </a:r>
-            <a:r>
-              <a:rPr lang="en-US" sz="3600" b="1" dirty="0">
-                <a:solidFill>
-                  <a:srgbClr val="000066"/>
-                </a:solidFill>
-                <a:latin typeface="Calibri" panose="020F0502020204030204" pitchFamily="34" charset="0"/>
-                <a:ea typeface="微軟正黑體" pitchFamily="34" charset="-120"/>
-                <a:cs typeface="Calibri" panose="020F0502020204030204" pitchFamily="34" charset="0"/>
-              </a:rPr>
-              <a:t> </a:t>
-            </a:r>
-            <a:r>
-              <a:rPr lang="en-US" sz="3600" b="1" dirty="0" err="1">
-                <a:solidFill>
-                  <a:srgbClr val="000066"/>
-                </a:solidFill>
-                <a:latin typeface="Calibri" panose="020F0502020204030204" pitchFamily="34" charset="0"/>
-                <a:ea typeface="微軟正黑體" pitchFamily="34" charset="-120"/>
-                <a:cs typeface="Calibri" panose="020F0502020204030204" pitchFamily="34" charset="0"/>
-              </a:rPr>
-              <a:t>Chúa</a:t>
-            </a:r>
-            <a:r>
-              <a:rPr lang="en-US" sz="3600" b="1" dirty="0">
-                <a:solidFill>
-                  <a:srgbClr val="000066"/>
-                </a:solidFill>
-                <a:latin typeface="Calibri" panose="020F0502020204030204" pitchFamily="34" charset="0"/>
-                <a:ea typeface="微軟正黑體" pitchFamily="34" charset="-120"/>
-                <a:cs typeface="Calibri" panose="020F0502020204030204" pitchFamily="34" charset="0"/>
-              </a:rPr>
-              <a:t> </a:t>
-            </a:r>
-            <a:r>
-              <a:rPr lang="en-US" sz="3600" b="1" dirty="0" err="1">
-                <a:solidFill>
-                  <a:srgbClr val="000066"/>
-                </a:solidFill>
-                <a:latin typeface="Calibri" panose="020F0502020204030204" pitchFamily="34" charset="0"/>
-                <a:ea typeface="微軟正黑體" pitchFamily="34" charset="-120"/>
-                <a:cs typeface="Calibri" panose="020F0502020204030204" pitchFamily="34" charset="0"/>
-              </a:rPr>
-              <a:t>và</a:t>
-            </a:r>
-            <a:r>
-              <a:rPr lang="en-US" sz="3600" b="1" dirty="0">
-                <a:solidFill>
-                  <a:srgbClr val="000066"/>
-                </a:solidFill>
-                <a:latin typeface="Calibri" panose="020F0502020204030204" pitchFamily="34" charset="0"/>
-                <a:ea typeface="微軟正黑體" pitchFamily="34" charset="-120"/>
-                <a:cs typeface="Calibri" panose="020F0502020204030204" pitchFamily="34" charset="0"/>
-              </a:rPr>
-              <a:t> chia </a:t>
-            </a:r>
-            <a:r>
-              <a:rPr lang="en-US" sz="3600" b="1" dirty="0" err="1">
-                <a:solidFill>
-                  <a:srgbClr val="000066"/>
-                </a:solidFill>
-                <a:latin typeface="Calibri" panose="020F0502020204030204" pitchFamily="34" charset="0"/>
-                <a:ea typeface="微軟正黑體" pitchFamily="34" charset="-120"/>
-                <a:cs typeface="Calibri" panose="020F0502020204030204" pitchFamily="34" charset="0"/>
-              </a:rPr>
-              <a:t>sẽ</a:t>
-            </a:r>
-            <a:r>
-              <a:rPr lang="en-US" sz="3600" b="1" dirty="0">
-                <a:solidFill>
-                  <a:srgbClr val="000066"/>
-                </a:solidFill>
-                <a:latin typeface="Calibri" panose="020F0502020204030204" pitchFamily="34" charset="0"/>
-                <a:ea typeface="微軟正黑體" pitchFamily="34" charset="-120"/>
-                <a:cs typeface="Calibri" panose="020F0502020204030204" pitchFamily="34" charset="0"/>
-              </a:rPr>
-              <a:t> </a:t>
-            </a:r>
-            <a:r>
-              <a:rPr lang="en-US" sz="3600" b="1" dirty="0" err="1">
-                <a:solidFill>
-                  <a:srgbClr val="000066"/>
-                </a:solidFill>
-                <a:latin typeface="Calibri" panose="020F0502020204030204" pitchFamily="34" charset="0"/>
-                <a:ea typeface="微軟正黑體" pitchFamily="34" charset="-120"/>
-                <a:cs typeface="Calibri" panose="020F0502020204030204" pitchFamily="34" charset="0"/>
-              </a:rPr>
-              <a:t>tình</a:t>
-            </a:r>
-            <a:r>
-              <a:rPr lang="en-US" sz="3600" b="1" dirty="0">
-                <a:solidFill>
-                  <a:srgbClr val="000066"/>
-                </a:solidFill>
-                <a:latin typeface="Calibri" panose="020F0502020204030204" pitchFamily="34" charset="0"/>
-                <a:ea typeface="微軟正黑體" pitchFamily="34" charset="-120"/>
-                <a:cs typeface="Calibri" panose="020F0502020204030204" pitchFamily="34" charset="0"/>
-              </a:rPr>
-              <a:t> </a:t>
-            </a:r>
-            <a:r>
-              <a:rPr lang="en-US" sz="3600" b="1" dirty="0" err="1">
-                <a:solidFill>
-                  <a:srgbClr val="000066"/>
-                </a:solidFill>
-                <a:latin typeface="Calibri" panose="020F0502020204030204" pitchFamily="34" charset="0"/>
-                <a:ea typeface="微軟正黑體" pitchFamily="34" charset="-120"/>
-                <a:cs typeface="Calibri" panose="020F0502020204030204" pitchFamily="34" charset="0"/>
-              </a:rPr>
-              <a:t>yêu</a:t>
-            </a:r>
-            <a:r>
-              <a:rPr lang="en-US" sz="3600" b="1" dirty="0">
-                <a:solidFill>
-                  <a:srgbClr val="000066"/>
-                </a:solidFill>
-                <a:latin typeface="Calibri" panose="020F0502020204030204" pitchFamily="34" charset="0"/>
-                <a:ea typeface="微軟正黑體" pitchFamily="34" charset="-120"/>
-                <a:cs typeface="Calibri" panose="020F0502020204030204" pitchFamily="34" charset="0"/>
-              </a:rPr>
-              <a:t> </a:t>
-            </a:r>
-            <a:r>
-              <a:rPr lang="en-US" sz="3600" b="1" dirty="0" err="1">
+              <a:rPr lang="en-US" sz="3200" b="1" dirty="0">
+                <a:solidFill>
+                  <a:srgbClr val="000066"/>
+                </a:solidFill>
+                <a:latin typeface="Calibri" panose="020F0502020204030204" pitchFamily="34" charset="0"/>
+                <a:ea typeface="微軟正黑體" pitchFamily="34" charset="-120"/>
+                <a:cs typeface="Calibri" panose="020F0502020204030204" pitchFamily="34" charset="0"/>
+              </a:rPr>
+              <a:t> </a:t>
+            </a:r>
+            <a:r>
+              <a:rPr lang="en-US" sz="3200" b="1" dirty="0" err="1">
+                <a:solidFill>
+                  <a:srgbClr val="000066"/>
+                </a:solidFill>
+                <a:latin typeface="Calibri" panose="020F0502020204030204" pitchFamily="34" charset="0"/>
+                <a:ea typeface="微軟正黑體" pitchFamily="34" charset="-120"/>
+                <a:cs typeface="Calibri" panose="020F0502020204030204" pitchFamily="34" charset="0"/>
+              </a:rPr>
+              <a:t>cho</a:t>
+            </a:r>
+            <a:r>
+              <a:rPr lang="en-US" sz="3200" b="1" dirty="0">
+                <a:solidFill>
+                  <a:srgbClr val="000066"/>
+                </a:solidFill>
+                <a:latin typeface="Calibri" panose="020F0502020204030204" pitchFamily="34" charset="0"/>
+                <a:ea typeface="微軟正黑體" pitchFamily="34" charset="-120"/>
+                <a:cs typeface="Calibri" panose="020F0502020204030204" pitchFamily="34" charset="0"/>
+              </a:rPr>
+              <a:t> </a:t>
+            </a:r>
+            <a:r>
+              <a:rPr lang="en-US" sz="3200" b="1" dirty="0" err="1">
+                <a:solidFill>
+                  <a:srgbClr val="000066"/>
+                </a:solidFill>
+                <a:latin typeface="Calibri" panose="020F0502020204030204" pitchFamily="34" charset="0"/>
+                <a:ea typeface="微軟正黑體" pitchFamily="34" charset="-120"/>
+                <a:cs typeface="Calibri" panose="020F0502020204030204" pitchFamily="34" charset="0"/>
+              </a:rPr>
+              <a:t>muôn</a:t>
+            </a:r>
+            <a:r>
+              <a:rPr lang="en-US" sz="3200" b="1" dirty="0">
+                <a:solidFill>
+                  <a:srgbClr val="000066"/>
+                </a:solidFill>
+                <a:latin typeface="Calibri" panose="020F0502020204030204" pitchFamily="34" charset="0"/>
+                <a:ea typeface="微軟正黑體" pitchFamily="34" charset="-120"/>
+                <a:cs typeface="Calibri" panose="020F0502020204030204" pitchFamily="34" charset="0"/>
+              </a:rPr>
+              <a:t> </a:t>
+            </a:r>
+            <a:r>
+              <a:rPr lang="en-US" sz="3200" b="1" dirty="0" err="1">
+                <a:solidFill>
+                  <a:srgbClr val="000066"/>
+                </a:solidFill>
+                <a:latin typeface="Calibri" panose="020F0502020204030204" pitchFamily="34" charset="0"/>
+                <a:ea typeface="微軟正黑體" pitchFamily="34" charset="-120"/>
+                <a:cs typeface="Calibri" panose="020F0502020204030204" pitchFamily="34" charset="0"/>
+              </a:rPr>
+              <a:t>dân</a:t>
+            </a:r>
+            <a:r>
+              <a:rPr lang="en-US" sz="3200" b="1" dirty="0">
+                <a:solidFill>
+                  <a:srgbClr val="000066"/>
+                </a:solidFill>
+                <a:latin typeface="Calibri" panose="020F0502020204030204" pitchFamily="34" charset="0"/>
+                <a:ea typeface="微軟正黑體" pitchFamily="34" charset="-120"/>
+                <a:cs typeface="Calibri" panose="020F0502020204030204" pitchFamily="34" charset="0"/>
+              </a:rPr>
+              <a:t> </a:t>
+            </a:r>
+            <a:r>
+              <a:rPr lang="en-US" sz="3200" b="1" dirty="0" err="1">
+                <a:solidFill>
+                  <a:srgbClr val="000066"/>
+                </a:solidFill>
+                <a:latin typeface="Calibri" panose="020F0502020204030204" pitchFamily="34" charset="0"/>
+                <a:ea typeface="微軟正黑體" pitchFamily="34" charset="-120"/>
+                <a:cs typeface="Calibri" panose="020F0502020204030204" pitchFamily="34" charset="0"/>
+              </a:rPr>
+              <a:t>vì</a:t>
+            </a:r>
+            <a:r>
+              <a:rPr lang="en-US" sz="3200" b="1" dirty="0">
+                <a:solidFill>
+                  <a:srgbClr val="000066"/>
+                </a:solidFill>
+                <a:latin typeface="Calibri" panose="020F0502020204030204" pitchFamily="34" charset="0"/>
+                <a:ea typeface="微軟正黑體" pitchFamily="34" charset="-120"/>
+                <a:cs typeface="Calibri" panose="020F0502020204030204" pitchFamily="34" charset="0"/>
+              </a:rPr>
+              <a:t> </a:t>
+            </a:r>
+            <a:r>
+              <a:rPr lang="en-US" sz="3200" b="1" dirty="0" err="1">
                 <a:solidFill>
                   <a:srgbClr val="000066"/>
                 </a:solidFill>
@@ -7407,7 +7208,117 @@
               </a:rPr>
               <a:t>Ngài</a:t>
             </a:r>
-            <a:endParaRPr lang="en-US" sz="3600" b="1" dirty="0">
+            <a:r>
+              <a:rPr lang="en-US" sz="3200" b="1" dirty="0">
+                <a:solidFill>
+                  <a:srgbClr val="000066"/>
+                </a:solidFill>
+                <a:latin typeface="Calibri" panose="020F0502020204030204" pitchFamily="34" charset="0"/>
+                <a:ea typeface="微軟正黑體" pitchFamily="34" charset="-120"/>
+                <a:cs typeface="Calibri" panose="020F0502020204030204" pitchFamily="34" charset="0"/>
+              </a:rPr>
+              <a:t> </a:t>
+            </a:r>
+            <a:r>
+              <a:rPr lang="en-US" sz="3200" b="1" dirty="0" err="1">
+                <a:solidFill>
+                  <a:srgbClr val="000066"/>
+                </a:solidFill>
+                <a:latin typeface="Calibri" panose="020F0502020204030204" pitchFamily="34" charset="0"/>
+                <a:ea typeface="微軟正黑體" pitchFamily="34" charset="-120"/>
+                <a:cs typeface="Calibri" panose="020F0502020204030204" pitchFamily="34" charset="0"/>
+              </a:rPr>
+              <a:t>xứng</a:t>
+            </a:r>
+            <a:r>
+              <a:rPr lang="en-US" sz="3200" b="1" dirty="0">
+                <a:solidFill>
+                  <a:srgbClr val="000066"/>
+                </a:solidFill>
+                <a:latin typeface="Calibri" panose="020F0502020204030204" pitchFamily="34" charset="0"/>
+                <a:ea typeface="微軟正黑體" pitchFamily="34" charset="-120"/>
+                <a:cs typeface="Calibri" panose="020F0502020204030204" pitchFamily="34" charset="0"/>
+              </a:rPr>
+              <a:t> </a:t>
+            </a:r>
+            <a:r>
+              <a:rPr lang="en-US" sz="3200" b="1" dirty="0" err="1">
+                <a:solidFill>
+                  <a:srgbClr val="000066"/>
+                </a:solidFill>
+                <a:latin typeface="Calibri" panose="020F0502020204030204" pitchFamily="34" charset="0"/>
+                <a:ea typeface="微軟正黑體" pitchFamily="34" charset="-120"/>
+                <a:cs typeface="Calibri" panose="020F0502020204030204" pitchFamily="34" charset="0"/>
+              </a:rPr>
+              <a:t>đáng</a:t>
+            </a:r>
+            <a:r>
+              <a:rPr lang="en-US" sz="3200" b="1" dirty="0">
+                <a:solidFill>
+                  <a:srgbClr val="000066"/>
+                </a:solidFill>
+                <a:latin typeface="Calibri" panose="020F0502020204030204" pitchFamily="34" charset="0"/>
+                <a:ea typeface="微軟正黑體" pitchFamily="34" charset="-120"/>
+                <a:cs typeface="Calibri" panose="020F0502020204030204" pitchFamily="34" charset="0"/>
+              </a:rPr>
+              <a:t> </a:t>
+            </a:r>
+            <a:r>
+              <a:rPr lang="en-US" sz="3200" b="1" dirty="0" err="1">
+                <a:solidFill>
+                  <a:srgbClr val="000066"/>
+                </a:solidFill>
+                <a:latin typeface="Calibri" panose="020F0502020204030204" pitchFamily="34" charset="0"/>
+                <a:ea typeface="微軟正黑體" pitchFamily="34" charset="-120"/>
+                <a:cs typeface="Calibri" panose="020F0502020204030204" pitchFamily="34" charset="0"/>
+              </a:rPr>
+              <a:t>được</a:t>
+            </a:r>
+            <a:r>
+              <a:rPr lang="en-US" sz="3200" b="1" dirty="0">
+                <a:solidFill>
+                  <a:srgbClr val="000066"/>
+                </a:solidFill>
+                <a:latin typeface="Calibri" panose="020F0502020204030204" pitchFamily="34" charset="0"/>
+                <a:ea typeface="微軟正黑體" pitchFamily="34" charset="-120"/>
+                <a:cs typeface="Calibri" panose="020F0502020204030204" pitchFamily="34" charset="0"/>
+              </a:rPr>
+              <a:t> </a:t>
+            </a:r>
+            <a:r>
+              <a:rPr lang="en-US" sz="3200" b="1" dirty="0" err="1">
+                <a:solidFill>
+                  <a:srgbClr val="000066"/>
+                </a:solidFill>
+                <a:latin typeface="Calibri" panose="020F0502020204030204" pitchFamily="34" charset="0"/>
+                <a:ea typeface="微軟正黑體" pitchFamily="34" charset="-120"/>
+                <a:cs typeface="Calibri" panose="020F0502020204030204" pitchFamily="34" charset="0"/>
+              </a:rPr>
+              <a:t>chúc</a:t>
+            </a:r>
+            <a:r>
+              <a:rPr lang="en-US" sz="3200" b="1" dirty="0">
+                <a:solidFill>
+                  <a:srgbClr val="000066"/>
+                </a:solidFill>
+                <a:latin typeface="Calibri" panose="020F0502020204030204" pitchFamily="34" charset="0"/>
+                <a:ea typeface="微軟正黑體" pitchFamily="34" charset="-120"/>
+                <a:cs typeface="Calibri" panose="020F0502020204030204" pitchFamily="34" charset="0"/>
+              </a:rPr>
+              <a:t> </a:t>
+            </a:r>
+            <a:r>
+              <a:rPr lang="en-US" sz="3200" b="1" dirty="0" err="1">
+                <a:solidFill>
+                  <a:srgbClr val="000066"/>
+                </a:solidFill>
+                <a:latin typeface="Calibri" panose="020F0502020204030204" pitchFamily="34" charset="0"/>
+                <a:ea typeface="微軟正黑體" pitchFamily="34" charset="-120"/>
+                <a:cs typeface="Calibri" panose="020F0502020204030204" pitchFamily="34" charset="0"/>
+              </a:rPr>
+              <a:t>tụng</a:t>
+            </a:r>
+            <a:endParaRPr lang="en-US" sz="3200" b="1" dirty="0">
               <a:solidFill>
                 <a:srgbClr val="000066"/>
               </a:solidFill>
@@ -7421,7 +7332,7 @@
     </p:spTree>
     <p:extLst>
       <p:ext uri="{BB962C8B-B14F-4D97-AF65-F5344CB8AC3E}">
-        <p14:creationId xmlns:p14="http://schemas.microsoft.com/office/powerpoint/2010/main" val="1290025472"/>
+        <p14:creationId xmlns:p14="http://schemas.microsoft.com/office/powerpoint/2010/main" val="2907886430"/>
       </p:ext>
     </p:extLst>
   </p:cSld>
@@ -7460,7 +7371,7 @@
         </p:nvSpPr>
         <p:spPr>
           <a:xfrm>
-            <a:off x="0" y="2167981"/>
+            <a:off x="0" y="2167982"/>
             <a:ext cx="12192000" cy="1318225"/>
           </a:xfrm>
         </p:spPr>
@@ -7481,7 +7392,7 @@
                 <a:latin typeface="微軟正黑體" pitchFamily="34" charset="-120"/>
                 <a:ea typeface="微軟正黑體" pitchFamily="34" charset="-120"/>
               </a:rPr>
-              <a:t>來到馬槽前，見主耶穌</a:t>
+              <a:t>去領人歸主  為主做世上光</a:t>
             </a:r>
             <a:endParaRPr lang="en-US" altLang="zh-CN" sz="6400" b="1" dirty="0">
               <a:solidFill>
@@ -7503,7 +7414,7 @@
         </p:nvSpPr>
         <p:spPr>
           <a:xfrm>
-            <a:off x="0" y="3117530"/>
+            <a:off x="0" y="3117532"/>
             <a:ext cx="12192000" cy="1318225"/>
           </a:xfrm>
           <a:prstGeom prst="rect">
@@ -7656,161 +7567,117 @@
               <a:buNone/>
             </a:pPr>
             <a:r>
-              <a:rPr lang="en-US" sz="3600" b="1" dirty="0" err="1">
-                <a:solidFill>
-                  <a:srgbClr val="000066"/>
-                </a:solidFill>
-                <a:latin typeface="Calibri" panose="020F0502020204030204" pitchFamily="34" charset="0"/>
-                <a:ea typeface="微軟正黑體" pitchFamily="34" charset="-120"/>
-                <a:cs typeface="Calibri" panose="020F0502020204030204" pitchFamily="34" charset="0"/>
-              </a:rPr>
-              <a:t>Đến</a:t>
-            </a:r>
-            <a:r>
-              <a:rPr lang="en-US" sz="3600" b="1" dirty="0">
-                <a:solidFill>
-                  <a:srgbClr val="000066"/>
-                </a:solidFill>
-                <a:latin typeface="Calibri" panose="020F0502020204030204" pitchFamily="34" charset="0"/>
-                <a:ea typeface="微軟正黑體" pitchFamily="34" charset="-120"/>
-                <a:cs typeface="Calibri" panose="020F0502020204030204" pitchFamily="34" charset="0"/>
-              </a:rPr>
-              <a:t> </a:t>
-            </a:r>
-            <a:r>
-              <a:rPr lang="en-US" sz="3600" b="1" dirty="0" err="1">
-                <a:solidFill>
-                  <a:srgbClr val="000066"/>
-                </a:solidFill>
-                <a:latin typeface="Calibri" panose="020F0502020204030204" pitchFamily="34" charset="0"/>
-                <a:ea typeface="微軟正黑體" pitchFamily="34" charset="-120"/>
-                <a:cs typeface="Calibri" panose="020F0502020204030204" pitchFamily="34" charset="0"/>
-              </a:rPr>
-              <a:t>trước</a:t>
-            </a:r>
-            <a:r>
-              <a:rPr lang="en-US" sz="3600" b="1" dirty="0">
-                <a:solidFill>
-                  <a:srgbClr val="000066"/>
-                </a:solidFill>
-                <a:latin typeface="Calibri" panose="020F0502020204030204" pitchFamily="34" charset="0"/>
-                <a:ea typeface="微軟正黑體" pitchFamily="34" charset="-120"/>
-                <a:cs typeface="Calibri" panose="020F0502020204030204" pitchFamily="34" charset="0"/>
-              </a:rPr>
-              <a:t> </a:t>
-            </a:r>
-            <a:r>
-              <a:rPr lang="en-US" sz="3600" b="1" dirty="0" err="1">
-                <a:solidFill>
-                  <a:srgbClr val="000066"/>
-                </a:solidFill>
-                <a:latin typeface="Calibri" panose="020F0502020204030204" pitchFamily="34" charset="0"/>
-                <a:ea typeface="微軟正黑體" pitchFamily="34" charset="-120"/>
-                <a:cs typeface="Calibri" panose="020F0502020204030204" pitchFamily="34" charset="0"/>
-              </a:rPr>
-              <a:t>nơi</a:t>
-            </a:r>
-            <a:r>
-              <a:rPr lang="en-US" sz="3600" b="1" dirty="0">
-                <a:solidFill>
-                  <a:srgbClr val="000066"/>
-                </a:solidFill>
-                <a:latin typeface="Calibri" panose="020F0502020204030204" pitchFamily="34" charset="0"/>
-                <a:ea typeface="微軟正黑體" pitchFamily="34" charset="-120"/>
-                <a:cs typeface="Calibri" panose="020F0502020204030204" pitchFamily="34" charset="0"/>
-              </a:rPr>
-              <a:t> </a:t>
-            </a:r>
-            <a:r>
-              <a:rPr lang="en-US" sz="3600" b="1" dirty="0" err="1">
-                <a:solidFill>
-                  <a:srgbClr val="000066"/>
-                </a:solidFill>
-                <a:latin typeface="Calibri" panose="020F0502020204030204" pitchFamily="34" charset="0"/>
-                <a:ea typeface="微軟正黑體" pitchFamily="34" charset="-120"/>
-                <a:cs typeface="Calibri" panose="020F0502020204030204" pitchFamily="34" charset="0"/>
-              </a:rPr>
-              <a:t>máng</a:t>
-            </a:r>
-            <a:r>
-              <a:rPr lang="en-US" sz="3600" b="1" dirty="0">
-                <a:solidFill>
-                  <a:srgbClr val="000066"/>
-                </a:solidFill>
-                <a:latin typeface="Calibri" panose="020F0502020204030204" pitchFamily="34" charset="0"/>
-                <a:ea typeface="微軟正黑體" pitchFamily="34" charset="-120"/>
-                <a:cs typeface="Calibri" panose="020F0502020204030204" pitchFamily="34" charset="0"/>
-              </a:rPr>
-              <a:t> </a:t>
-            </a:r>
-            <a:r>
-              <a:rPr lang="en-US" sz="3600" b="1" dirty="0" err="1">
-                <a:solidFill>
-                  <a:srgbClr val="000066"/>
-                </a:solidFill>
-                <a:latin typeface="Calibri" panose="020F0502020204030204" pitchFamily="34" charset="0"/>
-                <a:ea typeface="微軟正黑體" pitchFamily="34" charset="-120"/>
-                <a:cs typeface="Calibri" panose="020F0502020204030204" pitchFamily="34" charset="0"/>
-              </a:rPr>
-              <a:t>cỏ</a:t>
-            </a:r>
-            <a:r>
-              <a:rPr lang="en-US" sz="3600" b="1" dirty="0">
-                <a:solidFill>
-                  <a:srgbClr val="000066"/>
-                </a:solidFill>
-                <a:latin typeface="Calibri" panose="020F0502020204030204" pitchFamily="34" charset="0"/>
-                <a:ea typeface="微軟正黑體" pitchFamily="34" charset="-120"/>
-                <a:cs typeface="Calibri" panose="020F0502020204030204" pitchFamily="34" charset="0"/>
-              </a:rPr>
-              <a:t> , </a:t>
-            </a:r>
-            <a:r>
-              <a:rPr lang="en-US" sz="3600" b="1" dirty="0" err="1">
-                <a:solidFill>
-                  <a:srgbClr val="000066"/>
-                </a:solidFill>
-                <a:latin typeface="Calibri" panose="020F0502020204030204" pitchFamily="34" charset="0"/>
-                <a:ea typeface="微軟正黑體" pitchFamily="34" charset="-120"/>
-                <a:cs typeface="Calibri" panose="020F0502020204030204" pitchFamily="34" charset="0"/>
-              </a:rPr>
-              <a:t>nhìn</a:t>
-            </a:r>
-            <a:r>
-              <a:rPr lang="en-US" sz="3600" b="1" dirty="0">
-                <a:solidFill>
-                  <a:srgbClr val="000066"/>
-                </a:solidFill>
-                <a:latin typeface="Calibri" panose="020F0502020204030204" pitchFamily="34" charset="0"/>
-                <a:ea typeface="微軟正黑體" pitchFamily="34" charset="-120"/>
-                <a:cs typeface="Calibri" panose="020F0502020204030204" pitchFamily="34" charset="0"/>
-              </a:rPr>
-              <a:t> </a:t>
-            </a:r>
-            <a:r>
-              <a:rPr lang="en-US" sz="3600" b="1" dirty="0" err="1">
-                <a:solidFill>
-                  <a:srgbClr val="000066"/>
-                </a:solidFill>
-                <a:latin typeface="Calibri" panose="020F0502020204030204" pitchFamily="34" charset="0"/>
-                <a:ea typeface="微軟正黑體" pitchFamily="34" charset="-120"/>
-                <a:cs typeface="Calibri" panose="020F0502020204030204" pitchFamily="34" charset="0"/>
-              </a:rPr>
-              <a:t>thấy</a:t>
-            </a:r>
-            <a:r>
-              <a:rPr lang="en-US" sz="3600" b="1" dirty="0">
-                <a:solidFill>
-                  <a:srgbClr val="000066"/>
-                </a:solidFill>
-                <a:latin typeface="Calibri" panose="020F0502020204030204" pitchFamily="34" charset="0"/>
-                <a:ea typeface="微軟正黑體" pitchFamily="34" charset="-120"/>
-                <a:cs typeface="Calibri" panose="020F0502020204030204" pitchFamily="34" charset="0"/>
-              </a:rPr>
-              <a:t> </a:t>
-            </a:r>
-            <a:r>
-              <a:rPr lang="en-US" sz="3600" b="1" dirty="0" err="1">
+              <a:rPr lang="en-US" sz="3200" b="1" dirty="0" err="1">
+                <a:solidFill>
+                  <a:srgbClr val="000066"/>
+                </a:solidFill>
+                <a:latin typeface="Calibri" panose="020F0502020204030204" pitchFamily="34" charset="0"/>
+                <a:ea typeface="微軟正黑體" pitchFamily="34" charset="-120"/>
+                <a:cs typeface="Calibri" panose="020F0502020204030204" pitchFamily="34" charset="0"/>
+              </a:rPr>
+              <a:t>Hãy</a:t>
+            </a:r>
+            <a:r>
+              <a:rPr lang="en-US" sz="3200" b="1" dirty="0">
+                <a:solidFill>
+                  <a:srgbClr val="000066"/>
+                </a:solidFill>
+                <a:latin typeface="Calibri" panose="020F0502020204030204" pitchFamily="34" charset="0"/>
+                <a:ea typeface="微軟正黑體" pitchFamily="34" charset="-120"/>
+                <a:cs typeface="Calibri" panose="020F0502020204030204" pitchFamily="34" charset="0"/>
+              </a:rPr>
+              <a:t> </a:t>
+            </a:r>
+            <a:r>
+              <a:rPr lang="en-US" sz="3200" b="1" dirty="0" err="1">
+                <a:solidFill>
+                  <a:srgbClr val="000066"/>
+                </a:solidFill>
+                <a:latin typeface="Calibri" panose="020F0502020204030204" pitchFamily="34" charset="0"/>
+                <a:ea typeface="微軟正黑體" pitchFamily="34" charset="-120"/>
+                <a:cs typeface="Calibri" panose="020F0502020204030204" pitchFamily="34" charset="0"/>
+              </a:rPr>
+              <a:t>đưa</a:t>
+            </a:r>
+            <a:r>
+              <a:rPr lang="en-US" sz="3200" b="1" dirty="0">
+                <a:solidFill>
+                  <a:srgbClr val="000066"/>
+                </a:solidFill>
+                <a:latin typeface="Calibri" panose="020F0502020204030204" pitchFamily="34" charset="0"/>
+                <a:ea typeface="微軟正黑體" pitchFamily="34" charset="-120"/>
+                <a:cs typeface="Calibri" panose="020F0502020204030204" pitchFamily="34" charset="0"/>
+              </a:rPr>
+              <a:t> </a:t>
+            </a:r>
+            <a:r>
+              <a:rPr lang="en-US" sz="3200" b="1" dirty="0" err="1">
+                <a:solidFill>
+                  <a:srgbClr val="000066"/>
+                </a:solidFill>
+                <a:latin typeface="Calibri" panose="020F0502020204030204" pitchFamily="34" charset="0"/>
+                <a:ea typeface="微軟正黑體" pitchFamily="34" charset="-120"/>
+                <a:cs typeface="Calibri" panose="020F0502020204030204" pitchFamily="34" charset="0"/>
+              </a:rPr>
+              <a:t>người</a:t>
+            </a:r>
+            <a:r>
+              <a:rPr lang="en-US" sz="3200" b="1" dirty="0">
+                <a:solidFill>
+                  <a:srgbClr val="000066"/>
+                </a:solidFill>
+                <a:latin typeface="Calibri" panose="020F0502020204030204" pitchFamily="34" charset="0"/>
+                <a:ea typeface="微軟正黑體" pitchFamily="34" charset="-120"/>
+                <a:cs typeface="Calibri" panose="020F0502020204030204" pitchFamily="34" charset="0"/>
+              </a:rPr>
+              <a:t> </a:t>
+            </a:r>
+            <a:r>
+              <a:rPr lang="en-US" sz="3200" b="1" dirty="0" err="1">
+                <a:solidFill>
+                  <a:srgbClr val="000066"/>
+                </a:solidFill>
+                <a:latin typeface="Calibri" panose="020F0502020204030204" pitchFamily="34" charset="0"/>
+                <a:ea typeface="微軟正黑體" pitchFamily="34" charset="-120"/>
+                <a:cs typeface="Calibri" panose="020F0502020204030204" pitchFamily="34" charset="0"/>
+              </a:rPr>
+              <a:t>đến</a:t>
+            </a:r>
+            <a:r>
+              <a:rPr lang="en-US" sz="3200" b="1" dirty="0">
+                <a:solidFill>
+                  <a:srgbClr val="000066"/>
+                </a:solidFill>
+                <a:latin typeface="Calibri" panose="020F0502020204030204" pitchFamily="34" charset="0"/>
+                <a:ea typeface="微軟正黑體" pitchFamily="34" charset="-120"/>
+                <a:cs typeface="Calibri" panose="020F0502020204030204" pitchFamily="34" charset="0"/>
+              </a:rPr>
+              <a:t> </a:t>
+            </a:r>
+            <a:r>
+              <a:rPr lang="en-US" sz="3200" b="1" dirty="0" err="1">
+                <a:solidFill>
+                  <a:srgbClr val="000066"/>
+                </a:solidFill>
+                <a:latin typeface="Calibri" panose="020F0502020204030204" pitchFamily="34" charset="0"/>
+                <a:ea typeface="微軟正黑體" pitchFamily="34" charset="-120"/>
+                <a:cs typeface="Calibri" panose="020F0502020204030204" pitchFamily="34" charset="0"/>
+              </a:rPr>
+              <a:t>với</a:t>
+            </a:r>
+            <a:r>
+              <a:rPr lang="en-US" sz="3200" b="1" dirty="0">
+                <a:solidFill>
+                  <a:srgbClr val="000066"/>
+                </a:solidFill>
+                <a:latin typeface="Calibri" panose="020F0502020204030204" pitchFamily="34" charset="0"/>
+                <a:ea typeface="微軟正黑體" pitchFamily="34" charset="-120"/>
+                <a:cs typeface="Calibri" panose="020F0502020204030204" pitchFamily="34" charset="0"/>
+              </a:rPr>
+              <a:t> </a:t>
+            </a:r>
+            <a:r>
+              <a:rPr lang="en-US" sz="3200" b="1" dirty="0" err="1">
                 <a:solidFill>
                   <a:srgbClr val="000066"/>
                 </a:solidFill>
@@ -7821,28 +7688,182 @@
               <a:t>Chúa</a:t>
             </a:r>
             <a:r>
-              <a:rPr lang="en-US" sz="3600" b="1" dirty="0">
-                <a:solidFill>
-                  <a:srgbClr val="000066"/>
-                </a:solidFill>
-                <a:latin typeface="Calibri" panose="020F0502020204030204" pitchFamily="34" charset="0"/>
-                <a:ea typeface="微軟正黑體" pitchFamily="34" charset="-120"/>
-                <a:cs typeface="Calibri" panose="020F0502020204030204" pitchFamily="34" charset="0"/>
-              </a:rPr>
-              <a:t> </a:t>
-            </a:r>
-            <a:r>
-              <a:rPr lang="en-US" sz="3600" b="1" dirty="0" err="1">
-                <a:solidFill>
-                  <a:srgbClr val="000066"/>
-                </a:solidFill>
-                <a:latin typeface="Calibri" panose="020F0502020204030204" pitchFamily="34" charset="0"/>
-                <a:ea typeface="微軟正黑體" pitchFamily="34" charset="-120"/>
-                <a:cs typeface="Calibri" panose="020F0502020204030204" pitchFamily="34" charset="0"/>
-              </a:rPr>
-              <a:t>Giê-su</a:t>
-            </a:r>
-            <a:endParaRPr lang="en-US" sz="3600" b="1" dirty="0">
+              <a:rPr lang="en-US" sz="3200" b="1" dirty="0">
+                <a:solidFill>
+                  <a:srgbClr val="000066"/>
+                </a:solidFill>
+                <a:latin typeface="Calibri" panose="020F0502020204030204" pitchFamily="34" charset="0"/>
+                <a:ea typeface="微軟正黑體" pitchFamily="34" charset="-120"/>
+                <a:cs typeface="Calibri" panose="020F0502020204030204" pitchFamily="34" charset="0"/>
+              </a:rPr>
+              <a:t>, </a:t>
+            </a:r>
+            <a:r>
+              <a:rPr lang="en-US" sz="3200" b="1" dirty="0" err="1">
+                <a:solidFill>
+                  <a:srgbClr val="000066"/>
+                </a:solidFill>
+                <a:latin typeface="Calibri" panose="020F0502020204030204" pitchFamily="34" charset="0"/>
+                <a:ea typeface="微軟正黑體" pitchFamily="34" charset="-120"/>
+                <a:cs typeface="Calibri" panose="020F0502020204030204" pitchFamily="34" charset="0"/>
+              </a:rPr>
+              <a:t>hãy</a:t>
+            </a:r>
+            <a:r>
+              <a:rPr lang="en-US" sz="3200" b="1" dirty="0">
+                <a:solidFill>
+                  <a:srgbClr val="000066"/>
+                </a:solidFill>
+                <a:latin typeface="Calibri" panose="020F0502020204030204" pitchFamily="34" charset="0"/>
+                <a:ea typeface="微軟正黑體" pitchFamily="34" charset="-120"/>
+                <a:cs typeface="Calibri" panose="020F0502020204030204" pitchFamily="34" charset="0"/>
+              </a:rPr>
+              <a:t> </a:t>
+            </a:r>
+            <a:r>
+              <a:rPr lang="en-US" sz="3200" b="1" dirty="0" err="1">
+                <a:solidFill>
+                  <a:srgbClr val="000066"/>
+                </a:solidFill>
+                <a:latin typeface="Calibri" panose="020F0502020204030204" pitchFamily="34" charset="0"/>
+                <a:ea typeface="微軟正黑體" pitchFamily="34" charset="-120"/>
+                <a:cs typeface="Calibri" panose="020F0502020204030204" pitchFamily="34" charset="0"/>
+              </a:rPr>
+              <a:t>trở</a:t>
+            </a:r>
+            <a:r>
+              <a:rPr lang="en-US" sz="3200" b="1" dirty="0">
+                <a:solidFill>
+                  <a:srgbClr val="000066"/>
+                </a:solidFill>
+                <a:latin typeface="Calibri" panose="020F0502020204030204" pitchFamily="34" charset="0"/>
+                <a:ea typeface="微軟正黑體" pitchFamily="34" charset="-120"/>
+                <a:cs typeface="Calibri" panose="020F0502020204030204" pitchFamily="34" charset="0"/>
+              </a:rPr>
+              <a:t> </a:t>
+            </a:r>
+            <a:r>
+              <a:rPr lang="en-US" sz="3200" b="1" dirty="0" err="1">
+                <a:solidFill>
+                  <a:srgbClr val="000066"/>
+                </a:solidFill>
+                <a:latin typeface="Calibri" panose="020F0502020204030204" pitchFamily="34" charset="0"/>
+                <a:ea typeface="微軟正黑體" pitchFamily="34" charset="-120"/>
+                <a:cs typeface="Calibri" panose="020F0502020204030204" pitchFamily="34" charset="0"/>
+              </a:rPr>
+              <a:t>nên</a:t>
+            </a:r>
+            <a:r>
+              <a:rPr lang="en-US" sz="3200" b="1" dirty="0">
+                <a:solidFill>
+                  <a:srgbClr val="000066"/>
+                </a:solidFill>
+                <a:latin typeface="Calibri" panose="020F0502020204030204" pitchFamily="34" charset="0"/>
+                <a:ea typeface="微軟正黑體" pitchFamily="34" charset="-120"/>
+                <a:cs typeface="Calibri" panose="020F0502020204030204" pitchFamily="34" charset="0"/>
+              </a:rPr>
+              <a:t> </a:t>
+            </a:r>
+            <a:r>
+              <a:rPr lang="en-US" sz="3200" b="1" dirty="0" err="1">
+                <a:solidFill>
+                  <a:srgbClr val="000066"/>
+                </a:solidFill>
+                <a:latin typeface="Calibri" panose="020F0502020204030204" pitchFamily="34" charset="0"/>
+                <a:ea typeface="微軟正黑體" pitchFamily="34" charset="-120"/>
+                <a:cs typeface="Calibri" panose="020F0502020204030204" pitchFamily="34" charset="0"/>
+              </a:rPr>
+              <a:t>ánh</a:t>
+            </a:r>
+            <a:r>
+              <a:rPr lang="en-US" sz="3200" b="1" dirty="0">
+                <a:solidFill>
+                  <a:srgbClr val="000066"/>
+                </a:solidFill>
+                <a:latin typeface="Calibri" panose="020F0502020204030204" pitchFamily="34" charset="0"/>
+                <a:ea typeface="微軟正黑體" pitchFamily="34" charset="-120"/>
+                <a:cs typeface="Calibri" panose="020F0502020204030204" pitchFamily="34" charset="0"/>
+              </a:rPr>
+              <a:t> </a:t>
+            </a:r>
+            <a:r>
+              <a:rPr lang="en-US" sz="3200" b="1" dirty="0" err="1">
+                <a:solidFill>
+                  <a:srgbClr val="000066"/>
+                </a:solidFill>
+                <a:latin typeface="Calibri" panose="020F0502020204030204" pitchFamily="34" charset="0"/>
+                <a:ea typeface="微軟正黑體" pitchFamily="34" charset="-120"/>
+                <a:cs typeface="Calibri" panose="020F0502020204030204" pitchFamily="34" charset="0"/>
+              </a:rPr>
+              <a:t>sáng</a:t>
+            </a:r>
+            <a:r>
+              <a:rPr lang="en-US" sz="3200" b="1" dirty="0">
+                <a:solidFill>
+                  <a:srgbClr val="000066"/>
+                </a:solidFill>
+                <a:latin typeface="Calibri" panose="020F0502020204030204" pitchFamily="34" charset="0"/>
+                <a:ea typeface="微軟正黑體" pitchFamily="34" charset="-120"/>
+                <a:cs typeface="Calibri" panose="020F0502020204030204" pitchFamily="34" charset="0"/>
+              </a:rPr>
+              <a:t> </a:t>
+            </a:r>
+            <a:r>
+              <a:rPr lang="en-US" sz="3200" b="1" dirty="0" err="1">
+                <a:solidFill>
+                  <a:srgbClr val="000066"/>
+                </a:solidFill>
+                <a:latin typeface="Calibri" panose="020F0502020204030204" pitchFamily="34" charset="0"/>
+                <a:ea typeface="微軟正黑體" pitchFamily="34" charset="-120"/>
+                <a:cs typeface="Calibri" panose="020F0502020204030204" pitchFamily="34" charset="0"/>
+              </a:rPr>
+              <a:t>của</a:t>
+            </a:r>
+            <a:r>
+              <a:rPr lang="en-US" sz="3200" b="1" dirty="0">
+                <a:solidFill>
+                  <a:srgbClr val="000066"/>
+                </a:solidFill>
+                <a:latin typeface="Calibri" panose="020F0502020204030204" pitchFamily="34" charset="0"/>
+                <a:ea typeface="微軟正黑體" pitchFamily="34" charset="-120"/>
+                <a:cs typeface="Calibri" panose="020F0502020204030204" pitchFamily="34" charset="0"/>
+              </a:rPr>
+              <a:t> </a:t>
+            </a:r>
+            <a:r>
+              <a:rPr lang="en-US" sz="3200" b="1" dirty="0" err="1">
+                <a:solidFill>
+                  <a:srgbClr val="000066"/>
+                </a:solidFill>
+                <a:latin typeface="Calibri" panose="020F0502020204030204" pitchFamily="34" charset="0"/>
+                <a:ea typeface="微軟正黑體" pitchFamily="34" charset="-120"/>
+                <a:cs typeface="Calibri" panose="020F0502020204030204" pitchFamily="34" charset="0"/>
+              </a:rPr>
+              <a:t>thế</a:t>
+            </a:r>
+            <a:r>
+              <a:rPr lang="en-US" sz="3200" b="1" dirty="0">
+                <a:solidFill>
+                  <a:srgbClr val="000066"/>
+                </a:solidFill>
+                <a:latin typeface="Calibri" panose="020F0502020204030204" pitchFamily="34" charset="0"/>
+                <a:ea typeface="微軟正黑體" pitchFamily="34" charset="-120"/>
+                <a:cs typeface="Calibri" panose="020F0502020204030204" pitchFamily="34" charset="0"/>
+              </a:rPr>
+              <a:t> </a:t>
+            </a:r>
+            <a:r>
+              <a:rPr lang="en-US" sz="3200" b="1" dirty="0" err="1">
+                <a:solidFill>
+                  <a:srgbClr val="000066"/>
+                </a:solidFill>
+                <a:latin typeface="Calibri" panose="020F0502020204030204" pitchFamily="34" charset="0"/>
+                <a:ea typeface="微軟正黑體" pitchFamily="34" charset="-120"/>
+                <a:cs typeface="Calibri" panose="020F0502020204030204" pitchFamily="34" charset="0"/>
+              </a:rPr>
+              <a:t>gian</a:t>
+            </a:r>
+            <a:endParaRPr lang="en-US" sz="3200" b="1" dirty="0">
               <a:solidFill>
                 <a:srgbClr val="000066"/>
               </a:solidFill>
@@ -7856,7 +7877,7 @@
     </p:spTree>
     <p:extLst>
       <p:ext uri="{BB962C8B-B14F-4D97-AF65-F5344CB8AC3E}">
-        <p14:creationId xmlns:p14="http://schemas.microsoft.com/office/powerpoint/2010/main" val="3988498601"/>
+        <p14:creationId xmlns:p14="http://schemas.microsoft.com/office/powerpoint/2010/main" val="2880228905"/>
       </p:ext>
     </p:extLst>
   </p:cSld>
@@ -7895,7 +7916,7 @@
         </p:nvSpPr>
         <p:spPr>
           <a:xfrm>
-            <a:off x="0" y="2167981"/>
+            <a:off x="0" y="2167982"/>
             <a:ext cx="12192000" cy="1318225"/>
           </a:xfrm>
         </p:spPr>
@@ -7916,7 +7937,7 @@
                 <a:latin typeface="微軟正黑體" pitchFamily="34" charset="-120"/>
                 <a:ea typeface="微軟正黑體" pitchFamily="34" charset="-120"/>
               </a:rPr>
-              <a:t>來見聖嬰孩，世人的救主</a:t>
+              <a:t>快去傳揚主  主愛與人分享</a:t>
             </a:r>
             <a:endParaRPr lang="en-US" altLang="zh-CN" sz="6400" b="1" dirty="0">
               <a:solidFill>
@@ -7938,7 +7959,7 @@
         </p:nvSpPr>
         <p:spPr>
           <a:xfrm>
-            <a:off x="0" y="3117530"/>
+            <a:off x="0" y="3117532"/>
             <a:ext cx="12192000" cy="1318225"/>
           </a:xfrm>
           <a:prstGeom prst="rect">
@@ -8091,17 +8112,6 @@
               <a:buNone/>
             </a:pPr>
             <a:r>
-              <a:rPr lang="en-US" sz="3600" b="1" dirty="0" err="1">
-                <a:solidFill>
-                  <a:srgbClr val="000066"/>
-                </a:solidFill>
-                <a:latin typeface="Calibri" panose="020F0502020204030204" pitchFamily="34" charset="0"/>
-                <a:ea typeface="微軟正黑體" pitchFamily="34" charset="-120"/>
-                <a:cs typeface="Calibri" panose="020F0502020204030204" pitchFamily="34" charset="0"/>
-              </a:rPr>
-              <a:t>Hãy</a:t>
-            </a:r>
-            <a:r>
               <a:rPr lang="en-US" sz="3600" b="1" dirty="0">
                 <a:solidFill>
                   <a:srgbClr val="000066"/>
@@ -8110,18 +8120,18 @@
                 <a:ea typeface="微軟正黑體" pitchFamily="34" charset="-120"/>
                 <a:cs typeface="Calibri" panose="020F0502020204030204" pitchFamily="34" charset="0"/>
               </a:rPr>
-              <a:t> </a:t>
-            </a:r>
-            <a:r>
-              <a:rPr lang="en-US" sz="3600" b="1" dirty="0" err="1">
-                <a:solidFill>
-                  <a:srgbClr val="000066"/>
-                </a:solidFill>
-                <a:latin typeface="Calibri" panose="020F0502020204030204" pitchFamily="34" charset="0"/>
-                <a:ea typeface="微軟正黑體" pitchFamily="34" charset="-120"/>
-                <a:cs typeface="Calibri" panose="020F0502020204030204" pitchFamily="34" charset="0"/>
-              </a:rPr>
-              <a:t>đến</a:t>
+              <a:t>Mau </a:t>
+            </a:r>
+            <a:r>
+              <a:rPr lang="en-US" sz="3600" b="1" dirty="0" err="1">
+                <a:solidFill>
+                  <a:srgbClr val="000066"/>
+                </a:solidFill>
+                <a:latin typeface="Calibri" panose="020F0502020204030204" pitchFamily="34" charset="0"/>
+                <a:ea typeface="微軟正黑體" pitchFamily="34" charset="-120"/>
+                <a:cs typeface="Calibri" panose="020F0502020204030204" pitchFamily="34" charset="0"/>
+              </a:rPr>
+              <a:t>rao</a:t>
             </a:r>
             <a:r>
               <a:rPr lang="en-US" sz="3600" b="1" dirty="0">
@@ -8143,7 +8153,7 @@
                 <a:ea typeface="微軟正黑體" pitchFamily="34" charset="-120"/>
                 <a:cs typeface="Calibri" panose="020F0502020204030204" pitchFamily="34" charset="0"/>
               </a:rPr>
-              <a:t>gặp</a:t>
+              <a:t>truyền</a:t>
             </a:r>
             <a:r>
               <a:rPr lang="en-US" sz="3600" b="1" dirty="0">
@@ -8154,18 +8164,18 @@
                 <a:ea typeface="微軟正黑體" pitchFamily="34" charset="-120"/>
                 <a:cs typeface="Calibri" panose="020F0502020204030204" pitchFamily="34" charset="0"/>
               </a:rPr>
-              <a:t> Con </a:t>
-            </a:r>
-            <a:r>
-              <a:rPr lang="en-US" sz="3600" b="1" dirty="0" err="1">
-                <a:solidFill>
-                  <a:srgbClr val="000066"/>
-                </a:solidFill>
-                <a:latin typeface="Calibri" panose="020F0502020204030204" pitchFamily="34" charset="0"/>
-                <a:ea typeface="微軟正黑體" pitchFamily="34" charset="-120"/>
-                <a:cs typeface="Calibri" panose="020F0502020204030204" pitchFamily="34" charset="0"/>
-              </a:rPr>
-              <a:t>Trẻ</a:t>
+              <a:t> </a:t>
+            </a:r>
+            <a:r>
+              <a:rPr lang="en-US" sz="3600" b="1" dirty="0" err="1">
+                <a:solidFill>
+                  <a:srgbClr val="000066"/>
+                </a:solidFill>
+                <a:latin typeface="Calibri" panose="020F0502020204030204" pitchFamily="34" charset="0"/>
+                <a:ea typeface="微軟正黑體" pitchFamily="34" charset="-120"/>
+                <a:cs typeface="Calibri" panose="020F0502020204030204" pitchFamily="34" charset="0"/>
+              </a:rPr>
+              <a:t>danh</a:t>
             </a:r>
             <a:r>
               <a:rPr lang="en-US" sz="3600" b="1" dirty="0">
@@ -8187,7 +8197,7 @@
                 <a:ea typeface="微軟正黑體" pitchFamily="34" charset="-120"/>
                 <a:cs typeface="Calibri" panose="020F0502020204030204" pitchFamily="34" charset="0"/>
               </a:rPr>
-              <a:t>Thánh</a:t>
+              <a:t>Chúa</a:t>
             </a:r>
             <a:r>
               <a:rPr lang="en-US" sz="3600" b="1" dirty="0">
@@ -8209,7 +8219,7 @@
                 <a:ea typeface="微軟正黑體" pitchFamily="34" charset="-120"/>
                 <a:cs typeface="Calibri" panose="020F0502020204030204" pitchFamily="34" charset="0"/>
               </a:rPr>
-              <a:t>là</a:t>
+              <a:t>và</a:t>
             </a:r>
             <a:r>
               <a:rPr lang="en-US" sz="3600" b="1" dirty="0">
@@ -8220,18 +8230,18 @@
                 <a:ea typeface="微軟正黑體" pitchFamily="34" charset="-120"/>
                 <a:cs typeface="Calibri" panose="020F0502020204030204" pitchFamily="34" charset="0"/>
               </a:rPr>
-              <a:t> </a:t>
-            </a:r>
-            <a:r>
-              <a:rPr lang="en-US" sz="3600" b="1" dirty="0" err="1">
-                <a:solidFill>
-                  <a:srgbClr val="000066"/>
-                </a:solidFill>
-                <a:latin typeface="Calibri" panose="020F0502020204030204" pitchFamily="34" charset="0"/>
-                <a:ea typeface="微軟正黑體" pitchFamily="34" charset="-120"/>
-                <a:cs typeface="Calibri" panose="020F0502020204030204" pitchFamily="34" charset="0"/>
-              </a:rPr>
-              <a:t>Cứu</a:t>
+              <a:t> chia </a:t>
+            </a:r>
+            <a:r>
+              <a:rPr lang="en-US" sz="3600" b="1" dirty="0" err="1">
+                <a:solidFill>
+                  <a:srgbClr val="000066"/>
+                </a:solidFill>
+                <a:latin typeface="Calibri" panose="020F0502020204030204" pitchFamily="34" charset="0"/>
+                <a:ea typeface="微軟正黑體" pitchFamily="34" charset="-120"/>
+                <a:cs typeface="Calibri" panose="020F0502020204030204" pitchFamily="34" charset="0"/>
+              </a:rPr>
+              <a:t>sẽ</a:t>
             </a:r>
             <a:r>
               <a:rPr lang="en-US" sz="3600" b="1" dirty="0">
@@ -8253,7 +8263,7 @@
                 <a:ea typeface="微軟正黑體" pitchFamily="34" charset="-120"/>
                 <a:cs typeface="Calibri" panose="020F0502020204030204" pitchFamily="34" charset="0"/>
               </a:rPr>
-              <a:t>Chúa</a:t>
+              <a:t>tình</a:t>
             </a:r>
             <a:r>
               <a:rPr lang="en-US" sz="3600" b="1" dirty="0">
@@ -8275,7 +8285,7 @@
                 <a:ea typeface="微軟正黑體" pitchFamily="34" charset="-120"/>
                 <a:cs typeface="Calibri" panose="020F0502020204030204" pitchFamily="34" charset="0"/>
               </a:rPr>
-              <a:t>của</a:t>
+              <a:t>yêu</a:t>
             </a:r>
             <a:r>
               <a:rPr lang="en-US" sz="3600" b="1" dirty="0">
@@ -8297,29 +8307,7 @@
                 <a:ea typeface="微軟正黑體" pitchFamily="34" charset="-120"/>
                 <a:cs typeface="Calibri" panose="020F0502020204030204" pitchFamily="34" charset="0"/>
               </a:rPr>
-              <a:t>nhân</a:t>
-            </a:r>
-            <a:r>
-              <a:rPr lang="en-US" sz="3600" b="1" dirty="0">
-                <a:solidFill>
-                  <a:srgbClr val="000066"/>
-                </a:solidFill>
-                <a:latin typeface="Calibri" panose="020F0502020204030204" pitchFamily="34" charset="0"/>
-                <a:ea typeface="微軟正黑體" pitchFamily="34" charset="-120"/>
-                <a:cs typeface="Calibri" panose="020F0502020204030204" pitchFamily="34" charset="0"/>
-              </a:rPr>
-              <a:t> </a:t>
-            </a:r>
-            <a:r>
-              <a:rPr lang="en-US" sz="3600" b="1" dirty="0" err="1">
-                <a:solidFill>
-                  <a:srgbClr val="000066"/>
-                </a:solidFill>
-                <a:latin typeface="Calibri" panose="020F0502020204030204" pitchFamily="34" charset="0"/>
-                <a:ea typeface="微軟正黑體" pitchFamily="34" charset="-120"/>
-                <a:cs typeface="Calibri" panose="020F0502020204030204" pitchFamily="34" charset="0"/>
-              </a:rPr>
-              <a:t>loại</a:t>
+              <a:t>Ngài</a:t>
             </a:r>
             <a:endParaRPr lang="en-US" sz="3600" b="1" dirty="0">
               <a:solidFill>
@@ -8335,7 +8323,7 @@
     </p:spTree>
     <p:extLst>
       <p:ext uri="{BB962C8B-B14F-4D97-AF65-F5344CB8AC3E}">
-        <p14:creationId xmlns:p14="http://schemas.microsoft.com/office/powerpoint/2010/main" val="1497329718"/>
+        <p14:creationId xmlns:p14="http://schemas.microsoft.com/office/powerpoint/2010/main" val="1290025472"/>
       </p:ext>
     </p:extLst>
   </p:cSld>
@@ -8374,7 +8362,7 @@
         </p:nvSpPr>
         <p:spPr>
           <a:xfrm>
-            <a:off x="0" y="2167981"/>
+            <a:off x="0" y="2167982"/>
             <a:ext cx="12192000" cy="1318225"/>
           </a:xfrm>
         </p:spPr>
@@ -8388,44 +8376,14 @@
               <a:buNone/>
             </a:pPr>
             <a:r>
-              <a:rPr lang="zh-TW" altLang="en-US" sz="6400" b="1" dirty="0" smtClean="0">
+              <a:rPr lang="zh-TW" altLang="en-US" sz="6400" b="1" dirty="0">
                 <a:solidFill>
                   <a:srgbClr val="660033"/>
                 </a:solidFill>
                 <a:latin typeface="微軟正黑體" pitchFamily="34" charset="-120"/>
                 <a:ea typeface="微軟正黑體" pitchFamily="34" charset="-120"/>
               </a:rPr>
-              <a:t>來</a:t>
-            </a:r>
-            <a:r>
-              <a:rPr lang="zh-TW" altLang="en-US" sz="6400" b="1" dirty="0">
-                <a:solidFill>
-                  <a:srgbClr val="660033"/>
-                </a:solidFill>
-                <a:latin typeface="微軟正黑體" pitchFamily="34" charset="-120"/>
-                <a:ea typeface="微軟正黑體" pitchFamily="34" charset="-120"/>
-              </a:rPr>
-              <a:t>到馬槽</a:t>
-            </a:r>
-            <a:r>
-              <a:rPr lang="zh-TW" altLang="en-US" sz="6400" b="1" dirty="0" smtClean="0">
-                <a:solidFill>
-                  <a:srgbClr val="660033"/>
-                </a:solidFill>
-                <a:latin typeface="微軟正黑體" pitchFamily="34" charset="-120"/>
-                <a:ea typeface="微軟正黑體" pitchFamily="34" charset="-120"/>
-              </a:rPr>
-              <a:t>前  見</a:t>
-            </a:r>
-            <a:r>
-              <a:rPr lang="zh-TW" altLang="en-US" sz="6400" b="1" dirty="0">
-                <a:solidFill>
-                  <a:srgbClr val="660033"/>
-                </a:solidFill>
-                <a:latin typeface="微軟正黑體" pitchFamily="34" charset="-120"/>
-                <a:ea typeface="微軟正黑體" pitchFamily="34" charset="-120"/>
-              </a:rPr>
-              <a:t>主耶穌</a:t>
+              <a:t>來到馬槽前  見主耶穌</a:t>
             </a:r>
             <a:endParaRPr lang="en-US" altLang="zh-CN" sz="6400" b="1" dirty="0">
               <a:solidFill>
@@ -8447,7 +8405,7 @@
         </p:nvSpPr>
         <p:spPr>
           <a:xfrm>
-            <a:off x="0" y="3117530"/>
+            <a:off x="0" y="3117532"/>
             <a:ext cx="12192000" cy="1318225"/>
           </a:xfrm>
           <a:prstGeom prst="rect">
@@ -8600,7 +8558,7 @@
               <a:buNone/>
             </a:pPr>
             <a:r>
-              <a:rPr lang="en-US" sz="4000" b="1" dirty="0" err="1" smtClean="0">
+              <a:rPr lang="en-US" sz="4000" b="1" dirty="0" err="1">
                 <a:solidFill>
                   <a:srgbClr val="000066"/>
                 </a:solidFill>
@@ -8611,7 +8569,7 @@
               <a:t>Đến</a:t>
             </a:r>
             <a:r>
-              <a:rPr lang="en-US" sz="4000" b="1" dirty="0" smtClean="0">
+              <a:rPr lang="en-US" sz="4000" b="1" dirty="0">
                 <a:solidFill>
                   <a:srgbClr val="000066"/>
                 </a:solidFill>
@@ -8801,6 +8759,920 @@
     <p:extLst>
       <p:ext uri="{BB962C8B-B14F-4D97-AF65-F5344CB8AC3E}">
         <p14:creationId xmlns:p14="http://schemas.microsoft.com/office/powerpoint/2010/main" val="3582388405"/>
+      </p:ext>
+    </p:extLst>
+  </p:cSld>
+  <p:clrMapOvr>
+    <a:masterClrMapping/>
+  </p:clrMapOvr>
+</p:sld>
+</file>
+
+<file path=ppt/slides/slide20.xml><?xml version="1.0" encoding="utf-8"?>
+<p:sld xmlns:a="http://schemas.openxmlformats.org/drawingml/2006/main" xmlns:r="http://schemas.openxmlformats.org/officeDocument/2006/relationships" xmlns:p="http://schemas.openxmlformats.org/presentationml/2006/main">
+  <p:cSld>
+    <p:spTree>
+      <p:nvGrpSpPr>
+        <p:cNvPr id="1" name=""/>
+        <p:cNvGrpSpPr/>
+        <p:nvPr/>
+      </p:nvGrpSpPr>
+      <p:grpSpPr>
+        <a:xfrm>
+          <a:off x="0" y="0"/>
+          <a:ext cx="0" cy="0"/>
+          <a:chOff x="0" y="0"/>
+          <a:chExt cx="0" cy="0"/>
+        </a:xfrm>
+      </p:grpSpPr>
+      <p:sp>
+        <p:nvSpPr>
+          <p:cNvPr id="5" name="內容版面配置區 4"/>
+          <p:cNvSpPr>
+            <a:spLocks noGrp="1"/>
+          </p:cNvSpPr>
+          <p:nvPr>
+            <p:ph idx="1"/>
+          </p:nvPr>
+        </p:nvSpPr>
+        <p:spPr>
+          <a:xfrm>
+            <a:off x="0" y="2167982"/>
+            <a:ext cx="12192000" cy="1318225"/>
+          </a:xfrm>
+        </p:spPr>
+        <p:txBody>
+          <a:bodyPr anchor="ctr">
+            <a:normAutofit/>
+          </a:bodyPr>
+          <a:lstStyle/>
+          <a:p>
+            <a:pPr algn="ctr">
+              <a:buNone/>
+            </a:pPr>
+            <a:r>
+              <a:rPr lang="zh-TW" altLang="en-US" sz="6400" b="1" dirty="0">
+                <a:solidFill>
+                  <a:srgbClr val="660033"/>
+                </a:solidFill>
+                <a:latin typeface="微軟正黑體" pitchFamily="34" charset="-120"/>
+                <a:ea typeface="微軟正黑體" pitchFamily="34" charset="-120"/>
+              </a:rPr>
+              <a:t>來到馬槽前  見主耶穌</a:t>
+            </a:r>
+            <a:endParaRPr lang="en-US" altLang="zh-CN" sz="6400" b="1" dirty="0">
+              <a:solidFill>
+                <a:srgbClr val="660033"/>
+              </a:solidFill>
+              <a:latin typeface="微軟正黑體" pitchFamily="34" charset="-120"/>
+              <a:ea typeface="微軟正黑體" pitchFamily="34" charset="-120"/>
+            </a:endParaRPr>
+          </a:p>
+        </p:txBody>
+      </p:sp>
+      <p:sp>
+        <p:nvSpPr>
+          <p:cNvPr id="3" name="內容版面配置區 4"/>
+          <p:cNvSpPr txBox="1">
+            <a:spLocks/>
+          </p:cNvSpPr>
+          <p:nvPr/>
+        </p:nvSpPr>
+        <p:spPr>
+          <a:xfrm>
+            <a:off x="0" y="3117532"/>
+            <a:ext cx="12192000" cy="1318225"/>
+          </a:xfrm>
+          <a:prstGeom prst="rect">
+            <a:avLst/>
+          </a:prstGeom>
+        </p:spPr>
+        <p:txBody>
+          <a:bodyPr vert="horz" lIns="91440" tIns="45720" rIns="91440" bIns="45720" rtlCol="0" anchor="ctr">
+            <a:normAutofit/>
+          </a:bodyPr>
+          <a:lstStyle>
+            <a:lvl1pPr marL="457189" indent="-457189" algn="l" defTabSz="1219170" rtl="0" eaLnBrk="1" latinLnBrk="0" hangingPunct="1">
+              <a:spcBef>
+                <a:spcPct val="20000"/>
+              </a:spcBef>
+              <a:buFont typeface="Arial" pitchFamily="34" charset="0"/>
+              <a:buChar char="•"/>
+              <a:defRPr sz="4267" kern="1200">
+                <a:solidFill>
+                  <a:schemeClr val="tx1"/>
+                </a:solidFill>
+                <a:latin typeface="+mn-lt"/>
+                <a:ea typeface="+mn-ea"/>
+                <a:cs typeface="+mn-cs"/>
+              </a:defRPr>
+            </a:lvl1pPr>
+            <a:lvl2pPr marL="990575" indent="-380990" algn="l" defTabSz="1219170" rtl="0" eaLnBrk="1" latinLnBrk="0" hangingPunct="1">
+              <a:spcBef>
+                <a:spcPct val="20000"/>
+              </a:spcBef>
+              <a:buFont typeface="Arial" pitchFamily="34" charset="0"/>
+              <a:buChar char="–"/>
+              <a:defRPr sz="3733" kern="1200">
+                <a:solidFill>
+                  <a:schemeClr val="tx1"/>
+                </a:solidFill>
+                <a:latin typeface="+mn-lt"/>
+                <a:ea typeface="+mn-ea"/>
+                <a:cs typeface="+mn-cs"/>
+              </a:defRPr>
+            </a:lvl2pPr>
+            <a:lvl3pPr marL="1523962" indent="-304792" algn="l" defTabSz="1219170" rtl="0" eaLnBrk="1" latinLnBrk="0" hangingPunct="1">
+              <a:spcBef>
+                <a:spcPct val="20000"/>
+              </a:spcBef>
+              <a:buFont typeface="Arial" pitchFamily="34" charset="0"/>
+              <a:buChar char="•"/>
+              <a:defRPr sz="3200" kern="1200">
+                <a:solidFill>
+                  <a:schemeClr val="tx1"/>
+                </a:solidFill>
+                <a:latin typeface="+mn-lt"/>
+                <a:ea typeface="+mn-ea"/>
+                <a:cs typeface="+mn-cs"/>
+              </a:defRPr>
+            </a:lvl3pPr>
+            <a:lvl4pPr marL="2133547" indent="-304792" algn="l" defTabSz="1219170" rtl="0" eaLnBrk="1" latinLnBrk="0" hangingPunct="1">
+              <a:spcBef>
+                <a:spcPct val="20000"/>
+              </a:spcBef>
+              <a:buFont typeface="Arial" pitchFamily="34" charset="0"/>
+              <a:buChar char="–"/>
+              <a:defRPr sz="2667" kern="1200">
+                <a:solidFill>
+                  <a:schemeClr val="tx1"/>
+                </a:solidFill>
+                <a:latin typeface="+mn-lt"/>
+                <a:ea typeface="+mn-ea"/>
+                <a:cs typeface="+mn-cs"/>
+              </a:defRPr>
+            </a:lvl4pPr>
+            <a:lvl5pPr marL="2743131" indent="-304792" algn="l" defTabSz="1219170" rtl="0" eaLnBrk="1" latinLnBrk="0" hangingPunct="1">
+              <a:spcBef>
+                <a:spcPct val="20000"/>
+              </a:spcBef>
+              <a:buFont typeface="Arial" pitchFamily="34" charset="0"/>
+              <a:buChar char="»"/>
+              <a:defRPr sz="2667" kern="1200">
+                <a:solidFill>
+                  <a:schemeClr val="tx1"/>
+                </a:solidFill>
+                <a:latin typeface="+mn-lt"/>
+                <a:ea typeface="+mn-ea"/>
+                <a:cs typeface="+mn-cs"/>
+              </a:defRPr>
+            </a:lvl5pPr>
+            <a:lvl6pPr marL="3352716" indent="-304792" algn="l" defTabSz="1219170" rtl="0" eaLnBrk="1" latinLnBrk="0" hangingPunct="1">
+              <a:spcBef>
+                <a:spcPct val="20000"/>
+              </a:spcBef>
+              <a:buFont typeface="Arial" pitchFamily="34" charset="0"/>
+              <a:buChar char="•"/>
+              <a:defRPr sz="2667" kern="1200">
+                <a:solidFill>
+                  <a:schemeClr val="tx1"/>
+                </a:solidFill>
+                <a:latin typeface="+mn-lt"/>
+                <a:ea typeface="+mn-ea"/>
+                <a:cs typeface="+mn-cs"/>
+              </a:defRPr>
+            </a:lvl6pPr>
+            <a:lvl7pPr marL="3962301" indent="-304792" algn="l" defTabSz="1219170" rtl="0" eaLnBrk="1" latinLnBrk="0" hangingPunct="1">
+              <a:spcBef>
+                <a:spcPct val="20000"/>
+              </a:spcBef>
+              <a:buFont typeface="Arial" pitchFamily="34" charset="0"/>
+              <a:buChar char="•"/>
+              <a:defRPr sz="2667" kern="1200">
+                <a:solidFill>
+                  <a:schemeClr val="tx1"/>
+                </a:solidFill>
+                <a:latin typeface="+mn-lt"/>
+                <a:ea typeface="+mn-ea"/>
+                <a:cs typeface="+mn-cs"/>
+              </a:defRPr>
+            </a:lvl7pPr>
+            <a:lvl8pPr marL="4571886" indent="-304792" algn="l" defTabSz="1219170" rtl="0" eaLnBrk="1" latinLnBrk="0" hangingPunct="1">
+              <a:spcBef>
+                <a:spcPct val="20000"/>
+              </a:spcBef>
+              <a:buFont typeface="Arial" pitchFamily="34" charset="0"/>
+              <a:buChar char="•"/>
+              <a:defRPr sz="2667" kern="1200">
+                <a:solidFill>
+                  <a:schemeClr val="tx1"/>
+                </a:solidFill>
+                <a:latin typeface="+mn-lt"/>
+                <a:ea typeface="+mn-ea"/>
+                <a:cs typeface="+mn-cs"/>
+              </a:defRPr>
+            </a:lvl8pPr>
+            <a:lvl9pPr marL="5181470" indent="-304792" algn="l" defTabSz="1219170" rtl="0" eaLnBrk="1" latinLnBrk="0" hangingPunct="1">
+              <a:spcBef>
+                <a:spcPct val="20000"/>
+              </a:spcBef>
+              <a:buFont typeface="Arial" pitchFamily="34" charset="0"/>
+              <a:buChar char="•"/>
+              <a:defRPr sz="2667" kern="1200">
+                <a:solidFill>
+                  <a:schemeClr val="tx1"/>
+                </a:solidFill>
+                <a:latin typeface="+mn-lt"/>
+                <a:ea typeface="+mn-ea"/>
+                <a:cs typeface="+mn-cs"/>
+              </a:defRPr>
+            </a:lvl9pPr>
+          </a:lstStyle>
+          <a:p>
+            <a:pPr marL="0" indent="0" algn="ctr">
+              <a:buNone/>
+            </a:pPr>
+            <a:r>
+              <a:rPr lang="en-US" sz="3600" b="1" dirty="0" err="1">
+                <a:solidFill>
+                  <a:srgbClr val="000066"/>
+                </a:solidFill>
+                <a:latin typeface="Calibri" panose="020F0502020204030204" pitchFamily="34" charset="0"/>
+                <a:ea typeface="微軟正黑體" pitchFamily="34" charset="-120"/>
+                <a:cs typeface="Calibri" panose="020F0502020204030204" pitchFamily="34" charset="0"/>
+              </a:rPr>
+              <a:t>Đến</a:t>
+            </a:r>
+            <a:r>
+              <a:rPr lang="en-US" sz="3600" b="1" dirty="0">
+                <a:solidFill>
+                  <a:srgbClr val="000066"/>
+                </a:solidFill>
+                <a:latin typeface="Calibri" panose="020F0502020204030204" pitchFamily="34" charset="0"/>
+                <a:ea typeface="微軟正黑體" pitchFamily="34" charset="-120"/>
+                <a:cs typeface="Calibri" panose="020F0502020204030204" pitchFamily="34" charset="0"/>
+              </a:rPr>
+              <a:t> </a:t>
+            </a:r>
+            <a:r>
+              <a:rPr lang="en-US" sz="3600" b="1" dirty="0" err="1">
+                <a:solidFill>
+                  <a:srgbClr val="000066"/>
+                </a:solidFill>
+                <a:latin typeface="Calibri" panose="020F0502020204030204" pitchFamily="34" charset="0"/>
+                <a:ea typeface="微軟正黑體" pitchFamily="34" charset="-120"/>
+                <a:cs typeface="Calibri" panose="020F0502020204030204" pitchFamily="34" charset="0"/>
+              </a:rPr>
+              <a:t>trước</a:t>
+            </a:r>
+            <a:r>
+              <a:rPr lang="en-US" sz="3600" b="1" dirty="0">
+                <a:solidFill>
+                  <a:srgbClr val="000066"/>
+                </a:solidFill>
+                <a:latin typeface="Calibri" panose="020F0502020204030204" pitchFamily="34" charset="0"/>
+                <a:ea typeface="微軟正黑體" pitchFamily="34" charset="-120"/>
+                <a:cs typeface="Calibri" panose="020F0502020204030204" pitchFamily="34" charset="0"/>
+              </a:rPr>
+              <a:t> </a:t>
+            </a:r>
+            <a:r>
+              <a:rPr lang="en-US" sz="3600" b="1" dirty="0" err="1">
+                <a:solidFill>
+                  <a:srgbClr val="000066"/>
+                </a:solidFill>
+                <a:latin typeface="Calibri" panose="020F0502020204030204" pitchFamily="34" charset="0"/>
+                <a:ea typeface="微軟正黑體" pitchFamily="34" charset="-120"/>
+                <a:cs typeface="Calibri" panose="020F0502020204030204" pitchFamily="34" charset="0"/>
+              </a:rPr>
+              <a:t>nơi</a:t>
+            </a:r>
+            <a:r>
+              <a:rPr lang="en-US" sz="3600" b="1" dirty="0">
+                <a:solidFill>
+                  <a:srgbClr val="000066"/>
+                </a:solidFill>
+                <a:latin typeface="Calibri" panose="020F0502020204030204" pitchFamily="34" charset="0"/>
+                <a:ea typeface="微軟正黑體" pitchFamily="34" charset="-120"/>
+                <a:cs typeface="Calibri" panose="020F0502020204030204" pitchFamily="34" charset="0"/>
+              </a:rPr>
+              <a:t> </a:t>
+            </a:r>
+            <a:r>
+              <a:rPr lang="en-US" sz="3600" b="1" dirty="0" err="1">
+                <a:solidFill>
+                  <a:srgbClr val="000066"/>
+                </a:solidFill>
+                <a:latin typeface="Calibri" panose="020F0502020204030204" pitchFamily="34" charset="0"/>
+                <a:ea typeface="微軟正黑體" pitchFamily="34" charset="-120"/>
+                <a:cs typeface="Calibri" panose="020F0502020204030204" pitchFamily="34" charset="0"/>
+              </a:rPr>
+              <a:t>máng</a:t>
+            </a:r>
+            <a:r>
+              <a:rPr lang="en-US" sz="3600" b="1" dirty="0">
+                <a:solidFill>
+                  <a:srgbClr val="000066"/>
+                </a:solidFill>
+                <a:latin typeface="Calibri" panose="020F0502020204030204" pitchFamily="34" charset="0"/>
+                <a:ea typeface="微軟正黑體" pitchFamily="34" charset="-120"/>
+                <a:cs typeface="Calibri" panose="020F0502020204030204" pitchFamily="34" charset="0"/>
+              </a:rPr>
+              <a:t> </a:t>
+            </a:r>
+            <a:r>
+              <a:rPr lang="en-US" sz="3600" b="1" dirty="0" err="1">
+                <a:solidFill>
+                  <a:srgbClr val="000066"/>
+                </a:solidFill>
+                <a:latin typeface="Calibri" panose="020F0502020204030204" pitchFamily="34" charset="0"/>
+                <a:ea typeface="微軟正黑體" pitchFamily="34" charset="-120"/>
+                <a:cs typeface="Calibri" panose="020F0502020204030204" pitchFamily="34" charset="0"/>
+              </a:rPr>
+              <a:t>cỏ</a:t>
+            </a:r>
+            <a:r>
+              <a:rPr lang="en-US" sz="3600" b="1" dirty="0">
+                <a:solidFill>
+                  <a:srgbClr val="000066"/>
+                </a:solidFill>
+                <a:latin typeface="Calibri" panose="020F0502020204030204" pitchFamily="34" charset="0"/>
+                <a:ea typeface="微軟正黑體" pitchFamily="34" charset="-120"/>
+                <a:cs typeface="Calibri" panose="020F0502020204030204" pitchFamily="34" charset="0"/>
+              </a:rPr>
+              <a:t> , </a:t>
+            </a:r>
+            <a:r>
+              <a:rPr lang="en-US" sz="3600" b="1" dirty="0" err="1">
+                <a:solidFill>
+                  <a:srgbClr val="000066"/>
+                </a:solidFill>
+                <a:latin typeface="Calibri" panose="020F0502020204030204" pitchFamily="34" charset="0"/>
+                <a:ea typeface="微軟正黑體" pitchFamily="34" charset="-120"/>
+                <a:cs typeface="Calibri" panose="020F0502020204030204" pitchFamily="34" charset="0"/>
+              </a:rPr>
+              <a:t>nhìn</a:t>
+            </a:r>
+            <a:r>
+              <a:rPr lang="en-US" sz="3600" b="1" dirty="0">
+                <a:solidFill>
+                  <a:srgbClr val="000066"/>
+                </a:solidFill>
+                <a:latin typeface="Calibri" panose="020F0502020204030204" pitchFamily="34" charset="0"/>
+                <a:ea typeface="微軟正黑體" pitchFamily="34" charset="-120"/>
+                <a:cs typeface="Calibri" panose="020F0502020204030204" pitchFamily="34" charset="0"/>
+              </a:rPr>
+              <a:t> </a:t>
+            </a:r>
+            <a:r>
+              <a:rPr lang="en-US" sz="3600" b="1" dirty="0" err="1">
+                <a:solidFill>
+                  <a:srgbClr val="000066"/>
+                </a:solidFill>
+                <a:latin typeface="Calibri" panose="020F0502020204030204" pitchFamily="34" charset="0"/>
+                <a:ea typeface="微軟正黑體" pitchFamily="34" charset="-120"/>
+                <a:cs typeface="Calibri" panose="020F0502020204030204" pitchFamily="34" charset="0"/>
+              </a:rPr>
+              <a:t>thấy</a:t>
+            </a:r>
+            <a:r>
+              <a:rPr lang="en-US" sz="3600" b="1" dirty="0">
+                <a:solidFill>
+                  <a:srgbClr val="000066"/>
+                </a:solidFill>
+                <a:latin typeface="Calibri" panose="020F0502020204030204" pitchFamily="34" charset="0"/>
+                <a:ea typeface="微軟正黑體" pitchFamily="34" charset="-120"/>
+                <a:cs typeface="Calibri" panose="020F0502020204030204" pitchFamily="34" charset="0"/>
+              </a:rPr>
+              <a:t> </a:t>
+            </a:r>
+            <a:r>
+              <a:rPr lang="en-US" sz="3600" b="1" dirty="0" err="1">
+                <a:solidFill>
+                  <a:srgbClr val="000066"/>
+                </a:solidFill>
+                <a:latin typeface="Calibri" panose="020F0502020204030204" pitchFamily="34" charset="0"/>
+                <a:ea typeface="微軟正黑體" pitchFamily="34" charset="-120"/>
+                <a:cs typeface="Calibri" panose="020F0502020204030204" pitchFamily="34" charset="0"/>
+              </a:rPr>
+              <a:t>Chúa</a:t>
+            </a:r>
+            <a:r>
+              <a:rPr lang="en-US" sz="3600" b="1" dirty="0">
+                <a:solidFill>
+                  <a:srgbClr val="000066"/>
+                </a:solidFill>
+                <a:latin typeface="Calibri" panose="020F0502020204030204" pitchFamily="34" charset="0"/>
+                <a:ea typeface="微軟正黑體" pitchFamily="34" charset="-120"/>
+                <a:cs typeface="Calibri" panose="020F0502020204030204" pitchFamily="34" charset="0"/>
+              </a:rPr>
+              <a:t> </a:t>
+            </a:r>
+            <a:r>
+              <a:rPr lang="en-US" sz="3600" b="1" dirty="0" err="1">
+                <a:solidFill>
+                  <a:srgbClr val="000066"/>
+                </a:solidFill>
+                <a:latin typeface="Calibri" panose="020F0502020204030204" pitchFamily="34" charset="0"/>
+                <a:ea typeface="微軟正黑體" pitchFamily="34" charset="-120"/>
+                <a:cs typeface="Calibri" panose="020F0502020204030204" pitchFamily="34" charset="0"/>
+              </a:rPr>
+              <a:t>Giê-su</a:t>
+            </a:r>
+            <a:endParaRPr lang="en-US" sz="3600" b="1" dirty="0">
+              <a:solidFill>
+                <a:srgbClr val="000066"/>
+              </a:solidFill>
+              <a:latin typeface="Calibri" panose="020F0502020204030204" pitchFamily="34" charset="0"/>
+              <a:ea typeface="微軟正黑體" pitchFamily="34" charset="-120"/>
+              <a:cs typeface="Calibri" panose="020F0502020204030204" pitchFamily="34" charset="0"/>
+            </a:endParaRPr>
+          </a:p>
+        </p:txBody>
+      </p:sp>
+    </p:spTree>
+    <p:extLst>
+      <p:ext uri="{BB962C8B-B14F-4D97-AF65-F5344CB8AC3E}">
+        <p14:creationId xmlns:p14="http://schemas.microsoft.com/office/powerpoint/2010/main" val="3988498601"/>
+      </p:ext>
+    </p:extLst>
+  </p:cSld>
+  <p:clrMapOvr>
+    <a:masterClrMapping/>
+  </p:clrMapOvr>
+</p:sld>
+</file>
+
+<file path=ppt/slides/slide21.xml><?xml version="1.0" encoding="utf-8"?>
+<p:sld xmlns:a="http://schemas.openxmlformats.org/drawingml/2006/main" xmlns:r="http://schemas.openxmlformats.org/officeDocument/2006/relationships" xmlns:p="http://schemas.openxmlformats.org/presentationml/2006/main">
+  <p:cSld>
+    <p:spTree>
+      <p:nvGrpSpPr>
+        <p:cNvPr id="1" name=""/>
+        <p:cNvGrpSpPr/>
+        <p:nvPr/>
+      </p:nvGrpSpPr>
+      <p:grpSpPr>
+        <a:xfrm>
+          <a:off x="0" y="0"/>
+          <a:ext cx="0" cy="0"/>
+          <a:chOff x="0" y="0"/>
+          <a:chExt cx="0" cy="0"/>
+        </a:xfrm>
+      </p:grpSpPr>
+      <p:sp>
+        <p:nvSpPr>
+          <p:cNvPr id="5" name="內容版面配置區 4"/>
+          <p:cNvSpPr>
+            <a:spLocks noGrp="1"/>
+          </p:cNvSpPr>
+          <p:nvPr>
+            <p:ph idx="1"/>
+          </p:nvPr>
+        </p:nvSpPr>
+        <p:spPr>
+          <a:xfrm>
+            <a:off x="0" y="2167982"/>
+            <a:ext cx="12192000" cy="1318225"/>
+          </a:xfrm>
+        </p:spPr>
+        <p:txBody>
+          <a:bodyPr anchor="ctr">
+            <a:normAutofit/>
+          </a:bodyPr>
+          <a:lstStyle/>
+          <a:p>
+            <a:pPr algn="ctr">
+              <a:buNone/>
+            </a:pPr>
+            <a:r>
+              <a:rPr lang="zh-TW" altLang="en-US" sz="6400" b="1" dirty="0">
+                <a:solidFill>
+                  <a:srgbClr val="660033"/>
+                </a:solidFill>
+                <a:latin typeface="微軟正黑體" pitchFamily="34" charset="-120"/>
+                <a:ea typeface="微軟正黑體" pitchFamily="34" charset="-120"/>
+              </a:rPr>
+              <a:t>來見聖嬰孩  世人的救主</a:t>
+            </a:r>
+            <a:endParaRPr lang="en-US" altLang="zh-CN" sz="6400" b="1" dirty="0">
+              <a:solidFill>
+                <a:srgbClr val="660033"/>
+              </a:solidFill>
+              <a:latin typeface="微軟正黑體" pitchFamily="34" charset="-120"/>
+              <a:ea typeface="微軟正黑體" pitchFamily="34" charset="-120"/>
+            </a:endParaRPr>
+          </a:p>
+        </p:txBody>
+      </p:sp>
+      <p:sp>
+        <p:nvSpPr>
+          <p:cNvPr id="3" name="內容版面配置區 4"/>
+          <p:cNvSpPr txBox="1">
+            <a:spLocks/>
+          </p:cNvSpPr>
+          <p:nvPr/>
+        </p:nvSpPr>
+        <p:spPr>
+          <a:xfrm>
+            <a:off x="0" y="3117532"/>
+            <a:ext cx="12192000" cy="1318225"/>
+          </a:xfrm>
+          <a:prstGeom prst="rect">
+            <a:avLst/>
+          </a:prstGeom>
+        </p:spPr>
+        <p:txBody>
+          <a:bodyPr vert="horz" lIns="91440" tIns="45720" rIns="91440" bIns="45720" rtlCol="0" anchor="ctr">
+            <a:normAutofit/>
+          </a:bodyPr>
+          <a:lstStyle>
+            <a:lvl1pPr marL="457189" indent="-457189" algn="l" defTabSz="1219170" rtl="0" eaLnBrk="1" latinLnBrk="0" hangingPunct="1">
+              <a:spcBef>
+                <a:spcPct val="20000"/>
+              </a:spcBef>
+              <a:buFont typeface="Arial" pitchFamily="34" charset="0"/>
+              <a:buChar char="•"/>
+              <a:defRPr sz="4267" kern="1200">
+                <a:solidFill>
+                  <a:schemeClr val="tx1"/>
+                </a:solidFill>
+                <a:latin typeface="+mn-lt"/>
+                <a:ea typeface="+mn-ea"/>
+                <a:cs typeface="+mn-cs"/>
+              </a:defRPr>
+            </a:lvl1pPr>
+            <a:lvl2pPr marL="990575" indent="-380990" algn="l" defTabSz="1219170" rtl="0" eaLnBrk="1" latinLnBrk="0" hangingPunct="1">
+              <a:spcBef>
+                <a:spcPct val="20000"/>
+              </a:spcBef>
+              <a:buFont typeface="Arial" pitchFamily="34" charset="0"/>
+              <a:buChar char="–"/>
+              <a:defRPr sz="3733" kern="1200">
+                <a:solidFill>
+                  <a:schemeClr val="tx1"/>
+                </a:solidFill>
+                <a:latin typeface="+mn-lt"/>
+                <a:ea typeface="+mn-ea"/>
+                <a:cs typeface="+mn-cs"/>
+              </a:defRPr>
+            </a:lvl2pPr>
+            <a:lvl3pPr marL="1523962" indent="-304792" algn="l" defTabSz="1219170" rtl="0" eaLnBrk="1" latinLnBrk="0" hangingPunct="1">
+              <a:spcBef>
+                <a:spcPct val="20000"/>
+              </a:spcBef>
+              <a:buFont typeface="Arial" pitchFamily="34" charset="0"/>
+              <a:buChar char="•"/>
+              <a:defRPr sz="3200" kern="1200">
+                <a:solidFill>
+                  <a:schemeClr val="tx1"/>
+                </a:solidFill>
+                <a:latin typeface="+mn-lt"/>
+                <a:ea typeface="+mn-ea"/>
+                <a:cs typeface="+mn-cs"/>
+              </a:defRPr>
+            </a:lvl3pPr>
+            <a:lvl4pPr marL="2133547" indent="-304792" algn="l" defTabSz="1219170" rtl="0" eaLnBrk="1" latinLnBrk="0" hangingPunct="1">
+              <a:spcBef>
+                <a:spcPct val="20000"/>
+              </a:spcBef>
+              <a:buFont typeface="Arial" pitchFamily="34" charset="0"/>
+              <a:buChar char="–"/>
+              <a:defRPr sz="2667" kern="1200">
+                <a:solidFill>
+                  <a:schemeClr val="tx1"/>
+                </a:solidFill>
+                <a:latin typeface="+mn-lt"/>
+                <a:ea typeface="+mn-ea"/>
+                <a:cs typeface="+mn-cs"/>
+              </a:defRPr>
+            </a:lvl4pPr>
+            <a:lvl5pPr marL="2743131" indent="-304792" algn="l" defTabSz="1219170" rtl="0" eaLnBrk="1" latinLnBrk="0" hangingPunct="1">
+              <a:spcBef>
+                <a:spcPct val="20000"/>
+              </a:spcBef>
+              <a:buFont typeface="Arial" pitchFamily="34" charset="0"/>
+              <a:buChar char="»"/>
+              <a:defRPr sz="2667" kern="1200">
+                <a:solidFill>
+                  <a:schemeClr val="tx1"/>
+                </a:solidFill>
+                <a:latin typeface="+mn-lt"/>
+                <a:ea typeface="+mn-ea"/>
+                <a:cs typeface="+mn-cs"/>
+              </a:defRPr>
+            </a:lvl5pPr>
+            <a:lvl6pPr marL="3352716" indent="-304792" algn="l" defTabSz="1219170" rtl="0" eaLnBrk="1" latinLnBrk="0" hangingPunct="1">
+              <a:spcBef>
+                <a:spcPct val="20000"/>
+              </a:spcBef>
+              <a:buFont typeface="Arial" pitchFamily="34" charset="0"/>
+              <a:buChar char="•"/>
+              <a:defRPr sz="2667" kern="1200">
+                <a:solidFill>
+                  <a:schemeClr val="tx1"/>
+                </a:solidFill>
+                <a:latin typeface="+mn-lt"/>
+                <a:ea typeface="+mn-ea"/>
+                <a:cs typeface="+mn-cs"/>
+              </a:defRPr>
+            </a:lvl6pPr>
+            <a:lvl7pPr marL="3962301" indent="-304792" algn="l" defTabSz="1219170" rtl="0" eaLnBrk="1" latinLnBrk="0" hangingPunct="1">
+              <a:spcBef>
+                <a:spcPct val="20000"/>
+              </a:spcBef>
+              <a:buFont typeface="Arial" pitchFamily="34" charset="0"/>
+              <a:buChar char="•"/>
+              <a:defRPr sz="2667" kern="1200">
+                <a:solidFill>
+                  <a:schemeClr val="tx1"/>
+                </a:solidFill>
+                <a:latin typeface="+mn-lt"/>
+                <a:ea typeface="+mn-ea"/>
+                <a:cs typeface="+mn-cs"/>
+              </a:defRPr>
+            </a:lvl7pPr>
+            <a:lvl8pPr marL="4571886" indent="-304792" algn="l" defTabSz="1219170" rtl="0" eaLnBrk="1" latinLnBrk="0" hangingPunct="1">
+              <a:spcBef>
+                <a:spcPct val="20000"/>
+              </a:spcBef>
+              <a:buFont typeface="Arial" pitchFamily="34" charset="0"/>
+              <a:buChar char="•"/>
+              <a:defRPr sz="2667" kern="1200">
+                <a:solidFill>
+                  <a:schemeClr val="tx1"/>
+                </a:solidFill>
+                <a:latin typeface="+mn-lt"/>
+                <a:ea typeface="+mn-ea"/>
+                <a:cs typeface="+mn-cs"/>
+              </a:defRPr>
+            </a:lvl8pPr>
+            <a:lvl9pPr marL="5181470" indent="-304792" algn="l" defTabSz="1219170" rtl="0" eaLnBrk="1" latinLnBrk="0" hangingPunct="1">
+              <a:spcBef>
+                <a:spcPct val="20000"/>
+              </a:spcBef>
+              <a:buFont typeface="Arial" pitchFamily="34" charset="0"/>
+              <a:buChar char="•"/>
+              <a:defRPr sz="2667" kern="1200">
+                <a:solidFill>
+                  <a:schemeClr val="tx1"/>
+                </a:solidFill>
+                <a:latin typeface="+mn-lt"/>
+                <a:ea typeface="+mn-ea"/>
+                <a:cs typeface="+mn-cs"/>
+              </a:defRPr>
+            </a:lvl9pPr>
+          </a:lstStyle>
+          <a:p>
+            <a:pPr marL="0" indent="0" algn="ctr">
+              <a:buNone/>
+            </a:pPr>
+            <a:r>
+              <a:rPr lang="en-US" sz="3600" b="1" dirty="0" err="1">
+                <a:solidFill>
+                  <a:srgbClr val="000066"/>
+                </a:solidFill>
+                <a:latin typeface="Calibri" panose="020F0502020204030204" pitchFamily="34" charset="0"/>
+                <a:ea typeface="微軟正黑體" pitchFamily="34" charset="-120"/>
+                <a:cs typeface="Calibri" panose="020F0502020204030204" pitchFamily="34" charset="0"/>
+              </a:rPr>
+              <a:t>Hãy</a:t>
+            </a:r>
+            <a:r>
+              <a:rPr lang="en-US" sz="3600" b="1" dirty="0">
+                <a:solidFill>
+                  <a:srgbClr val="000066"/>
+                </a:solidFill>
+                <a:latin typeface="Calibri" panose="020F0502020204030204" pitchFamily="34" charset="0"/>
+                <a:ea typeface="微軟正黑體" pitchFamily="34" charset="-120"/>
+                <a:cs typeface="Calibri" panose="020F0502020204030204" pitchFamily="34" charset="0"/>
+              </a:rPr>
+              <a:t> </a:t>
+            </a:r>
+            <a:r>
+              <a:rPr lang="en-US" sz="3600" b="1" dirty="0" err="1">
+                <a:solidFill>
+                  <a:srgbClr val="000066"/>
+                </a:solidFill>
+                <a:latin typeface="Calibri" panose="020F0502020204030204" pitchFamily="34" charset="0"/>
+                <a:ea typeface="微軟正黑體" pitchFamily="34" charset="-120"/>
+                <a:cs typeface="Calibri" panose="020F0502020204030204" pitchFamily="34" charset="0"/>
+              </a:rPr>
+              <a:t>đến</a:t>
+            </a:r>
+            <a:r>
+              <a:rPr lang="en-US" sz="3600" b="1" dirty="0">
+                <a:solidFill>
+                  <a:srgbClr val="000066"/>
+                </a:solidFill>
+                <a:latin typeface="Calibri" panose="020F0502020204030204" pitchFamily="34" charset="0"/>
+                <a:ea typeface="微軟正黑體" pitchFamily="34" charset="-120"/>
+                <a:cs typeface="Calibri" panose="020F0502020204030204" pitchFamily="34" charset="0"/>
+              </a:rPr>
+              <a:t> </a:t>
+            </a:r>
+            <a:r>
+              <a:rPr lang="en-US" sz="3600" b="1" dirty="0" err="1">
+                <a:solidFill>
+                  <a:srgbClr val="000066"/>
+                </a:solidFill>
+                <a:latin typeface="Calibri" panose="020F0502020204030204" pitchFamily="34" charset="0"/>
+                <a:ea typeface="微軟正黑體" pitchFamily="34" charset="-120"/>
+                <a:cs typeface="Calibri" panose="020F0502020204030204" pitchFamily="34" charset="0"/>
+              </a:rPr>
+              <a:t>gặp</a:t>
+            </a:r>
+            <a:r>
+              <a:rPr lang="en-US" sz="3600" b="1" dirty="0">
+                <a:solidFill>
+                  <a:srgbClr val="000066"/>
+                </a:solidFill>
+                <a:latin typeface="Calibri" panose="020F0502020204030204" pitchFamily="34" charset="0"/>
+                <a:ea typeface="微軟正黑體" pitchFamily="34" charset="-120"/>
+                <a:cs typeface="Calibri" panose="020F0502020204030204" pitchFamily="34" charset="0"/>
+              </a:rPr>
+              <a:t> Con </a:t>
+            </a:r>
+            <a:r>
+              <a:rPr lang="en-US" sz="3600" b="1" dirty="0" err="1">
+                <a:solidFill>
+                  <a:srgbClr val="000066"/>
+                </a:solidFill>
+                <a:latin typeface="Calibri" panose="020F0502020204030204" pitchFamily="34" charset="0"/>
+                <a:ea typeface="微軟正黑體" pitchFamily="34" charset="-120"/>
+                <a:cs typeface="Calibri" panose="020F0502020204030204" pitchFamily="34" charset="0"/>
+              </a:rPr>
+              <a:t>Trẻ</a:t>
+            </a:r>
+            <a:r>
+              <a:rPr lang="en-US" sz="3600" b="1" dirty="0">
+                <a:solidFill>
+                  <a:srgbClr val="000066"/>
+                </a:solidFill>
+                <a:latin typeface="Calibri" panose="020F0502020204030204" pitchFamily="34" charset="0"/>
+                <a:ea typeface="微軟正黑體" pitchFamily="34" charset="-120"/>
+                <a:cs typeface="Calibri" panose="020F0502020204030204" pitchFamily="34" charset="0"/>
+              </a:rPr>
+              <a:t> </a:t>
+            </a:r>
+            <a:r>
+              <a:rPr lang="en-US" sz="3600" b="1" dirty="0" err="1">
+                <a:solidFill>
+                  <a:srgbClr val="000066"/>
+                </a:solidFill>
+                <a:latin typeface="Calibri" panose="020F0502020204030204" pitchFamily="34" charset="0"/>
+                <a:ea typeface="微軟正黑體" pitchFamily="34" charset="-120"/>
+                <a:cs typeface="Calibri" panose="020F0502020204030204" pitchFamily="34" charset="0"/>
+              </a:rPr>
+              <a:t>Thánh</a:t>
+            </a:r>
+            <a:r>
+              <a:rPr lang="en-US" sz="3600" b="1" dirty="0">
+                <a:solidFill>
+                  <a:srgbClr val="000066"/>
+                </a:solidFill>
+                <a:latin typeface="Calibri" panose="020F0502020204030204" pitchFamily="34" charset="0"/>
+                <a:ea typeface="微軟正黑體" pitchFamily="34" charset="-120"/>
+                <a:cs typeface="Calibri" panose="020F0502020204030204" pitchFamily="34" charset="0"/>
+              </a:rPr>
+              <a:t> </a:t>
+            </a:r>
+            <a:r>
+              <a:rPr lang="en-US" sz="3600" b="1" dirty="0" err="1">
+                <a:solidFill>
+                  <a:srgbClr val="000066"/>
+                </a:solidFill>
+                <a:latin typeface="Calibri" panose="020F0502020204030204" pitchFamily="34" charset="0"/>
+                <a:ea typeface="微軟正黑體" pitchFamily="34" charset="-120"/>
+                <a:cs typeface="Calibri" panose="020F0502020204030204" pitchFamily="34" charset="0"/>
+              </a:rPr>
+              <a:t>là</a:t>
+            </a:r>
+            <a:r>
+              <a:rPr lang="en-US" sz="3600" b="1" dirty="0">
+                <a:solidFill>
+                  <a:srgbClr val="000066"/>
+                </a:solidFill>
+                <a:latin typeface="Calibri" panose="020F0502020204030204" pitchFamily="34" charset="0"/>
+                <a:ea typeface="微軟正黑體" pitchFamily="34" charset="-120"/>
+                <a:cs typeface="Calibri" panose="020F0502020204030204" pitchFamily="34" charset="0"/>
+              </a:rPr>
+              <a:t> </a:t>
+            </a:r>
+            <a:r>
+              <a:rPr lang="en-US" sz="3600" b="1" dirty="0" err="1">
+                <a:solidFill>
+                  <a:srgbClr val="000066"/>
+                </a:solidFill>
+                <a:latin typeface="Calibri" panose="020F0502020204030204" pitchFamily="34" charset="0"/>
+                <a:ea typeface="微軟正黑體" pitchFamily="34" charset="-120"/>
+                <a:cs typeface="Calibri" panose="020F0502020204030204" pitchFamily="34" charset="0"/>
+              </a:rPr>
+              <a:t>Cứu</a:t>
+            </a:r>
+            <a:r>
+              <a:rPr lang="en-US" sz="3600" b="1" dirty="0">
+                <a:solidFill>
+                  <a:srgbClr val="000066"/>
+                </a:solidFill>
+                <a:latin typeface="Calibri" panose="020F0502020204030204" pitchFamily="34" charset="0"/>
+                <a:ea typeface="微軟正黑體" pitchFamily="34" charset="-120"/>
+                <a:cs typeface="Calibri" panose="020F0502020204030204" pitchFamily="34" charset="0"/>
+              </a:rPr>
+              <a:t> </a:t>
+            </a:r>
+            <a:r>
+              <a:rPr lang="en-US" sz="3600" b="1" dirty="0" err="1">
+                <a:solidFill>
+                  <a:srgbClr val="000066"/>
+                </a:solidFill>
+                <a:latin typeface="Calibri" panose="020F0502020204030204" pitchFamily="34" charset="0"/>
+                <a:ea typeface="微軟正黑體" pitchFamily="34" charset="-120"/>
+                <a:cs typeface="Calibri" panose="020F0502020204030204" pitchFamily="34" charset="0"/>
+              </a:rPr>
+              <a:t>Chúa</a:t>
+            </a:r>
+            <a:r>
+              <a:rPr lang="en-US" sz="3600" b="1" dirty="0">
+                <a:solidFill>
+                  <a:srgbClr val="000066"/>
+                </a:solidFill>
+                <a:latin typeface="Calibri" panose="020F0502020204030204" pitchFamily="34" charset="0"/>
+                <a:ea typeface="微軟正黑體" pitchFamily="34" charset="-120"/>
+                <a:cs typeface="Calibri" panose="020F0502020204030204" pitchFamily="34" charset="0"/>
+              </a:rPr>
+              <a:t> </a:t>
+            </a:r>
+            <a:r>
+              <a:rPr lang="en-US" sz="3600" b="1" dirty="0" err="1">
+                <a:solidFill>
+                  <a:srgbClr val="000066"/>
+                </a:solidFill>
+                <a:latin typeface="Calibri" panose="020F0502020204030204" pitchFamily="34" charset="0"/>
+                <a:ea typeface="微軟正黑體" pitchFamily="34" charset="-120"/>
+                <a:cs typeface="Calibri" panose="020F0502020204030204" pitchFamily="34" charset="0"/>
+              </a:rPr>
+              <a:t>của</a:t>
+            </a:r>
+            <a:r>
+              <a:rPr lang="en-US" sz="3600" b="1" dirty="0">
+                <a:solidFill>
+                  <a:srgbClr val="000066"/>
+                </a:solidFill>
+                <a:latin typeface="Calibri" panose="020F0502020204030204" pitchFamily="34" charset="0"/>
+                <a:ea typeface="微軟正黑體" pitchFamily="34" charset="-120"/>
+                <a:cs typeface="Calibri" panose="020F0502020204030204" pitchFamily="34" charset="0"/>
+              </a:rPr>
+              <a:t> </a:t>
+            </a:r>
+            <a:r>
+              <a:rPr lang="en-US" sz="3600" b="1" dirty="0" err="1">
+                <a:solidFill>
+                  <a:srgbClr val="000066"/>
+                </a:solidFill>
+                <a:latin typeface="Calibri" panose="020F0502020204030204" pitchFamily="34" charset="0"/>
+                <a:ea typeface="微軟正黑體" pitchFamily="34" charset="-120"/>
+                <a:cs typeface="Calibri" panose="020F0502020204030204" pitchFamily="34" charset="0"/>
+              </a:rPr>
+              <a:t>nhân</a:t>
+            </a:r>
+            <a:r>
+              <a:rPr lang="en-US" sz="3600" b="1" dirty="0">
+                <a:solidFill>
+                  <a:srgbClr val="000066"/>
+                </a:solidFill>
+                <a:latin typeface="Calibri" panose="020F0502020204030204" pitchFamily="34" charset="0"/>
+                <a:ea typeface="微軟正黑體" pitchFamily="34" charset="-120"/>
+                <a:cs typeface="Calibri" panose="020F0502020204030204" pitchFamily="34" charset="0"/>
+              </a:rPr>
+              <a:t> </a:t>
+            </a:r>
+            <a:r>
+              <a:rPr lang="en-US" sz="3600" b="1" dirty="0" err="1">
+                <a:solidFill>
+                  <a:srgbClr val="000066"/>
+                </a:solidFill>
+                <a:latin typeface="Calibri" panose="020F0502020204030204" pitchFamily="34" charset="0"/>
+                <a:ea typeface="微軟正黑體" pitchFamily="34" charset="-120"/>
+                <a:cs typeface="Calibri" panose="020F0502020204030204" pitchFamily="34" charset="0"/>
+              </a:rPr>
+              <a:t>loại</a:t>
+            </a:r>
+            <a:endParaRPr lang="en-US" sz="3600" b="1" dirty="0">
+              <a:solidFill>
+                <a:srgbClr val="000066"/>
+              </a:solidFill>
+              <a:latin typeface="Calibri" panose="020F0502020204030204" pitchFamily="34" charset="0"/>
+              <a:ea typeface="微軟正黑體" pitchFamily="34" charset="-120"/>
+              <a:cs typeface="Calibri" panose="020F0502020204030204" pitchFamily="34" charset="0"/>
+            </a:endParaRPr>
+          </a:p>
+        </p:txBody>
+      </p:sp>
+    </p:spTree>
+    <p:extLst>
+      <p:ext uri="{BB962C8B-B14F-4D97-AF65-F5344CB8AC3E}">
+        <p14:creationId xmlns:p14="http://schemas.microsoft.com/office/powerpoint/2010/main" val="1497329718"/>
       </p:ext>
     </p:extLst>
   </p:cSld>
@@ -8839,7 +9711,7 @@
         </p:nvSpPr>
         <p:spPr>
           <a:xfrm>
-            <a:off x="0" y="2167981"/>
+            <a:off x="0" y="2167982"/>
             <a:ext cx="12192000" cy="1318225"/>
           </a:xfrm>
         </p:spPr>
@@ -8860,7 +9732,7 @@
                 <a:latin typeface="微軟正黑體" pitchFamily="34" charset="-120"/>
                 <a:ea typeface="微軟正黑體" pitchFamily="34" charset="-120"/>
               </a:rPr>
-              <a:t>來迎見聖嬰孩，世人的救主</a:t>
+              <a:t>來迎見聖嬰孩  世人的救主</a:t>
             </a:r>
             <a:endParaRPr lang="en-US" altLang="zh-CN" sz="6400" b="1" dirty="0">
               <a:solidFill>
@@ -8882,7 +9754,7 @@
         </p:nvSpPr>
         <p:spPr>
           <a:xfrm>
-            <a:off x="0" y="3117530"/>
+            <a:off x="0" y="3117532"/>
             <a:ext cx="12192000" cy="1318225"/>
           </a:xfrm>
           <a:prstGeom prst="rect">
@@ -9318,7 +10190,7 @@
         </p:nvSpPr>
         <p:spPr>
           <a:xfrm>
-            <a:off x="0" y="2167981"/>
+            <a:off x="0" y="2167982"/>
             <a:ext cx="12192000" cy="1318225"/>
           </a:xfrm>
         </p:spPr>
@@ -9339,7 +10211,7 @@
                 <a:latin typeface="微軟正黑體" pitchFamily="34" charset="-120"/>
                 <a:ea typeface="微軟正黑體" pitchFamily="34" charset="-120"/>
               </a:rPr>
-              <a:t>天使同歡唱，全地充滿歌聲</a:t>
+              <a:t>天使同歡唱  全地充滿歌聲</a:t>
             </a:r>
             <a:endParaRPr lang="en-US" altLang="zh-CN" sz="6400" b="1" dirty="0">
               <a:solidFill>
@@ -9361,7 +10233,7 @@
         </p:nvSpPr>
         <p:spPr>
           <a:xfrm>
-            <a:off x="0" y="3117530"/>
+            <a:off x="0" y="3117532"/>
             <a:ext cx="12192000" cy="1318225"/>
           </a:xfrm>
           <a:prstGeom prst="rect">
@@ -9756,7 +10628,7 @@
         </p:nvSpPr>
         <p:spPr>
           <a:xfrm>
-            <a:off x="0" y="2167981"/>
+            <a:off x="0" y="2167982"/>
             <a:ext cx="12192000" cy="1318225"/>
           </a:xfrm>
         </p:spPr>
@@ -9777,7 +10649,7 @@
                 <a:latin typeface="微軟正黑體" pitchFamily="34" charset="-120"/>
                 <a:ea typeface="微軟正黑體" pitchFamily="34" charset="-120"/>
               </a:rPr>
-              <a:t>祂是新生王，馬槽卑微降生</a:t>
+              <a:t>祂是新生王  馬槽卑微降生</a:t>
             </a:r>
             <a:endParaRPr lang="en-US" altLang="zh-CN" sz="6400" b="1" dirty="0">
               <a:solidFill>
@@ -9799,7 +10671,7 @@
         </p:nvSpPr>
         <p:spPr>
           <a:xfrm>
-            <a:off x="0" y="3117530"/>
+            <a:off x="0" y="3117532"/>
             <a:ext cx="12192000" cy="1318225"/>
           </a:xfrm>
           <a:prstGeom prst="rect">
@@ -10235,7 +11107,7 @@
         </p:nvSpPr>
         <p:spPr>
           <a:xfrm>
-            <a:off x="0" y="2167981"/>
+            <a:off x="0" y="2167982"/>
             <a:ext cx="12192000" cy="1318225"/>
           </a:xfrm>
         </p:spPr>
@@ -10256,7 +11128,7 @@
                 <a:latin typeface="微軟正黑體" pitchFamily="34" charset="-120"/>
                 <a:ea typeface="微軟正黑體" pitchFamily="34" charset="-120"/>
               </a:rPr>
-              <a:t>你若有煩惱，心中幽暗</a:t>
+              <a:t>你若有煩惱  心中幽暗</a:t>
             </a:r>
             <a:endParaRPr lang="en-US" altLang="zh-CN" sz="6400" b="1" dirty="0">
               <a:solidFill>
@@ -10278,7 +11150,7 @@
         </p:nvSpPr>
         <p:spPr>
           <a:xfrm>
-            <a:off x="0" y="3117530"/>
+            <a:off x="0" y="3117532"/>
             <a:ext cx="12192000" cy="1318225"/>
           </a:xfrm>
           <a:prstGeom prst="rect">
@@ -10714,7 +11586,7 @@
         </p:nvSpPr>
         <p:spPr>
           <a:xfrm>
-            <a:off x="0" y="2167981"/>
+            <a:off x="0" y="2167982"/>
             <a:ext cx="12192000" cy="1318225"/>
           </a:xfrm>
         </p:spPr>
@@ -10735,7 +11607,7 @@
                 <a:latin typeface="微軟正黑體" pitchFamily="34" charset="-120"/>
                 <a:ea typeface="微軟正黑體" pitchFamily="34" charset="-120"/>
               </a:rPr>
-              <a:t>一生勞苦憂愁，身心極疲倦</a:t>
+              <a:t>一生勞苦憂愁  身心極疲倦</a:t>
             </a:r>
             <a:endParaRPr lang="en-US" altLang="zh-CN" sz="6400" b="1" dirty="0">
               <a:solidFill>
@@ -10757,7 +11629,7 @@
         </p:nvSpPr>
         <p:spPr>
           <a:xfrm>
-            <a:off x="0" y="3117530"/>
+            <a:off x="0" y="3117532"/>
             <a:ext cx="12192000" cy="1318225"/>
           </a:xfrm>
           <a:prstGeom prst="rect">
@@ -11303,7 +12175,7 @@
         </p:nvSpPr>
         <p:spPr>
           <a:xfrm>
-            <a:off x="0" y="2167981"/>
+            <a:off x="0" y="2167982"/>
             <a:ext cx="12192000" cy="1318225"/>
           </a:xfrm>
         </p:spPr>
@@ -11324,7 +12196,7 @@
                 <a:latin typeface="微軟正黑體" pitchFamily="34" charset="-120"/>
                 <a:ea typeface="微軟正黑體" pitchFamily="34" charset="-120"/>
               </a:rPr>
-              <a:t>來，靠近耶穌，永生真神兒子</a:t>
+              <a:t>來靠近耶穌  永生真神兒子</a:t>
             </a:r>
             <a:endParaRPr lang="en-US" altLang="zh-CN" sz="6400" b="1" dirty="0">
               <a:solidFill>
@@ -11346,7 +12218,7 @@
         </p:nvSpPr>
         <p:spPr>
           <a:xfrm>
-            <a:off x="0" y="3117530"/>
+            <a:off x="0" y="3117532"/>
             <a:ext cx="12192000" cy="1318225"/>
           </a:xfrm>
           <a:prstGeom prst="rect">
@@ -11804,7 +12676,7 @@
         </p:nvSpPr>
         <p:spPr>
           <a:xfrm>
-            <a:off x="0" y="2167981"/>
+            <a:off x="0" y="2167982"/>
             <a:ext cx="12192000" cy="1318225"/>
           </a:xfrm>
         </p:spPr>
@@ -11825,7 +12697,7 @@
                 <a:latin typeface="微軟正黑體" pitchFamily="34" charset="-120"/>
                 <a:ea typeface="微軟正黑體" pitchFamily="34" charset="-120"/>
               </a:rPr>
-              <a:t>卸下你擔子，在祂愛中安息</a:t>
+              <a:t>卸下你擔子  在祂愛中安息</a:t>
             </a:r>
             <a:endParaRPr lang="en-US" altLang="zh-CN" sz="6400" b="1" dirty="0">
               <a:solidFill>
@@ -11847,7 +12719,7 @@
         </p:nvSpPr>
         <p:spPr>
           <a:xfrm>
-            <a:off x="0" y="3117530"/>
+            <a:off x="0" y="3117532"/>
             <a:ext cx="12192000" cy="1318225"/>
           </a:xfrm>
           <a:prstGeom prst="rect">
